--- a/docs/presentation/master.pptx
+++ b/docs/presentation/master.pptx
@@ -17,6 +17,10 @@
     <p:sldId id="265" r:id="rId11"/>
     <p:sldId id="264" r:id="rId12"/>
     <p:sldId id="261" r:id="rId13"/>
+    <p:sldId id="267" r:id="rId14"/>
+    <p:sldId id="268" r:id="rId15"/>
+    <p:sldId id="270" r:id="rId16"/>
+    <p:sldId id="269" r:id="rId17"/>
   </p:sldIdLst>
   <p:sldSz cx="9144000" cy="6858000" type="screen4x3"/>
   <p:notesSz cx="6858000" cy="9144000"/>
@@ -115,6 +119,22 @@
       </a:defRPr>
     </a:lvl9pPr>
   </p:defaultTextStyle>
+  <p:extLst>
+    <p:ext uri="{EFAFB233-063F-42B5-8137-9DF3F51BA10A}">
+      <p15:sldGuideLst xmlns:p15="http://schemas.microsoft.com/office/powerpoint/2012/main">
+        <p15:guide id="1" orient="horz" pos="2160">
+          <p15:clr>
+            <a:srgbClr val="A4A3A4"/>
+          </p15:clr>
+        </p15:guide>
+        <p15:guide id="2" pos="2880">
+          <p15:clr>
+            <a:srgbClr val="A4A3A4"/>
+          </p15:clr>
+        </p15:guide>
+      </p15:sldGuideLst>
+    </p:ext>
+  </p:extLst>
 </p:presentation>
 </file>
 
@@ -299,7 +319,7 @@
           <a:p>
             <a:fld id="{14DA9D7A-8977-4189-8C1E-3CBA94454C2D}" type="datetimeFigureOut">
               <a:rPr lang="en-GB" smtClean="0"/>
-              <a:t>23/02/2015</a:t>
+              <a:t>26/02/2015</a:t>
             </a:fld>
             <a:endParaRPr lang="en-GB"/>
           </a:p>
@@ -469,7 +489,7 @@
           <a:p>
             <a:fld id="{14DA9D7A-8977-4189-8C1E-3CBA94454C2D}" type="datetimeFigureOut">
               <a:rPr lang="en-GB" smtClean="0"/>
-              <a:t>23/02/2015</a:t>
+              <a:t>26/02/2015</a:t>
             </a:fld>
             <a:endParaRPr lang="en-GB"/>
           </a:p>
@@ -649,7 +669,7 @@
           <a:p>
             <a:fld id="{14DA9D7A-8977-4189-8C1E-3CBA94454C2D}" type="datetimeFigureOut">
               <a:rPr lang="en-GB" smtClean="0"/>
-              <a:t>23/02/2015</a:t>
+              <a:t>26/02/2015</a:t>
             </a:fld>
             <a:endParaRPr lang="en-GB"/>
           </a:p>
@@ -898,7 +918,7 @@
                 </a:solidFill>
               </a:rPr>
               <a:pPr/>
-              <a:t>23/02/2015</a:t>
+              <a:t>26/02/2015</a:t>
             </a:fld>
             <a:endParaRPr lang="en-GB">
               <a:solidFill>
@@ -1100,7 +1120,7 @@
                 </a:solidFill>
               </a:rPr>
               <a:pPr/>
-              <a:t>23/02/2015</a:t>
+              <a:t>26/02/2015</a:t>
             </a:fld>
             <a:endParaRPr lang="en-GB">
               <a:solidFill>
@@ -1378,7 +1398,7 @@
                 </a:solidFill>
               </a:rPr>
               <a:pPr/>
-              <a:t>23/02/2015</a:t>
+              <a:t>26/02/2015</a:t>
             </a:fld>
             <a:endParaRPr lang="en-GB">
               <a:solidFill>
@@ -1698,7 +1718,7 @@
                 </a:solidFill>
               </a:rPr>
               <a:pPr/>
-              <a:t>23/02/2015</a:t>
+              <a:t>26/02/2015</a:t>
             </a:fld>
             <a:endParaRPr lang="en-GB">
               <a:solidFill>
@@ -2152,7 +2172,7 @@
                 </a:solidFill>
               </a:rPr>
               <a:pPr/>
-              <a:t>23/02/2015</a:t>
+              <a:t>26/02/2015</a:t>
             </a:fld>
             <a:endParaRPr lang="en-GB">
               <a:solidFill>
@@ -2302,7 +2322,7 @@
                 </a:solidFill>
               </a:rPr>
               <a:pPr/>
-              <a:t>23/02/2015</a:t>
+              <a:t>26/02/2015</a:t>
             </a:fld>
             <a:endParaRPr lang="en-GB">
               <a:solidFill>
@@ -2429,7 +2449,7 @@
                 </a:solidFill>
               </a:rPr>
               <a:pPr/>
-              <a:t>23/02/2015</a:t>
+              <a:t>26/02/2015</a:t>
             </a:fld>
             <a:endParaRPr lang="en-GB">
               <a:solidFill>
@@ -2738,7 +2758,7 @@
                 </a:solidFill>
               </a:rPr>
               <a:pPr/>
-              <a:t>23/02/2015</a:t>
+              <a:t>26/02/2015</a:t>
             </a:fld>
             <a:endParaRPr lang="en-GB">
               <a:solidFill>
@@ -2933,7 +2953,7 @@
           <a:p>
             <a:fld id="{14DA9D7A-8977-4189-8C1E-3CBA94454C2D}" type="datetimeFigureOut">
               <a:rPr lang="en-GB" smtClean="0"/>
-              <a:t>23/02/2015</a:t>
+              <a:t>26/02/2015</a:t>
             </a:fld>
             <a:endParaRPr lang="en-GB"/>
           </a:p>
@@ -3193,7 +3213,7 @@
                 </a:solidFill>
               </a:rPr>
               <a:pPr/>
-              <a:t>23/02/2015</a:t>
+              <a:t>26/02/2015</a:t>
             </a:fld>
             <a:endParaRPr lang="en-GB">
               <a:solidFill>
@@ -3395,7 +3415,7 @@
                 </a:solidFill>
               </a:rPr>
               <a:pPr/>
-              <a:t>23/02/2015</a:t>
+              <a:t>26/02/2015</a:t>
             </a:fld>
             <a:endParaRPr lang="en-GB">
               <a:solidFill>
@@ -3607,7 +3627,7 @@
                 </a:solidFill>
               </a:rPr>
               <a:pPr/>
-              <a:t>23/02/2015</a:t>
+              <a:t>26/02/2015</a:t>
             </a:fld>
             <a:endParaRPr lang="en-GB">
               <a:solidFill>
@@ -3881,7 +3901,7 @@
                 </a:solidFill>
               </a:rPr>
               <a:pPr/>
-              <a:t>23/02/2015</a:t>
+              <a:t>26/02/2015</a:t>
             </a:fld>
             <a:endParaRPr lang="en-GB">
               <a:solidFill>
@@ -4083,7 +4103,7 @@
                 </a:solidFill>
               </a:rPr>
               <a:pPr/>
-              <a:t>23/02/2015</a:t>
+              <a:t>26/02/2015</a:t>
             </a:fld>
             <a:endParaRPr lang="en-GB">
               <a:solidFill>
@@ -4361,7 +4381,7 @@
                 </a:solidFill>
               </a:rPr>
               <a:pPr/>
-              <a:t>23/02/2015</a:t>
+              <a:t>26/02/2015</a:t>
             </a:fld>
             <a:endParaRPr lang="en-GB">
               <a:solidFill>
@@ -4681,7 +4701,7 @@
                 </a:solidFill>
               </a:rPr>
               <a:pPr/>
-              <a:t>23/02/2015</a:t>
+              <a:t>26/02/2015</a:t>
             </a:fld>
             <a:endParaRPr lang="en-GB">
               <a:solidFill>
@@ -5135,7 +5155,7 @@
                 </a:solidFill>
               </a:rPr>
               <a:pPr/>
-              <a:t>23/02/2015</a:t>
+              <a:t>26/02/2015</a:t>
             </a:fld>
             <a:endParaRPr lang="en-GB">
               <a:solidFill>
@@ -5285,7 +5305,7 @@
                 </a:solidFill>
               </a:rPr>
               <a:pPr/>
-              <a:t>23/02/2015</a:t>
+              <a:t>26/02/2015</a:t>
             </a:fld>
             <a:endParaRPr lang="en-GB">
               <a:solidFill>
@@ -5412,7 +5432,7 @@
                 </a:solidFill>
               </a:rPr>
               <a:pPr/>
-              <a:t>23/02/2015</a:t>
+              <a:t>26/02/2015</a:t>
             </a:fld>
             <a:endParaRPr lang="en-GB">
               <a:solidFill>
@@ -5683,7 +5703,7 @@
           <a:p>
             <a:fld id="{14DA9D7A-8977-4189-8C1E-3CBA94454C2D}" type="datetimeFigureOut">
               <a:rPr lang="en-GB" smtClean="0"/>
-              <a:t>23/02/2015</a:t>
+              <a:t>26/02/2015</a:t>
             </a:fld>
             <a:endParaRPr lang="en-GB"/>
           </a:p>
@@ -5967,7 +5987,7 @@
                 </a:solidFill>
               </a:rPr>
               <a:pPr/>
-              <a:t>23/02/2015</a:t>
+              <a:t>26/02/2015</a:t>
             </a:fld>
             <a:endParaRPr lang="en-GB">
               <a:solidFill>
@@ -6252,7 +6272,7 @@
                 </a:solidFill>
               </a:rPr>
               <a:pPr/>
-              <a:t>23/02/2015</a:t>
+              <a:t>26/02/2015</a:t>
             </a:fld>
             <a:endParaRPr lang="en-GB">
               <a:solidFill>
@@ -6454,7 +6474,7 @@
                 </a:solidFill>
               </a:rPr>
               <a:pPr/>
-              <a:t>23/02/2015</a:t>
+              <a:t>26/02/2015</a:t>
             </a:fld>
             <a:endParaRPr lang="en-GB">
               <a:solidFill>
@@ -6666,7 +6686,7 @@
                 </a:solidFill>
               </a:rPr>
               <a:pPr/>
-              <a:t>23/02/2015</a:t>
+              <a:t>26/02/2015</a:t>
             </a:fld>
             <a:endParaRPr lang="en-GB">
               <a:solidFill>
@@ -6940,7 +6960,7 @@
                 </a:solidFill>
               </a:rPr>
               <a:pPr/>
-              <a:t>23/02/2015</a:t>
+              <a:t>26/02/2015</a:t>
             </a:fld>
             <a:endParaRPr lang="en-GB">
               <a:solidFill>
@@ -7142,7 +7162,7 @@
                 </a:solidFill>
               </a:rPr>
               <a:pPr/>
-              <a:t>23/02/2015</a:t>
+              <a:t>26/02/2015</a:t>
             </a:fld>
             <a:endParaRPr lang="en-GB">
               <a:solidFill>
@@ -7420,7 +7440,7 @@
                 </a:solidFill>
               </a:rPr>
               <a:pPr/>
-              <a:t>23/02/2015</a:t>
+              <a:t>26/02/2015</a:t>
             </a:fld>
             <a:endParaRPr lang="en-GB">
               <a:solidFill>
@@ -7740,7 +7760,7 @@
                 </a:solidFill>
               </a:rPr>
               <a:pPr/>
-              <a:t>23/02/2015</a:t>
+              <a:t>26/02/2015</a:t>
             </a:fld>
             <a:endParaRPr lang="en-GB">
               <a:solidFill>
@@ -8194,7 +8214,7 @@
                 </a:solidFill>
               </a:rPr>
               <a:pPr/>
-              <a:t>23/02/2015</a:t>
+              <a:t>26/02/2015</a:t>
             </a:fld>
             <a:endParaRPr lang="en-GB">
               <a:solidFill>
@@ -8344,7 +8364,7 @@
                 </a:solidFill>
               </a:rPr>
               <a:pPr/>
-              <a:t>23/02/2015</a:t>
+              <a:t>26/02/2015</a:t>
             </a:fld>
             <a:endParaRPr lang="en-GB">
               <a:solidFill>
@@ -8657,7 +8677,7 @@
           <a:p>
             <a:fld id="{14DA9D7A-8977-4189-8C1E-3CBA94454C2D}" type="datetimeFigureOut">
               <a:rPr lang="en-GB" smtClean="0"/>
-              <a:t>23/02/2015</a:t>
+              <a:t>26/02/2015</a:t>
             </a:fld>
             <a:endParaRPr lang="en-GB"/>
           </a:p>
@@ -8759,7 +8779,7 @@
                 </a:solidFill>
               </a:rPr>
               <a:pPr/>
-              <a:t>23/02/2015</a:t>
+              <a:t>26/02/2015</a:t>
             </a:fld>
             <a:endParaRPr lang="en-GB">
               <a:solidFill>
@@ -9068,7 +9088,7 @@
                 </a:solidFill>
               </a:rPr>
               <a:pPr/>
-              <a:t>23/02/2015</a:t>
+              <a:t>26/02/2015</a:t>
             </a:fld>
             <a:endParaRPr lang="en-GB">
               <a:solidFill>
@@ -9353,7 +9373,7 @@
                 </a:solidFill>
               </a:rPr>
               <a:pPr/>
-              <a:t>23/02/2015</a:t>
+              <a:t>26/02/2015</a:t>
             </a:fld>
             <a:endParaRPr lang="en-GB">
               <a:solidFill>
@@ -9555,7 +9575,7 @@
                 </a:solidFill>
               </a:rPr>
               <a:pPr/>
-              <a:t>23/02/2015</a:t>
+              <a:t>26/02/2015</a:t>
             </a:fld>
             <a:endParaRPr lang="en-GB">
               <a:solidFill>
@@ -9767,7 +9787,7 @@
                 </a:solidFill>
               </a:rPr>
               <a:pPr/>
-              <a:t>23/02/2015</a:t>
+              <a:t>26/02/2015</a:t>
             </a:fld>
             <a:endParaRPr lang="en-GB">
               <a:solidFill>
@@ -10214,7 +10234,7 @@
           <a:p>
             <a:fld id="{14DA9D7A-8977-4189-8C1E-3CBA94454C2D}" type="datetimeFigureOut">
               <a:rPr lang="en-GB" smtClean="0"/>
-              <a:t>23/02/2015</a:t>
+              <a:t>26/02/2015</a:t>
             </a:fld>
             <a:endParaRPr lang="en-GB"/>
           </a:p>
@@ -10332,7 +10352,7 @@
           <a:p>
             <a:fld id="{14DA9D7A-8977-4189-8C1E-3CBA94454C2D}" type="datetimeFigureOut">
               <a:rPr lang="en-GB" smtClean="0"/>
-              <a:t>23/02/2015</a:t>
+              <a:t>26/02/2015</a:t>
             </a:fld>
             <a:endParaRPr lang="en-GB"/>
           </a:p>
@@ -10427,7 +10447,7 @@
           <a:p>
             <a:fld id="{14DA9D7A-8977-4189-8C1E-3CBA94454C2D}" type="datetimeFigureOut">
               <a:rPr lang="en-GB" smtClean="0"/>
-              <a:t>23/02/2015</a:t>
+              <a:t>26/02/2015</a:t>
             </a:fld>
             <a:endParaRPr lang="en-GB"/>
           </a:p>
@@ -10704,7 +10724,7 @@
           <a:p>
             <a:fld id="{14DA9D7A-8977-4189-8C1E-3CBA94454C2D}" type="datetimeFigureOut">
               <a:rPr lang="en-GB" smtClean="0"/>
-              <a:t>23/02/2015</a:t>
+              <a:t>26/02/2015</a:t>
             </a:fld>
             <a:endParaRPr lang="en-GB"/>
           </a:p>
@@ -10957,7 +10977,7 @@
           <a:p>
             <a:fld id="{14DA9D7A-8977-4189-8C1E-3CBA94454C2D}" type="datetimeFigureOut">
               <a:rPr lang="en-GB" smtClean="0"/>
-              <a:t>23/02/2015</a:t>
+              <a:t>26/02/2015</a:t>
             </a:fld>
             <a:endParaRPr lang="en-GB"/>
           </a:p>
@@ -11170,7 +11190,7 @@
           <a:p>
             <a:fld id="{14DA9D7A-8977-4189-8C1E-3CBA94454C2D}" type="datetimeFigureOut">
               <a:rPr lang="en-GB" smtClean="0"/>
-              <a:t>23/02/2015</a:t>
+              <a:t>26/02/2015</a:t>
             </a:fld>
             <a:endParaRPr lang="en-GB"/>
           </a:p>
@@ -11687,7 +11707,7 @@
                 </a:solidFill>
               </a:rPr>
               <a:pPr/>
-              <a:t>23/02/2015</a:t>
+              <a:t>26/02/2015</a:t>
             </a:fld>
             <a:endParaRPr lang="en-GB">
               <a:solidFill>
@@ -12229,7 +12249,7 @@
                 </a:solidFill>
               </a:rPr>
               <a:pPr/>
-              <a:t>23/02/2015</a:t>
+              <a:t>26/02/2015</a:t>
             </a:fld>
             <a:endParaRPr lang="en-GB">
               <a:solidFill>
@@ -12771,7 +12791,7 @@
                 </a:solidFill>
               </a:rPr>
               <a:pPr/>
-              <a:t>23/02/2015</a:t>
+              <a:t>26/02/2015</a:t>
             </a:fld>
             <a:endParaRPr lang="en-GB">
               <a:solidFill>
@@ -13198,7 +13218,36 @@
               <a:rPr lang="en-GB" dirty="0" smtClean="0">
                 <a:latin typeface="Moire Light" panose="02000304030000020004" pitchFamily="2" charset="0"/>
               </a:rPr>
-              <a:t>The Role of Bartle’s Gamer Types in Higher Education</a:t>
+              <a:t>The Role of Bartle’s Gamer Types </a:t>
+            </a:r>
+            <a:r>
+              <a:rPr lang="en-GB" dirty="0" smtClean="0">
+                <a:latin typeface="Moire Light" panose="02000304030000020004" pitchFamily="2" charset="0"/>
+              </a:rPr>
+              <a:t>in</a:t>
+            </a:r>
+            <a:br>
+              <a:rPr lang="en-GB" dirty="0" smtClean="0">
+                <a:latin typeface="Moire Light" panose="02000304030000020004" pitchFamily="2" charset="0"/>
+              </a:rPr>
+            </a:br>
+            <a:r>
+              <a:rPr lang="en-GB" dirty="0" err="1" smtClean="0">
+                <a:latin typeface="Moire Light" panose="02000304030000020004" pitchFamily="2" charset="0"/>
+              </a:rPr>
+              <a:t>Gamified</a:t>
+            </a:r>
+            <a:r>
+              <a:rPr lang="en-GB" dirty="0" smtClean="0">
+                <a:latin typeface="Moire Light" panose="02000304030000020004" pitchFamily="2" charset="0"/>
+              </a:rPr>
+              <a:t> </a:t>
+            </a:r>
+            <a:r>
+              <a:rPr lang="en-GB" dirty="0" smtClean="0">
+                <a:latin typeface="Moire Light" panose="02000304030000020004" pitchFamily="2" charset="0"/>
+              </a:rPr>
+              <a:t>Higher Education</a:t>
             </a:r>
             <a:endParaRPr lang="en-GB" dirty="0">
               <a:latin typeface="Moire Light" panose="02000304030000020004" pitchFamily="2" charset="0"/>
@@ -13251,6 +13300,932 @@
     <p:extLst>
       <p:ext uri="{BB962C8B-B14F-4D97-AF65-F5344CB8AC3E}">
         <p14:creationId xmlns:p14="http://schemas.microsoft.com/office/powerpoint/2010/main" val="355557878"/>
+      </p:ext>
+    </p:extLst>
+  </p:cSld>
+  <p:clrMapOvr>
+    <a:masterClrMapping/>
+  </p:clrMapOvr>
+  <p:timing>
+    <p:tnLst>
+      <p:par>
+        <p:cTn id="1" dur="indefinite" restart="never" nodeType="tmRoot"/>
+      </p:par>
+    </p:tnLst>
+  </p:timing>
+</p:sld>
+</file>
+
+<file path=ppt/slides/slide10.xml><?xml version="1.0" encoding="utf-8"?>
+<p:sld xmlns:a="http://schemas.openxmlformats.org/drawingml/2006/main" xmlns:r="http://schemas.openxmlformats.org/officeDocument/2006/relationships" xmlns:p="http://schemas.openxmlformats.org/presentationml/2006/main">
+  <p:cSld>
+    <p:bg>
+      <p:bgPr>
+        <a:solidFill>
+          <a:srgbClr val="66CCFF"/>
+        </a:solidFill>
+        <a:effectLst/>
+      </p:bgPr>
+    </p:bg>
+    <p:spTree>
+      <p:nvGrpSpPr>
+        <p:cNvPr id="1" name=""/>
+        <p:cNvGrpSpPr/>
+        <p:nvPr/>
+      </p:nvGrpSpPr>
+      <p:grpSpPr>
+        <a:xfrm>
+          <a:off x="0" y="0"/>
+          <a:ext cx="0" cy="0"/>
+          <a:chOff x="0" y="0"/>
+          <a:chExt cx="0" cy="0"/>
+        </a:xfrm>
+      </p:grpSpPr>
+      <p:sp>
+        <p:nvSpPr>
+          <p:cNvPr id="2" name="Title 1"/>
+          <p:cNvSpPr>
+            <a:spLocks noGrp="1"/>
+          </p:cNvSpPr>
+          <p:nvPr>
+            <p:ph type="title"/>
+          </p:nvPr>
+        </p:nvSpPr>
+        <p:spPr/>
+        <p:txBody>
+          <a:bodyPr/>
+          <a:lstStyle/>
+          <a:p>
+            <a:r>
+              <a:rPr lang="en-GB" dirty="0">
+                <a:latin typeface="Moire Light" panose="02000304030000020004" pitchFamily="2" charset="0"/>
+              </a:rPr>
+              <a:t>What does </a:t>
+            </a:r>
+            <a:r>
+              <a:rPr lang="en-GB" dirty="0" err="1">
+                <a:latin typeface="Moire Light" panose="02000304030000020004" pitchFamily="2" charset="0"/>
+              </a:rPr>
+              <a:t>gamified</a:t>
+            </a:r>
+            <a:r>
+              <a:rPr lang="en-GB" dirty="0">
+                <a:latin typeface="Moire Light" panose="02000304030000020004" pitchFamily="2" charset="0"/>
+              </a:rPr>
+              <a:t> HE entail?</a:t>
+            </a:r>
+            <a:endParaRPr lang="en-GB" dirty="0">
+              <a:latin typeface="Moire Light" panose="02000304030000020004" pitchFamily="2" charset="0"/>
+            </a:endParaRPr>
+          </a:p>
+        </p:txBody>
+      </p:sp>
+      <p:sp>
+        <p:nvSpPr>
+          <p:cNvPr id="3" name="Content Placeholder 2"/>
+          <p:cNvSpPr>
+            <a:spLocks noGrp="1"/>
+          </p:cNvSpPr>
+          <p:nvPr>
+            <p:ph idx="1"/>
+          </p:nvPr>
+        </p:nvSpPr>
+        <p:spPr/>
+        <p:txBody>
+          <a:bodyPr>
+            <a:normAutofit/>
+          </a:bodyPr>
+          <a:lstStyle/>
+          <a:p>
+            <a:r>
+              <a:rPr lang="en-GB" dirty="0" smtClean="0">
+                <a:latin typeface="Moire Light" panose="02000304030000020004" pitchFamily="2" charset="0"/>
+              </a:rPr>
+              <a:t>Using </a:t>
+            </a:r>
+            <a:r>
+              <a:rPr lang="en-GB" dirty="0" err="1" smtClean="0">
+                <a:latin typeface="Moire Light" panose="02000304030000020004" pitchFamily="2" charset="0"/>
+              </a:rPr>
+              <a:t>gamified</a:t>
+            </a:r>
+            <a:r>
+              <a:rPr lang="en-GB" dirty="0" smtClean="0">
+                <a:latin typeface="Moire Light" panose="02000304030000020004" pitchFamily="2" charset="0"/>
+              </a:rPr>
+              <a:t> systems to improve students’ experiences</a:t>
+            </a:r>
+          </a:p>
+          <a:p>
+            <a:r>
+              <a:rPr lang="en-GB" dirty="0" smtClean="0">
+                <a:latin typeface="Moire Light" panose="02000304030000020004" pitchFamily="2" charset="0"/>
+              </a:rPr>
+              <a:t>Institutions are (slowly) getting on board with gamification</a:t>
+            </a:r>
+          </a:p>
+          <a:p>
+            <a:endParaRPr lang="en-GB" dirty="0">
+              <a:latin typeface="Moire Light" panose="02000304030000020004" pitchFamily="2" charset="0"/>
+            </a:endParaRPr>
+          </a:p>
+        </p:txBody>
+      </p:sp>
+      <p:pic>
+        <p:nvPicPr>
+          <p:cNvPr id="4" name="Picture 3"/>
+          <p:cNvPicPr>
+            <a:picLocks noChangeAspect="1"/>
+          </p:cNvPicPr>
+          <p:nvPr/>
+        </p:nvPicPr>
+        <p:blipFill rotWithShape="1">
+          <a:blip r:embed="rId2"/>
+          <a:srcRect l="11418"/>
+          <a:stretch/>
+        </p:blipFill>
+        <p:spPr>
+          <a:xfrm>
+            <a:off x="2411255" y="3378910"/>
+            <a:ext cx="4321489" cy="2744162"/>
+          </a:xfrm>
+          <a:prstGeom prst="rect">
+            <a:avLst/>
+          </a:prstGeom>
+        </p:spPr>
+      </p:pic>
+    </p:spTree>
+    <p:extLst>
+      <p:ext uri="{BB962C8B-B14F-4D97-AF65-F5344CB8AC3E}">
+        <p14:creationId xmlns:p14="http://schemas.microsoft.com/office/powerpoint/2010/main" val="4089159015"/>
+      </p:ext>
+    </p:extLst>
+  </p:cSld>
+  <p:clrMapOvr>
+    <a:masterClrMapping/>
+  </p:clrMapOvr>
+  <p:timing>
+    <p:tnLst>
+      <p:par>
+        <p:cTn id="1" dur="indefinite" restart="never" nodeType="tmRoot"/>
+      </p:par>
+    </p:tnLst>
+  </p:timing>
+</p:sld>
+</file>
+
+<file path=ppt/slides/slide11.xml><?xml version="1.0" encoding="utf-8"?>
+<p:sld xmlns:a="http://schemas.openxmlformats.org/drawingml/2006/main" xmlns:r="http://schemas.openxmlformats.org/officeDocument/2006/relationships" xmlns:p="http://schemas.openxmlformats.org/presentationml/2006/main">
+  <p:cSld>
+    <p:bg>
+      <p:bgPr>
+        <a:solidFill>
+          <a:srgbClr val="66CCFF"/>
+        </a:solidFill>
+        <a:effectLst/>
+      </p:bgPr>
+    </p:bg>
+    <p:spTree>
+      <p:nvGrpSpPr>
+        <p:cNvPr id="1" name=""/>
+        <p:cNvGrpSpPr/>
+        <p:nvPr/>
+      </p:nvGrpSpPr>
+      <p:grpSpPr>
+        <a:xfrm>
+          <a:off x="0" y="0"/>
+          <a:ext cx="0" cy="0"/>
+          <a:chOff x="0" y="0"/>
+          <a:chExt cx="0" cy="0"/>
+        </a:xfrm>
+      </p:grpSpPr>
+      <p:sp>
+        <p:nvSpPr>
+          <p:cNvPr id="2" name="Title 1"/>
+          <p:cNvSpPr>
+            <a:spLocks noGrp="1"/>
+          </p:cNvSpPr>
+          <p:nvPr>
+            <p:ph type="title"/>
+          </p:nvPr>
+        </p:nvSpPr>
+        <p:spPr/>
+        <p:txBody>
+          <a:bodyPr/>
+          <a:lstStyle/>
+          <a:p>
+            <a:r>
+              <a:rPr lang="en-GB" dirty="0" smtClean="0">
+                <a:latin typeface="Moire Light" panose="02000304030000020004" pitchFamily="2" charset="0"/>
+              </a:rPr>
+              <a:t>Learning analytics</a:t>
+            </a:r>
+            <a:endParaRPr lang="en-GB" dirty="0">
+              <a:latin typeface="Moire Light" panose="02000304030000020004" pitchFamily="2" charset="0"/>
+            </a:endParaRPr>
+          </a:p>
+        </p:txBody>
+      </p:sp>
+      <p:sp>
+        <p:nvSpPr>
+          <p:cNvPr id="3" name="Content Placeholder 2"/>
+          <p:cNvSpPr>
+            <a:spLocks noGrp="1"/>
+          </p:cNvSpPr>
+          <p:nvPr>
+            <p:ph idx="1"/>
+          </p:nvPr>
+        </p:nvSpPr>
+        <p:spPr/>
+        <p:txBody>
+          <a:bodyPr>
+            <a:normAutofit/>
+          </a:bodyPr>
+          <a:lstStyle/>
+          <a:p>
+            <a:r>
+              <a:rPr lang="en-GB" dirty="0" smtClean="0">
+                <a:latin typeface="Moire Light" panose="02000304030000020004" pitchFamily="2" charset="0"/>
+              </a:rPr>
+              <a:t>Using </a:t>
+            </a:r>
+            <a:r>
+              <a:rPr lang="en-GB" dirty="0" err="1" smtClean="0">
+                <a:latin typeface="Moire Light" panose="02000304030000020004" pitchFamily="2" charset="0"/>
+              </a:rPr>
+              <a:t>gamified</a:t>
+            </a:r>
+            <a:r>
+              <a:rPr lang="en-GB" dirty="0" smtClean="0">
+                <a:latin typeface="Moire Light" panose="02000304030000020004" pitchFamily="2" charset="0"/>
+              </a:rPr>
+              <a:t> systems to improve students’ experiences</a:t>
+            </a:r>
+          </a:p>
+          <a:p>
+            <a:r>
+              <a:rPr lang="en-GB" dirty="0" smtClean="0">
+                <a:latin typeface="Moire Light" panose="02000304030000020004" pitchFamily="2" charset="0"/>
+              </a:rPr>
+              <a:t>Institutions are (slowly) getting on board with gamification</a:t>
+            </a:r>
+          </a:p>
+          <a:p>
+            <a:endParaRPr lang="en-GB" dirty="0">
+              <a:latin typeface="Moire Light" panose="02000304030000020004" pitchFamily="2" charset="0"/>
+            </a:endParaRPr>
+          </a:p>
+        </p:txBody>
+      </p:sp>
+      <p:pic>
+        <p:nvPicPr>
+          <p:cNvPr id="2050" name="Picture 2" descr="http://edcetera.rafter.com/wp-content/uploads/2013/03/LearningAnalytics-smaller1.jpg"/>
+          <p:cNvPicPr>
+            <a:picLocks noChangeAspect="1" noChangeArrowheads="1"/>
+          </p:cNvPicPr>
+          <p:nvPr/>
+        </p:nvPicPr>
+        <p:blipFill rotWithShape="1">
+          <a:blip r:embed="rId2">
+            <a:extLst>
+              <a:ext uri="{28A0092B-C50C-407E-A947-70E740481C1C}">
+                <a14:useLocalDpi xmlns:a14="http://schemas.microsoft.com/office/drawing/2010/main" val="0"/>
+              </a:ext>
+            </a:extLst>
+          </a:blip>
+          <a:srcRect l="1772" t="53358" r="53401"/>
+          <a:stretch/>
+        </p:blipFill>
+        <p:spPr bwMode="auto">
+          <a:xfrm>
+            <a:off x="205792" y="3145416"/>
+            <a:ext cx="4248472" cy="2834407"/>
+          </a:xfrm>
+          <a:prstGeom prst="rect">
+            <a:avLst/>
+          </a:prstGeom>
+          <a:noFill/>
+          <a:extLst>
+            <a:ext uri="{909E8E84-426E-40DD-AFC4-6F175D3DCCD1}">
+              <a14:hiddenFill xmlns:a14="http://schemas.microsoft.com/office/drawing/2010/main">
+                <a:solidFill>
+                  <a:srgbClr val="FFFFFF"/>
+                </a:solidFill>
+              </a14:hiddenFill>
+            </a:ext>
+          </a:extLst>
+        </p:spPr>
+      </p:pic>
+      <p:pic>
+        <p:nvPicPr>
+          <p:cNvPr id="2052" name="Picture 4" descr="http://edcetera.rafter.com/wp-content/uploads/2013/03/LearningAnalytics-smaller1.jpg"/>
+          <p:cNvPicPr>
+            <a:picLocks noChangeAspect="1" noChangeArrowheads="1"/>
+          </p:cNvPicPr>
+          <p:nvPr/>
+        </p:nvPicPr>
+        <p:blipFill rotWithShape="1">
+          <a:blip r:embed="rId2">
+            <a:extLst>
+              <a:ext uri="{28A0092B-C50C-407E-A947-70E740481C1C}">
+                <a14:useLocalDpi xmlns:a14="http://schemas.microsoft.com/office/drawing/2010/main" val="0"/>
+              </a:ext>
+            </a:extLst>
+          </a:blip>
+          <a:srcRect l="52678" t="53358" r="2494"/>
+          <a:stretch/>
+        </p:blipFill>
+        <p:spPr bwMode="auto">
+          <a:xfrm>
+            <a:off x="4716016" y="3140968"/>
+            <a:ext cx="4248472" cy="2834407"/>
+          </a:xfrm>
+          <a:prstGeom prst="rect">
+            <a:avLst/>
+          </a:prstGeom>
+          <a:noFill/>
+          <a:extLst>
+            <a:ext uri="{909E8E84-426E-40DD-AFC4-6F175D3DCCD1}">
+              <a14:hiddenFill xmlns:a14="http://schemas.microsoft.com/office/drawing/2010/main">
+                <a:solidFill>
+                  <a:srgbClr val="FFFFFF"/>
+                </a:solidFill>
+              </a14:hiddenFill>
+            </a:ext>
+          </a:extLst>
+        </p:spPr>
+      </p:pic>
+      <p:sp>
+        <p:nvSpPr>
+          <p:cNvPr id="7" name="TextBox 6"/>
+          <p:cNvSpPr txBox="1"/>
+          <p:nvPr/>
+        </p:nvSpPr>
+        <p:spPr>
+          <a:xfrm>
+            <a:off x="0" y="6488668"/>
+            <a:ext cx="9144000" cy="369332"/>
+          </a:xfrm>
+          <a:prstGeom prst="rect">
+            <a:avLst/>
+          </a:prstGeom>
+          <a:noFill/>
+        </p:spPr>
+        <p:txBody>
+          <a:bodyPr wrap="square" rtlCol="0">
+            <a:spAutoFit/>
+          </a:bodyPr>
+          <a:lstStyle/>
+          <a:p>
+            <a:pPr algn="ctr"/>
+            <a:r>
+              <a:rPr lang="en-GB" dirty="0" smtClean="0">
+                <a:latin typeface="Moire Light" panose="02000304030000020004" pitchFamily="2" charset="0"/>
+              </a:rPr>
+              <a:t>Part of an infographic by www.opencolleges.edu.au</a:t>
+            </a:r>
+            <a:endParaRPr lang="en-GB" dirty="0">
+              <a:latin typeface="Moire Light" panose="02000304030000020004" pitchFamily="2" charset="0"/>
+            </a:endParaRPr>
+          </a:p>
+        </p:txBody>
+      </p:sp>
+    </p:spTree>
+    <p:extLst>
+      <p:ext uri="{BB962C8B-B14F-4D97-AF65-F5344CB8AC3E}">
+        <p14:creationId xmlns:p14="http://schemas.microsoft.com/office/powerpoint/2010/main" val="3608318552"/>
+      </p:ext>
+    </p:extLst>
+  </p:cSld>
+  <p:clrMapOvr>
+    <a:masterClrMapping/>
+  </p:clrMapOvr>
+  <p:timing>
+    <p:tnLst>
+      <p:par>
+        <p:cTn id="1" dur="indefinite" restart="never" nodeType="tmRoot"/>
+      </p:par>
+    </p:tnLst>
+  </p:timing>
+</p:sld>
+</file>
+
+<file path=ppt/slides/slide12.xml><?xml version="1.0" encoding="utf-8"?>
+<p:sld xmlns:a="http://schemas.openxmlformats.org/drawingml/2006/main" xmlns:r="http://schemas.openxmlformats.org/officeDocument/2006/relationships" xmlns:p="http://schemas.openxmlformats.org/presentationml/2006/main">
+  <p:cSld>
+    <p:bg>
+      <p:bgPr>
+        <a:solidFill>
+          <a:srgbClr val="66CCFF"/>
+        </a:solidFill>
+        <a:effectLst/>
+      </p:bgPr>
+    </p:bg>
+    <p:spTree>
+      <p:nvGrpSpPr>
+        <p:cNvPr id="1" name=""/>
+        <p:cNvGrpSpPr/>
+        <p:nvPr/>
+      </p:nvGrpSpPr>
+      <p:grpSpPr>
+        <a:xfrm>
+          <a:off x="0" y="0"/>
+          <a:ext cx="0" cy="0"/>
+          <a:chOff x="0" y="0"/>
+          <a:chExt cx="0" cy="0"/>
+        </a:xfrm>
+      </p:grpSpPr>
+      <p:sp>
+        <p:nvSpPr>
+          <p:cNvPr id="2" name="Title 1"/>
+          <p:cNvSpPr>
+            <a:spLocks noGrp="1"/>
+          </p:cNvSpPr>
+          <p:nvPr>
+            <p:ph type="title"/>
+          </p:nvPr>
+        </p:nvSpPr>
+        <p:spPr/>
+        <p:txBody>
+          <a:bodyPr/>
+          <a:lstStyle/>
+          <a:p>
+            <a:r>
+              <a:rPr lang="en-GB" dirty="0" smtClean="0">
+                <a:latin typeface="Moire Light" panose="02000304030000020004" pitchFamily="2" charset="0"/>
+              </a:rPr>
+              <a:t>Presentation Overview</a:t>
+            </a:r>
+            <a:endParaRPr lang="en-GB" dirty="0">
+              <a:latin typeface="Moire Light" panose="02000304030000020004" pitchFamily="2" charset="0"/>
+            </a:endParaRPr>
+          </a:p>
+        </p:txBody>
+      </p:sp>
+      <p:sp>
+        <p:nvSpPr>
+          <p:cNvPr id="3" name="Content Placeholder 2"/>
+          <p:cNvSpPr>
+            <a:spLocks noGrp="1"/>
+          </p:cNvSpPr>
+          <p:nvPr>
+            <p:ph idx="1"/>
+          </p:nvPr>
+        </p:nvSpPr>
+        <p:spPr/>
+        <p:txBody>
+          <a:bodyPr>
+            <a:normAutofit/>
+          </a:bodyPr>
+          <a:lstStyle/>
+          <a:p>
+            <a:r>
+              <a:rPr lang="en-GB" dirty="0" smtClean="0">
+                <a:latin typeface="Moire Light" panose="02000304030000020004" pitchFamily="2" charset="0"/>
+              </a:rPr>
+              <a:t>What are Bartle’s gamer </a:t>
+            </a:r>
+            <a:r>
+              <a:rPr lang="en-GB" dirty="0">
+                <a:latin typeface="Moire Light" panose="02000304030000020004" pitchFamily="2" charset="0"/>
+              </a:rPr>
+              <a:t>t</a:t>
+            </a:r>
+            <a:r>
+              <a:rPr lang="en-GB" dirty="0" smtClean="0">
+                <a:latin typeface="Moire Light" panose="02000304030000020004" pitchFamily="2" charset="0"/>
+              </a:rPr>
+              <a:t>ypes?</a:t>
+            </a:r>
+          </a:p>
+          <a:p>
+            <a:r>
+              <a:rPr lang="en-GB" dirty="0">
+                <a:latin typeface="Moire Light" panose="02000304030000020004" pitchFamily="2" charset="0"/>
+              </a:rPr>
+              <a:t>What is gamification</a:t>
+            </a:r>
+            <a:r>
+              <a:rPr lang="en-GB" dirty="0" smtClean="0">
+                <a:latin typeface="Moire Light" panose="02000304030000020004" pitchFamily="2" charset="0"/>
+              </a:rPr>
+              <a:t>?</a:t>
+            </a:r>
+            <a:endParaRPr lang="en-GB" b="1" dirty="0" smtClean="0">
+              <a:solidFill>
+                <a:srgbClr val="7030A0"/>
+              </a:solidFill>
+              <a:latin typeface="Moire Light" panose="02000304030000020004" pitchFamily="2" charset="0"/>
+            </a:endParaRPr>
+          </a:p>
+          <a:p>
+            <a:r>
+              <a:rPr lang="en-GB" dirty="0" smtClean="0">
+                <a:latin typeface="Moire Light" panose="02000304030000020004" pitchFamily="2" charset="0"/>
+              </a:rPr>
+              <a:t>What does </a:t>
+            </a:r>
+            <a:r>
+              <a:rPr lang="en-GB" dirty="0" err="1">
+                <a:latin typeface="Moire Light" panose="02000304030000020004" pitchFamily="2" charset="0"/>
+              </a:rPr>
+              <a:t>gamified</a:t>
+            </a:r>
+            <a:r>
+              <a:rPr lang="en-GB" dirty="0">
+                <a:latin typeface="Moire Light" panose="02000304030000020004" pitchFamily="2" charset="0"/>
+              </a:rPr>
+              <a:t> HE entail? </a:t>
+            </a:r>
+            <a:endParaRPr lang="en-GB" dirty="0" smtClean="0">
+              <a:latin typeface="Moire Light" panose="02000304030000020004" pitchFamily="2" charset="0"/>
+            </a:endParaRPr>
+          </a:p>
+          <a:p>
+            <a:r>
+              <a:rPr lang="en-GB" b="1" dirty="0" smtClean="0">
+                <a:solidFill>
+                  <a:srgbClr val="7030A0"/>
+                </a:solidFill>
+                <a:latin typeface="Moire Light" panose="02000304030000020004" pitchFamily="2" charset="0"/>
+              </a:rPr>
+              <a:t>What </a:t>
+            </a:r>
+            <a:r>
+              <a:rPr lang="en-GB" b="1" dirty="0" smtClean="0">
+                <a:solidFill>
+                  <a:srgbClr val="7030A0"/>
+                </a:solidFill>
+                <a:latin typeface="Moire Light" panose="02000304030000020004" pitchFamily="2" charset="0"/>
+              </a:rPr>
+              <a:t>the report was investigating</a:t>
+            </a:r>
+          </a:p>
+          <a:p>
+            <a:r>
+              <a:rPr lang="en-GB" dirty="0" smtClean="0">
+                <a:latin typeface="Moire Light" panose="02000304030000020004" pitchFamily="2" charset="0"/>
+              </a:rPr>
+              <a:t>Results and conclusion</a:t>
+            </a:r>
+          </a:p>
+          <a:p>
+            <a:r>
+              <a:rPr lang="en-GB" dirty="0" smtClean="0">
+                <a:latin typeface="Moire Light" panose="02000304030000020004" pitchFamily="2" charset="0"/>
+              </a:rPr>
+              <a:t>Further work and Evaluation</a:t>
+            </a:r>
+          </a:p>
+          <a:p>
+            <a:r>
+              <a:rPr lang="en-GB" dirty="0" smtClean="0">
+                <a:latin typeface="Moire Light" panose="02000304030000020004" pitchFamily="2" charset="0"/>
+              </a:rPr>
+              <a:t>Questions</a:t>
+            </a:r>
+            <a:endParaRPr lang="en-GB" dirty="0">
+              <a:latin typeface="Moire Light" panose="02000304030000020004" pitchFamily="2" charset="0"/>
+            </a:endParaRPr>
+          </a:p>
+        </p:txBody>
+      </p:sp>
+    </p:spTree>
+    <p:extLst>
+      <p:ext uri="{BB962C8B-B14F-4D97-AF65-F5344CB8AC3E}">
+        <p14:creationId xmlns:p14="http://schemas.microsoft.com/office/powerpoint/2010/main" val="2226539520"/>
+      </p:ext>
+    </p:extLst>
+  </p:cSld>
+  <p:clrMapOvr>
+    <a:masterClrMapping/>
+  </p:clrMapOvr>
+  <p:timing>
+    <p:tnLst>
+      <p:par>
+        <p:cTn id="1" dur="indefinite" restart="never" nodeType="tmRoot"/>
+      </p:par>
+    </p:tnLst>
+  </p:timing>
+</p:sld>
+</file>
+
+<file path=ppt/slides/slide13.xml><?xml version="1.0" encoding="utf-8"?>
+<p:sld xmlns:a="http://schemas.openxmlformats.org/drawingml/2006/main" xmlns:r="http://schemas.openxmlformats.org/officeDocument/2006/relationships" xmlns:p="http://schemas.openxmlformats.org/presentationml/2006/main">
+  <p:cSld>
+    <p:bg>
+      <p:bgPr>
+        <a:solidFill>
+          <a:srgbClr val="66CCFF"/>
+        </a:solidFill>
+        <a:effectLst/>
+      </p:bgPr>
+    </p:bg>
+    <p:spTree>
+      <p:nvGrpSpPr>
+        <p:cNvPr id="1" name=""/>
+        <p:cNvGrpSpPr/>
+        <p:nvPr/>
+      </p:nvGrpSpPr>
+      <p:grpSpPr>
+        <a:xfrm>
+          <a:off x="0" y="0"/>
+          <a:ext cx="0" cy="0"/>
+          <a:chOff x="0" y="0"/>
+          <a:chExt cx="0" cy="0"/>
+        </a:xfrm>
+      </p:grpSpPr>
+      <p:sp>
+        <p:nvSpPr>
+          <p:cNvPr id="2" name="Title 1"/>
+          <p:cNvSpPr>
+            <a:spLocks noGrp="1"/>
+          </p:cNvSpPr>
+          <p:nvPr>
+            <p:ph type="title"/>
+          </p:nvPr>
+        </p:nvSpPr>
+        <p:spPr/>
+        <p:txBody>
+          <a:bodyPr>
+            <a:normAutofit fontScale="90000"/>
+          </a:bodyPr>
+          <a:lstStyle/>
+          <a:p>
+            <a:r>
+              <a:rPr lang="en-GB" dirty="0" err="1">
+                <a:latin typeface="Moire Light" panose="02000304030000020004" pitchFamily="2" charset="0"/>
+              </a:rPr>
+              <a:t>Modeling</a:t>
+            </a:r>
+            <a:r>
+              <a:rPr lang="en-GB" dirty="0">
+                <a:latin typeface="Moire Light" panose="02000304030000020004" pitchFamily="2" charset="0"/>
+              </a:rPr>
+              <a:t> </a:t>
+            </a:r>
+            <a:r>
+              <a:rPr lang="en-GB" dirty="0" smtClean="0">
+                <a:latin typeface="Moire Light" panose="02000304030000020004" pitchFamily="2" charset="0"/>
+              </a:rPr>
+              <a:t>[sic] the </a:t>
+            </a:r>
+            <a:r>
+              <a:rPr lang="en-GB" dirty="0">
+                <a:latin typeface="Moire Light" panose="02000304030000020004" pitchFamily="2" charset="0"/>
+              </a:rPr>
+              <a:t>player, learner</a:t>
+            </a:r>
+            <a:br>
+              <a:rPr lang="en-GB" dirty="0">
+                <a:latin typeface="Moire Light" panose="02000304030000020004" pitchFamily="2" charset="0"/>
+              </a:rPr>
+            </a:br>
+            <a:r>
+              <a:rPr lang="en-GB" dirty="0">
+                <a:latin typeface="Moire Light" panose="02000304030000020004" pitchFamily="2" charset="0"/>
+              </a:rPr>
+              <a:t>and </a:t>
+            </a:r>
+            <a:r>
+              <a:rPr lang="en-GB" dirty="0" smtClean="0">
+                <a:latin typeface="Moire Light" panose="02000304030000020004" pitchFamily="2" charset="0"/>
+              </a:rPr>
+              <a:t>personality. </a:t>
+            </a:r>
+            <a:r>
+              <a:rPr lang="en-GB" dirty="0" err="1" smtClean="0">
+                <a:latin typeface="Moire Light" panose="02000304030000020004" pitchFamily="2" charset="0"/>
+              </a:rPr>
+              <a:t>Konnert</a:t>
+            </a:r>
+            <a:r>
+              <a:rPr lang="en-GB" dirty="0" smtClean="0">
+                <a:latin typeface="Moire Light" panose="02000304030000020004" pitchFamily="2" charset="0"/>
+              </a:rPr>
+              <a:t> et al., 2013</a:t>
+            </a:r>
+            <a:endParaRPr lang="en-GB" dirty="0">
+              <a:latin typeface="Moire Light" panose="02000304030000020004" pitchFamily="2" charset="0"/>
+            </a:endParaRPr>
+          </a:p>
+        </p:txBody>
+      </p:sp>
+      <p:sp>
+        <p:nvSpPr>
+          <p:cNvPr id="3" name="Content Placeholder 2"/>
+          <p:cNvSpPr>
+            <a:spLocks noGrp="1"/>
+          </p:cNvSpPr>
+          <p:nvPr>
+            <p:ph idx="1"/>
+          </p:nvPr>
+        </p:nvSpPr>
+        <p:spPr/>
+        <p:txBody>
+          <a:bodyPr>
+            <a:normAutofit/>
+          </a:bodyPr>
+          <a:lstStyle/>
+          <a:p>
+            <a:r>
+              <a:rPr lang="en-GB" dirty="0" smtClean="0">
+                <a:latin typeface="Moire Light" panose="02000304030000020004" pitchFamily="2" charset="0"/>
+              </a:rPr>
+              <a:t>Compares Bartle types to Kolb Learning Style Index and Big 5</a:t>
+            </a:r>
+          </a:p>
+          <a:p>
+            <a:r>
+              <a:rPr lang="en-GB" dirty="0" smtClean="0">
+                <a:latin typeface="Moire Light" panose="02000304030000020004" pitchFamily="2" charset="0"/>
+              </a:rPr>
+              <a:t>No interesting correlation between types</a:t>
+            </a:r>
+          </a:p>
+          <a:p>
+            <a:r>
+              <a:rPr lang="en-GB" dirty="0" smtClean="0">
+                <a:latin typeface="Moire Light" panose="02000304030000020004" pitchFamily="2" charset="0"/>
+              </a:rPr>
+              <a:t>Little explanation offered as </a:t>
+            </a:r>
+            <a:r>
+              <a:rPr lang="en-GB" smtClean="0">
+                <a:latin typeface="Moire Light" panose="02000304030000020004" pitchFamily="2" charset="0"/>
+              </a:rPr>
+              <a:t>to why</a:t>
+            </a:r>
+            <a:endParaRPr lang="en-GB" dirty="0" smtClean="0">
+              <a:latin typeface="Moire Light" panose="02000304030000020004" pitchFamily="2" charset="0"/>
+            </a:endParaRPr>
+          </a:p>
+          <a:p>
+            <a:endParaRPr lang="en-GB" dirty="0">
+              <a:latin typeface="Moire Light" panose="02000304030000020004" pitchFamily="2" charset="0"/>
+            </a:endParaRPr>
+          </a:p>
+        </p:txBody>
+      </p:sp>
+      <p:sp>
+        <p:nvSpPr>
+          <p:cNvPr id="7" name="TextBox 6"/>
+          <p:cNvSpPr txBox="1"/>
+          <p:nvPr/>
+        </p:nvSpPr>
+        <p:spPr>
+          <a:xfrm>
+            <a:off x="-108520" y="6143270"/>
+            <a:ext cx="9361040" cy="646331"/>
+          </a:xfrm>
+          <a:prstGeom prst="rect">
+            <a:avLst/>
+          </a:prstGeom>
+          <a:noFill/>
+        </p:spPr>
+        <p:txBody>
+          <a:bodyPr wrap="square" rtlCol="0">
+            <a:spAutoFit/>
+          </a:bodyPr>
+          <a:lstStyle/>
+          <a:p>
+            <a:pPr algn="ctr"/>
+            <a:r>
+              <a:rPr lang="en-GB" dirty="0">
+                <a:latin typeface="Moire Light" panose="02000304030000020004" pitchFamily="2" charset="0"/>
+              </a:rPr>
+              <a:t>Johannes </a:t>
+            </a:r>
+            <a:r>
+              <a:rPr lang="en-GB" dirty="0" err="1">
+                <a:latin typeface="Moire Light" panose="02000304030000020004" pitchFamily="2" charset="0"/>
+              </a:rPr>
+              <a:t>Konert</a:t>
+            </a:r>
+            <a:r>
+              <a:rPr lang="en-GB" dirty="0">
+                <a:latin typeface="Moire Light" panose="02000304030000020004" pitchFamily="2" charset="0"/>
+              </a:rPr>
+              <a:t>, Stefan </a:t>
+            </a:r>
+            <a:r>
+              <a:rPr lang="en-GB" dirty="0" err="1" smtClean="0">
+                <a:latin typeface="Moire Light" panose="02000304030000020004" pitchFamily="2" charset="0"/>
+              </a:rPr>
+              <a:t>Gobel</a:t>
+            </a:r>
+            <a:r>
+              <a:rPr lang="en-GB" dirty="0">
+                <a:latin typeface="Moire Light" panose="02000304030000020004" pitchFamily="2" charset="0"/>
+              </a:rPr>
+              <a:t>, and Ralf Steinmetz. </a:t>
+            </a:r>
+            <a:r>
+              <a:rPr lang="en-GB" dirty="0" err="1">
+                <a:latin typeface="Moire Light" panose="02000304030000020004" pitchFamily="2" charset="0"/>
+              </a:rPr>
+              <a:t>Modeling</a:t>
+            </a:r>
+            <a:r>
+              <a:rPr lang="en-GB" dirty="0">
+                <a:latin typeface="Moire Light" panose="02000304030000020004" pitchFamily="2" charset="0"/>
+              </a:rPr>
+              <a:t> the player, </a:t>
+            </a:r>
+            <a:r>
+              <a:rPr lang="en-GB" dirty="0" smtClean="0">
+                <a:latin typeface="Moire Light" panose="02000304030000020004" pitchFamily="2" charset="0"/>
+              </a:rPr>
+              <a:t>learner and </a:t>
+            </a:r>
+            <a:r>
+              <a:rPr lang="en-GB" dirty="0">
+                <a:latin typeface="Moire Light" panose="02000304030000020004" pitchFamily="2" charset="0"/>
+              </a:rPr>
+              <a:t>personality: Independency of the models of </a:t>
+            </a:r>
+            <a:r>
+              <a:rPr lang="en-GB" dirty="0" err="1">
+                <a:latin typeface="Moire Light" panose="02000304030000020004" pitchFamily="2" charset="0"/>
+              </a:rPr>
+              <a:t>bartle</a:t>
+            </a:r>
+            <a:r>
+              <a:rPr lang="en-GB" dirty="0">
+                <a:latin typeface="Moire Light" panose="02000304030000020004" pitchFamily="2" charset="0"/>
+              </a:rPr>
+              <a:t>, </a:t>
+            </a:r>
+            <a:r>
+              <a:rPr lang="en-GB" dirty="0" err="1">
+                <a:latin typeface="Moire Light" panose="02000304030000020004" pitchFamily="2" charset="0"/>
+              </a:rPr>
+              <a:t>kolb</a:t>
+            </a:r>
+            <a:r>
+              <a:rPr lang="en-GB" dirty="0">
+                <a:latin typeface="Moire Light" panose="02000304030000020004" pitchFamily="2" charset="0"/>
+              </a:rPr>
+              <a:t> and neo-</a:t>
+            </a:r>
+            <a:r>
+              <a:rPr lang="en-GB" dirty="0" err="1">
+                <a:latin typeface="Moire Light" panose="02000304030000020004" pitchFamily="2" charset="0"/>
+              </a:rPr>
+              <a:t>ffi</a:t>
+            </a:r>
+            <a:r>
+              <a:rPr lang="en-GB" dirty="0">
+                <a:latin typeface="Moire Light" panose="02000304030000020004" pitchFamily="2" charset="0"/>
+              </a:rPr>
+              <a:t> (big5) </a:t>
+            </a:r>
+            <a:r>
+              <a:rPr lang="en-GB" dirty="0" smtClean="0">
+                <a:latin typeface="Moire Light" panose="02000304030000020004" pitchFamily="2" charset="0"/>
+              </a:rPr>
+              <a:t>and the </a:t>
+            </a:r>
+            <a:r>
+              <a:rPr lang="en-GB" dirty="0">
+                <a:latin typeface="Moire Light" panose="02000304030000020004" pitchFamily="2" charset="0"/>
+              </a:rPr>
+              <a:t>implications for game based learning. </a:t>
+            </a:r>
+            <a:r>
+              <a:rPr lang="en-GB" dirty="0" smtClean="0">
+                <a:latin typeface="Moire Light" panose="02000304030000020004" pitchFamily="2" charset="0"/>
+              </a:rPr>
+              <a:t>7th </a:t>
+            </a:r>
+            <a:r>
+              <a:rPr lang="en-GB" dirty="0">
+                <a:latin typeface="Moire Light" panose="02000304030000020004" pitchFamily="2" charset="0"/>
+              </a:rPr>
+              <a:t>European Conference on </a:t>
+            </a:r>
+            <a:r>
+              <a:rPr lang="en-GB" dirty="0" smtClean="0">
+                <a:latin typeface="Moire Light" panose="02000304030000020004" pitchFamily="2" charset="0"/>
+              </a:rPr>
+              <a:t>Games Based </a:t>
+            </a:r>
+            <a:r>
+              <a:rPr lang="en-GB" dirty="0">
+                <a:latin typeface="Moire Light" panose="02000304030000020004" pitchFamily="2" charset="0"/>
+              </a:rPr>
+              <a:t>Learning, 2013.</a:t>
+            </a:r>
+            <a:endParaRPr lang="en-GB" dirty="0">
+              <a:latin typeface="Moire Light" panose="02000304030000020004" pitchFamily="2" charset="0"/>
+            </a:endParaRPr>
+          </a:p>
+        </p:txBody>
+      </p:sp>
+    </p:spTree>
+    <p:extLst>
+      <p:ext uri="{BB962C8B-B14F-4D97-AF65-F5344CB8AC3E}">
+        <p14:creationId xmlns:p14="http://schemas.microsoft.com/office/powerpoint/2010/main" val="1790184296"/>
       </p:ext>
     </p:extLst>
   </p:cSld>
@@ -13352,7 +14327,15 @@
               <a:rPr lang="en-GB" dirty="0" smtClean="0">
                 <a:latin typeface="Moire Light" panose="02000304030000020004" pitchFamily="2" charset="0"/>
               </a:rPr>
-              <a:t>ypes</a:t>
+              <a:t>ypes?</a:t>
+            </a:r>
+          </a:p>
+          <a:p>
+            <a:r>
+              <a:rPr lang="en-GB" dirty="0">
+                <a:latin typeface="Moire Light" panose="02000304030000020004" pitchFamily="2" charset="0"/>
+              </a:rPr>
+              <a:t>What is gamification</a:t>
             </a:r>
             <a:r>
               <a:rPr lang="en-GB" dirty="0" smtClean="0">
@@ -13363,50 +14346,18 @@
           </a:p>
           <a:p>
             <a:r>
-              <a:rPr lang="en-GB" dirty="0">
-                <a:latin typeface="Moire Light" panose="02000304030000020004" pitchFamily="2" charset="0"/>
-              </a:rPr>
-              <a:t>What is gamification</a:t>
-            </a:r>
-            <a:r>
               <a:rPr lang="en-GB" dirty="0" smtClean="0">
                 <a:latin typeface="Moire Light" panose="02000304030000020004" pitchFamily="2" charset="0"/>
               </a:rPr>
-              <a:t>?</a:t>
-            </a:r>
-            <a:endParaRPr lang="en-GB" dirty="0" smtClean="0">
-              <a:latin typeface="Moire Light" panose="02000304030000020004" pitchFamily="2" charset="0"/>
-            </a:endParaRPr>
+              <a:t>What does gamified HE entail?</a:t>
+            </a:r>
           </a:p>
           <a:p>
             <a:r>
               <a:rPr lang="en-GB" dirty="0" smtClean="0">
                 <a:latin typeface="Moire Light" panose="02000304030000020004" pitchFamily="2" charset="0"/>
               </a:rPr>
-              <a:t>What does </a:t>
-            </a:r>
-            <a:r>
-              <a:rPr lang="en-GB" dirty="0" smtClean="0">
-                <a:latin typeface="Moire Light" panose="02000304030000020004" pitchFamily="2" charset="0"/>
-              </a:rPr>
-              <a:t>gamified HE entail?</a:t>
-            </a:r>
-            <a:endParaRPr lang="en-GB" dirty="0" smtClean="0">
-              <a:latin typeface="Moire Light" panose="02000304030000020004" pitchFamily="2" charset="0"/>
-            </a:endParaRPr>
-          </a:p>
-          <a:p>
-            <a:r>
-              <a:rPr lang="en-GB" dirty="0" smtClean="0">
-                <a:latin typeface="Moire Light" panose="02000304030000020004" pitchFamily="2" charset="0"/>
-              </a:rPr>
-              <a:t>What </a:t>
-            </a:r>
-            <a:r>
-              <a:rPr lang="en-GB" dirty="0" smtClean="0">
-                <a:latin typeface="Moire Light" panose="02000304030000020004" pitchFamily="2" charset="0"/>
-              </a:rPr>
-              <a:t>the report was investigating</a:t>
+              <a:t>What the report was investigating</a:t>
             </a:r>
           </a:p>
           <a:p>
@@ -13568,23 +14519,29 @@
               </a:rPr>
               <a:t>?</a:t>
             </a:r>
+          </a:p>
+          <a:p>
+            <a:r>
+              <a:rPr lang="en-GB" dirty="0" smtClean="0">
+                <a:latin typeface="Moire Light" panose="02000304030000020004" pitchFamily="2" charset="0"/>
+              </a:rPr>
+              <a:t>What does </a:t>
+            </a:r>
+            <a:r>
+              <a:rPr lang="en-GB" dirty="0" err="1">
+                <a:latin typeface="Moire Light" panose="02000304030000020004" pitchFamily="2" charset="0"/>
+              </a:rPr>
+              <a:t>gamified</a:t>
+            </a:r>
+            <a:r>
+              <a:rPr lang="en-GB" dirty="0">
+                <a:latin typeface="Moire Light" panose="02000304030000020004" pitchFamily="2" charset="0"/>
+              </a:rPr>
+              <a:t> HE entail? </a:t>
+            </a:r>
             <a:endParaRPr lang="en-GB" dirty="0" smtClean="0">
               <a:latin typeface="Moire Light" panose="02000304030000020004" pitchFamily="2" charset="0"/>
             </a:endParaRPr>
-          </a:p>
-          <a:p>
-            <a:r>
-              <a:rPr lang="en-GB" dirty="0" smtClean="0">
-                <a:latin typeface="Moire Light" panose="02000304030000020004" pitchFamily="2" charset="0"/>
-              </a:rPr>
-              <a:t>What </a:t>
-            </a:r>
-            <a:r>
-              <a:rPr lang="en-GB" dirty="0" smtClean="0">
-                <a:latin typeface="Moire Light" panose="02000304030000020004" pitchFamily="2" charset="0"/>
-              </a:rPr>
-              <a:t>does HE mean in this context?</a:t>
-            </a:r>
           </a:p>
           <a:p>
             <a:r>
@@ -14508,14 +15465,23 @@
               <a:rPr lang="en-GB" dirty="0" smtClean="0">
                 <a:latin typeface="Moire Light" panose="02000304030000020004" pitchFamily="2" charset="0"/>
               </a:rPr>
-              <a:t>What </a:t>
-            </a:r>
-            <a:r>
-              <a:rPr lang="en-GB" dirty="0" smtClean="0">
+              <a:t>What does </a:t>
+            </a:r>
+            <a:r>
+              <a:rPr lang="en-GB" dirty="0" err="1">
                 <a:latin typeface="Moire Light" panose="02000304030000020004" pitchFamily="2" charset="0"/>
               </a:rPr>
-              <a:t>does HE mean in this context?</a:t>
-            </a:r>
+              <a:t>gamified</a:t>
+            </a:r>
+            <a:r>
+              <a:rPr lang="en-GB" dirty="0">
+                <a:latin typeface="Moire Light" panose="02000304030000020004" pitchFamily="2" charset="0"/>
+              </a:rPr>
+              <a:t> HE entail? </a:t>
+            </a:r>
+            <a:endParaRPr lang="en-GB" dirty="0" smtClean="0">
+              <a:latin typeface="Moire Light" panose="02000304030000020004" pitchFamily="2" charset="0"/>
+            </a:endParaRPr>
           </a:p>
           <a:p>
             <a:r>
@@ -14933,17 +15899,32 @@
                 </a:solidFill>
                 <a:latin typeface="Moire Light" panose="02000304030000020004" pitchFamily="2" charset="0"/>
               </a:rPr>
-              <a:t>What </a:t>
-            </a:r>
-            <a:r>
-              <a:rPr lang="en-GB" b="1" dirty="0" smtClean="0">
+              <a:t>What does </a:t>
+            </a:r>
+            <a:r>
+              <a:rPr lang="en-GB" b="1" dirty="0" err="1">
                 <a:solidFill>
                   <a:srgbClr val="7030A0"/>
                 </a:solidFill>
                 <a:latin typeface="Moire Light" panose="02000304030000020004" pitchFamily="2" charset="0"/>
               </a:rPr>
-              <a:t>does HE mean in this context?</a:t>
-            </a:r>
+              <a:t>gamified</a:t>
+            </a:r>
+            <a:r>
+              <a:rPr lang="en-GB" b="1" dirty="0">
+                <a:solidFill>
+                  <a:srgbClr val="7030A0"/>
+                </a:solidFill>
+                <a:latin typeface="Moire Light" panose="02000304030000020004" pitchFamily="2" charset="0"/>
+              </a:rPr>
+              <a:t> HE entail? </a:t>
+            </a:r>
+            <a:endParaRPr lang="en-GB" b="1" dirty="0" smtClean="0">
+              <a:solidFill>
+                <a:srgbClr val="7030A0"/>
+              </a:solidFill>
+              <a:latin typeface="Moire Light" panose="02000304030000020004" pitchFamily="2" charset="0"/>
+            </a:endParaRPr>
           </a:p>
           <a:p>
             <a:r>

--- a/docs/presentation/master.pptx
+++ b/docs/presentation/master.pptx
@@ -3,24 +3,22 @@
 <p:presentation xmlns:a="http://schemas.openxmlformats.org/drawingml/2006/main" xmlns:r="http://schemas.openxmlformats.org/officeDocument/2006/relationships" xmlns:p="http://schemas.openxmlformats.org/presentationml/2006/main" saveSubsetFonts="1">
   <p:sldMasterIdLst>
     <p:sldMasterId id="2147483648" r:id="rId1"/>
-    <p:sldMasterId id="2147483660" r:id="rId2"/>
-    <p:sldMasterId id="2147483672" r:id="rId3"/>
-    <p:sldMasterId id="2147483684" r:id="rId4"/>
+    <p:sldMasterId id="2147483672" r:id="rId2"/>
+    <p:sldMasterId id="2147483684" r:id="rId3"/>
   </p:sldMasterIdLst>
   <p:sldIdLst>
-    <p:sldId id="256" r:id="rId5"/>
-    <p:sldId id="259" r:id="rId6"/>
-    <p:sldId id="260" r:id="rId7"/>
-    <p:sldId id="258" r:id="rId8"/>
-    <p:sldId id="263" r:id="rId9"/>
-    <p:sldId id="262" r:id="rId10"/>
-    <p:sldId id="265" r:id="rId11"/>
-    <p:sldId id="264" r:id="rId12"/>
-    <p:sldId id="261" r:id="rId13"/>
-    <p:sldId id="267" r:id="rId14"/>
-    <p:sldId id="268" r:id="rId15"/>
-    <p:sldId id="270" r:id="rId16"/>
-    <p:sldId id="269" r:id="rId17"/>
+    <p:sldId id="256" r:id="rId4"/>
+    <p:sldId id="259" r:id="rId5"/>
+    <p:sldId id="264" r:id="rId6"/>
+    <p:sldId id="270" r:id="rId7"/>
+    <p:sldId id="267" r:id="rId8"/>
+    <p:sldId id="268" r:id="rId9"/>
+    <p:sldId id="258" r:id="rId10"/>
+    <p:sldId id="263" r:id="rId11"/>
+    <p:sldId id="262" r:id="rId12"/>
+    <p:sldId id="272" r:id="rId13"/>
+    <p:sldId id="269" r:id="rId14"/>
+    <p:sldId id="271" r:id="rId15"/>
   </p:sldIdLst>
   <p:sldSz cx="9144000" cy="6858000" type="screen4x3"/>
   <p:notesSz cx="6858000" cy="9144000"/>
@@ -121,7 +119,7 @@
   </p:defaultTextStyle>
   <p:extLst>
     <p:ext uri="{EFAFB233-063F-42B5-8137-9DF3F51BA10A}">
-      <p15:sldGuideLst xmlns:p15="http://schemas.microsoft.com/office/powerpoint/2012/main">
+      <p15:sldGuideLst xmlns:p15="http://schemas.microsoft.com/office/powerpoint/2012/main" xmlns="">
         <p15:guide id="1" orient="horz" pos="2160">
           <p15:clr>
             <a:srgbClr val="A4A3A4"/>
@@ -319,7 +317,7 @@
           <a:p>
             <a:fld id="{14DA9D7A-8977-4189-8C1E-3CBA94454C2D}" type="datetimeFigureOut">
               <a:rPr lang="en-GB" smtClean="0"/>
-              <a:t>26/02/2015</a:t>
+              <a:t>04/03/2015</a:t>
             </a:fld>
             <a:endParaRPr lang="en-GB"/>
           </a:p>
@@ -489,7 +487,7 @@
           <a:p>
             <a:fld id="{14DA9D7A-8977-4189-8C1E-3CBA94454C2D}" type="datetimeFigureOut">
               <a:rPr lang="en-GB" smtClean="0"/>
-              <a:t>26/02/2015</a:t>
+              <a:t>04/03/2015</a:t>
             </a:fld>
             <a:endParaRPr lang="en-GB"/>
           </a:p>
@@ -669,7 +667,7 @@
           <a:p>
             <a:fld id="{14DA9D7A-8977-4189-8C1E-3CBA94454C2D}" type="datetimeFigureOut">
               <a:rPr lang="en-GB" smtClean="0"/>
-              <a:t>26/02/2015</a:t>
+              <a:t>04/03/2015</a:t>
             </a:fld>
             <a:endParaRPr lang="en-GB"/>
           </a:p>
@@ -918,7 +916,7 @@
                 </a:solidFill>
               </a:rPr>
               <a:pPr/>
-              <a:t>26/02/2015</a:t>
+              <a:t>04/03/2015</a:t>
             </a:fld>
             <a:endParaRPr lang="en-GB">
               <a:solidFill>
@@ -994,7 +992,7 @@
     </p:spTree>
     <p:extLst>
       <p:ext uri="{BB962C8B-B14F-4D97-AF65-F5344CB8AC3E}">
-        <p14:creationId xmlns:p14="http://schemas.microsoft.com/office/powerpoint/2010/main" val="1913672319"/>
+        <p14:creationId xmlns:p14="http://schemas.microsoft.com/office/powerpoint/2010/main" val="1758071455"/>
       </p:ext>
     </p:extLst>
   </p:cSld>
@@ -1120,7 +1118,7 @@
                 </a:solidFill>
               </a:rPr>
               <a:pPr/>
-              <a:t>26/02/2015</a:t>
+              <a:t>04/03/2015</a:t>
             </a:fld>
             <a:endParaRPr lang="en-GB">
               <a:solidFill>
@@ -1196,7 +1194,7 @@
     </p:spTree>
     <p:extLst>
       <p:ext uri="{BB962C8B-B14F-4D97-AF65-F5344CB8AC3E}">
-        <p14:creationId xmlns:p14="http://schemas.microsoft.com/office/powerpoint/2010/main" val="78605171"/>
+        <p14:creationId xmlns:p14="http://schemas.microsoft.com/office/powerpoint/2010/main" val="1790065468"/>
       </p:ext>
     </p:extLst>
   </p:cSld>
@@ -1398,7 +1396,7 @@
                 </a:solidFill>
               </a:rPr>
               <a:pPr/>
-              <a:t>26/02/2015</a:t>
+              <a:t>04/03/2015</a:t>
             </a:fld>
             <a:endParaRPr lang="en-GB">
               <a:solidFill>
@@ -1474,7 +1472,7 @@
     </p:spTree>
     <p:extLst>
       <p:ext uri="{BB962C8B-B14F-4D97-AF65-F5344CB8AC3E}">
-        <p14:creationId xmlns:p14="http://schemas.microsoft.com/office/powerpoint/2010/main" val="3028725855"/>
+        <p14:creationId xmlns:p14="http://schemas.microsoft.com/office/powerpoint/2010/main" val="1096699188"/>
       </p:ext>
     </p:extLst>
   </p:cSld>
@@ -1718,7 +1716,7 @@
                 </a:solidFill>
               </a:rPr>
               <a:pPr/>
-              <a:t>26/02/2015</a:t>
+              <a:t>04/03/2015</a:t>
             </a:fld>
             <a:endParaRPr lang="en-GB">
               <a:solidFill>
@@ -1794,7 +1792,7 @@
     </p:spTree>
     <p:extLst>
       <p:ext uri="{BB962C8B-B14F-4D97-AF65-F5344CB8AC3E}">
-        <p14:creationId xmlns:p14="http://schemas.microsoft.com/office/powerpoint/2010/main" val="1435498405"/>
+        <p14:creationId xmlns:p14="http://schemas.microsoft.com/office/powerpoint/2010/main" val="950565773"/>
       </p:ext>
     </p:extLst>
   </p:cSld>
@@ -2172,7 +2170,7 @@
                 </a:solidFill>
               </a:rPr>
               <a:pPr/>
-              <a:t>26/02/2015</a:t>
+              <a:t>04/03/2015</a:t>
             </a:fld>
             <a:endParaRPr lang="en-GB">
               <a:solidFill>
@@ -2248,7 +2246,7 @@
     </p:spTree>
     <p:extLst>
       <p:ext uri="{BB962C8B-B14F-4D97-AF65-F5344CB8AC3E}">
-        <p14:creationId xmlns:p14="http://schemas.microsoft.com/office/powerpoint/2010/main" val="2287678477"/>
+        <p14:creationId xmlns:p14="http://schemas.microsoft.com/office/powerpoint/2010/main" val="790545042"/>
       </p:ext>
     </p:extLst>
   </p:cSld>
@@ -2322,7 +2320,7 @@
                 </a:solidFill>
               </a:rPr>
               <a:pPr/>
-              <a:t>26/02/2015</a:t>
+              <a:t>04/03/2015</a:t>
             </a:fld>
             <a:endParaRPr lang="en-GB">
               <a:solidFill>
@@ -2398,7 +2396,7 @@
     </p:spTree>
     <p:extLst>
       <p:ext uri="{BB962C8B-B14F-4D97-AF65-F5344CB8AC3E}">
-        <p14:creationId xmlns:p14="http://schemas.microsoft.com/office/powerpoint/2010/main" val="1874628089"/>
+        <p14:creationId xmlns:p14="http://schemas.microsoft.com/office/powerpoint/2010/main" val="1611348885"/>
       </p:ext>
     </p:extLst>
   </p:cSld>
@@ -2449,7 +2447,7 @@
                 </a:solidFill>
               </a:rPr>
               <a:pPr/>
-              <a:t>26/02/2015</a:t>
+              <a:t>04/03/2015</a:t>
             </a:fld>
             <a:endParaRPr lang="en-GB">
               <a:solidFill>
@@ -2525,7 +2523,7 @@
     </p:spTree>
     <p:extLst>
       <p:ext uri="{BB962C8B-B14F-4D97-AF65-F5344CB8AC3E}">
-        <p14:creationId xmlns:p14="http://schemas.microsoft.com/office/powerpoint/2010/main" val="3646642296"/>
+        <p14:creationId xmlns:p14="http://schemas.microsoft.com/office/powerpoint/2010/main" val="4051721166"/>
       </p:ext>
     </p:extLst>
   </p:cSld>
@@ -2758,7 +2756,7 @@
                 </a:solidFill>
               </a:rPr>
               <a:pPr/>
-              <a:t>26/02/2015</a:t>
+              <a:t>04/03/2015</a:t>
             </a:fld>
             <a:endParaRPr lang="en-GB">
               <a:solidFill>
@@ -2834,7 +2832,7 @@
     </p:spTree>
     <p:extLst>
       <p:ext uri="{BB962C8B-B14F-4D97-AF65-F5344CB8AC3E}">
-        <p14:creationId xmlns:p14="http://schemas.microsoft.com/office/powerpoint/2010/main" val="3908177360"/>
+        <p14:creationId xmlns:p14="http://schemas.microsoft.com/office/powerpoint/2010/main" val="1849735744"/>
       </p:ext>
     </p:extLst>
   </p:cSld>
@@ -2953,7 +2951,7 @@
           <a:p>
             <a:fld id="{14DA9D7A-8977-4189-8C1E-3CBA94454C2D}" type="datetimeFigureOut">
               <a:rPr lang="en-GB" smtClean="0"/>
-              <a:t>26/02/2015</a:t>
+              <a:t>04/03/2015</a:t>
             </a:fld>
             <a:endParaRPr lang="en-GB"/>
           </a:p>
@@ -3213,7 +3211,7 @@
                 </a:solidFill>
               </a:rPr>
               <a:pPr/>
-              <a:t>26/02/2015</a:t>
+              <a:t>04/03/2015</a:t>
             </a:fld>
             <a:endParaRPr lang="en-GB">
               <a:solidFill>
@@ -3289,7 +3287,7 @@
     </p:spTree>
     <p:extLst>
       <p:ext uri="{BB962C8B-B14F-4D97-AF65-F5344CB8AC3E}">
-        <p14:creationId xmlns:p14="http://schemas.microsoft.com/office/powerpoint/2010/main" val="3665599845"/>
+        <p14:creationId xmlns:p14="http://schemas.microsoft.com/office/powerpoint/2010/main" val="1724787514"/>
       </p:ext>
     </p:extLst>
   </p:cSld>
@@ -3415,7 +3413,7 @@
                 </a:solidFill>
               </a:rPr>
               <a:pPr/>
-              <a:t>26/02/2015</a:t>
+              <a:t>04/03/2015</a:t>
             </a:fld>
             <a:endParaRPr lang="en-GB">
               <a:solidFill>
@@ -3491,7 +3489,7 @@
     </p:spTree>
     <p:extLst>
       <p:ext uri="{BB962C8B-B14F-4D97-AF65-F5344CB8AC3E}">
-        <p14:creationId xmlns:p14="http://schemas.microsoft.com/office/powerpoint/2010/main" val="1855822960"/>
+        <p14:creationId xmlns:p14="http://schemas.microsoft.com/office/powerpoint/2010/main" val="679524226"/>
       </p:ext>
     </p:extLst>
   </p:cSld>
@@ -3627,7 +3625,7 @@
                 </a:solidFill>
               </a:rPr>
               <a:pPr/>
-              <a:t>26/02/2015</a:t>
+              <a:t>04/03/2015</a:t>
             </a:fld>
             <a:endParaRPr lang="en-GB">
               <a:solidFill>
@@ -3703,7 +3701,7 @@
     </p:spTree>
     <p:extLst>
       <p:ext uri="{BB962C8B-B14F-4D97-AF65-F5344CB8AC3E}">
-        <p14:creationId xmlns:p14="http://schemas.microsoft.com/office/powerpoint/2010/main" val="2970401917"/>
+        <p14:creationId xmlns:p14="http://schemas.microsoft.com/office/powerpoint/2010/main" val="590983795"/>
       </p:ext>
     </p:extLst>
   </p:cSld>
@@ -3901,7 +3899,7 @@
                 </a:solidFill>
               </a:rPr>
               <a:pPr/>
-              <a:t>26/02/2015</a:t>
+              <a:t>04/03/2015</a:t>
             </a:fld>
             <a:endParaRPr lang="en-GB">
               <a:solidFill>
@@ -4103,7 +4101,7 @@
                 </a:solidFill>
               </a:rPr>
               <a:pPr/>
-              <a:t>26/02/2015</a:t>
+              <a:t>04/03/2015</a:t>
             </a:fld>
             <a:endParaRPr lang="en-GB">
               <a:solidFill>
@@ -4381,7 +4379,7 @@
                 </a:solidFill>
               </a:rPr>
               <a:pPr/>
-              <a:t>26/02/2015</a:t>
+              <a:t>04/03/2015</a:t>
             </a:fld>
             <a:endParaRPr lang="en-GB">
               <a:solidFill>
@@ -4701,7 +4699,7 @@
                 </a:solidFill>
               </a:rPr>
               <a:pPr/>
-              <a:t>26/02/2015</a:t>
+              <a:t>04/03/2015</a:t>
             </a:fld>
             <a:endParaRPr lang="en-GB">
               <a:solidFill>
@@ -5155,7 +5153,7 @@
                 </a:solidFill>
               </a:rPr>
               <a:pPr/>
-              <a:t>26/02/2015</a:t>
+              <a:t>04/03/2015</a:t>
             </a:fld>
             <a:endParaRPr lang="en-GB">
               <a:solidFill>
@@ -5305,7 +5303,7 @@
                 </a:solidFill>
               </a:rPr>
               <a:pPr/>
-              <a:t>26/02/2015</a:t>
+              <a:t>04/03/2015</a:t>
             </a:fld>
             <a:endParaRPr lang="en-GB">
               <a:solidFill>
@@ -5432,7 +5430,7 @@
                 </a:solidFill>
               </a:rPr>
               <a:pPr/>
-              <a:t>26/02/2015</a:t>
+              <a:t>04/03/2015</a:t>
             </a:fld>
             <a:endParaRPr lang="en-GB">
               <a:solidFill>
@@ -5703,7 +5701,7 @@
           <a:p>
             <a:fld id="{14DA9D7A-8977-4189-8C1E-3CBA94454C2D}" type="datetimeFigureOut">
               <a:rPr lang="en-GB" smtClean="0"/>
-              <a:t>26/02/2015</a:t>
+              <a:t>04/03/2015</a:t>
             </a:fld>
             <a:endParaRPr lang="en-GB"/>
           </a:p>
@@ -5987,7 +5985,7 @@
                 </a:solidFill>
               </a:rPr>
               <a:pPr/>
-              <a:t>26/02/2015</a:t>
+              <a:t>04/03/2015</a:t>
             </a:fld>
             <a:endParaRPr lang="en-GB">
               <a:solidFill>
@@ -6272,7 +6270,7 @@
                 </a:solidFill>
               </a:rPr>
               <a:pPr/>
-              <a:t>26/02/2015</a:t>
+              <a:t>04/03/2015</a:t>
             </a:fld>
             <a:endParaRPr lang="en-GB">
               <a:solidFill>
@@ -6474,7 +6472,7 @@
                 </a:solidFill>
               </a:rPr>
               <a:pPr/>
-              <a:t>26/02/2015</a:t>
+              <a:t>04/03/2015</a:t>
             </a:fld>
             <a:endParaRPr lang="en-GB">
               <a:solidFill>
@@ -6686,7 +6684,7 @@
                 </a:solidFill>
               </a:rPr>
               <a:pPr/>
-              <a:t>26/02/2015</a:t>
+              <a:t>04/03/2015</a:t>
             </a:fld>
             <a:endParaRPr lang="en-GB">
               <a:solidFill>
@@ -6772,761 +6770,7 @@
 </p:sldLayout>
 </file>
 
-<file path=ppt/slideLayouts/slideLayout34.xml><?xml version="1.0" encoding="utf-8"?>
-<p:sldLayout xmlns:a="http://schemas.openxmlformats.org/drawingml/2006/main" xmlns:r="http://schemas.openxmlformats.org/officeDocument/2006/relationships" xmlns:p="http://schemas.openxmlformats.org/presentationml/2006/main" type="title" preserve="1">
-  <p:cSld name="Title Slide">
-    <p:spTree>
-      <p:nvGrpSpPr>
-        <p:cNvPr id="1" name=""/>
-        <p:cNvGrpSpPr/>
-        <p:nvPr/>
-      </p:nvGrpSpPr>
-      <p:grpSpPr>
-        <a:xfrm>
-          <a:off x="0" y="0"/>
-          <a:ext cx="0" cy="0"/>
-          <a:chOff x="0" y="0"/>
-          <a:chExt cx="0" cy="0"/>
-        </a:xfrm>
-      </p:grpSpPr>
-      <p:sp>
-        <p:nvSpPr>
-          <p:cNvPr id="2" name="Title 1"/>
-          <p:cNvSpPr>
-            <a:spLocks noGrp="1"/>
-          </p:cNvSpPr>
-          <p:nvPr>
-            <p:ph type="ctrTitle"/>
-          </p:nvPr>
-        </p:nvSpPr>
-        <p:spPr>
-          <a:xfrm>
-            <a:off x="685800" y="2130425"/>
-            <a:ext cx="7772400" cy="1470025"/>
-          </a:xfrm>
-        </p:spPr>
-        <p:txBody>
-          <a:bodyPr/>
-          <a:lstStyle/>
-          <a:p>
-            <a:r>
-              <a:rPr lang="en-US" smtClean="0"/>
-              <a:t>Click to edit Master title style</a:t>
-            </a:r>
-            <a:endParaRPr lang="en-GB"/>
-          </a:p>
-        </p:txBody>
-      </p:sp>
-      <p:sp>
-        <p:nvSpPr>
-          <p:cNvPr id="3" name="Subtitle 2"/>
-          <p:cNvSpPr>
-            <a:spLocks noGrp="1"/>
-          </p:cNvSpPr>
-          <p:nvPr>
-            <p:ph type="subTitle" idx="1"/>
-          </p:nvPr>
-        </p:nvSpPr>
-        <p:spPr>
-          <a:xfrm>
-            <a:off x="1371600" y="3886200"/>
-            <a:ext cx="6400800" cy="1752600"/>
-          </a:xfrm>
-        </p:spPr>
-        <p:txBody>
-          <a:bodyPr/>
-          <a:lstStyle>
-            <a:lvl1pPr marL="0" indent="0" algn="ctr">
-              <a:buNone/>
-              <a:defRPr>
-                <a:solidFill>
-                  <a:schemeClr val="tx1">
-                    <a:tint val="75000"/>
-                  </a:schemeClr>
-                </a:solidFill>
-              </a:defRPr>
-            </a:lvl1pPr>
-            <a:lvl2pPr marL="457200" indent="0" algn="ctr">
-              <a:buNone/>
-              <a:defRPr>
-                <a:solidFill>
-                  <a:schemeClr val="tx1">
-                    <a:tint val="75000"/>
-                  </a:schemeClr>
-                </a:solidFill>
-              </a:defRPr>
-            </a:lvl2pPr>
-            <a:lvl3pPr marL="914400" indent="0" algn="ctr">
-              <a:buNone/>
-              <a:defRPr>
-                <a:solidFill>
-                  <a:schemeClr val="tx1">
-                    <a:tint val="75000"/>
-                  </a:schemeClr>
-                </a:solidFill>
-              </a:defRPr>
-            </a:lvl3pPr>
-            <a:lvl4pPr marL="1371600" indent="0" algn="ctr">
-              <a:buNone/>
-              <a:defRPr>
-                <a:solidFill>
-                  <a:schemeClr val="tx1">
-                    <a:tint val="75000"/>
-                  </a:schemeClr>
-                </a:solidFill>
-              </a:defRPr>
-            </a:lvl4pPr>
-            <a:lvl5pPr marL="1828800" indent="0" algn="ctr">
-              <a:buNone/>
-              <a:defRPr>
-                <a:solidFill>
-                  <a:schemeClr val="tx1">
-                    <a:tint val="75000"/>
-                  </a:schemeClr>
-                </a:solidFill>
-              </a:defRPr>
-            </a:lvl5pPr>
-            <a:lvl6pPr marL="2286000" indent="0" algn="ctr">
-              <a:buNone/>
-              <a:defRPr>
-                <a:solidFill>
-                  <a:schemeClr val="tx1">
-                    <a:tint val="75000"/>
-                  </a:schemeClr>
-                </a:solidFill>
-              </a:defRPr>
-            </a:lvl6pPr>
-            <a:lvl7pPr marL="2743200" indent="0" algn="ctr">
-              <a:buNone/>
-              <a:defRPr>
-                <a:solidFill>
-                  <a:schemeClr val="tx1">
-                    <a:tint val="75000"/>
-                  </a:schemeClr>
-                </a:solidFill>
-              </a:defRPr>
-            </a:lvl7pPr>
-            <a:lvl8pPr marL="3200400" indent="0" algn="ctr">
-              <a:buNone/>
-              <a:defRPr>
-                <a:solidFill>
-                  <a:schemeClr val="tx1">
-                    <a:tint val="75000"/>
-                  </a:schemeClr>
-                </a:solidFill>
-              </a:defRPr>
-            </a:lvl8pPr>
-            <a:lvl9pPr marL="3657600" indent="0" algn="ctr">
-              <a:buNone/>
-              <a:defRPr>
-                <a:solidFill>
-                  <a:schemeClr val="tx1">
-                    <a:tint val="75000"/>
-                  </a:schemeClr>
-                </a:solidFill>
-              </a:defRPr>
-            </a:lvl9pPr>
-          </a:lstStyle>
-          <a:p>
-            <a:r>
-              <a:rPr lang="en-US" smtClean="0"/>
-              <a:t>Click to edit Master subtitle style</a:t>
-            </a:r>
-            <a:endParaRPr lang="en-GB"/>
-          </a:p>
-        </p:txBody>
-      </p:sp>
-      <p:sp>
-        <p:nvSpPr>
-          <p:cNvPr id="4" name="Date Placeholder 3"/>
-          <p:cNvSpPr>
-            <a:spLocks noGrp="1"/>
-          </p:cNvSpPr>
-          <p:nvPr>
-            <p:ph type="dt" sz="half" idx="10"/>
-          </p:nvPr>
-        </p:nvSpPr>
-        <p:spPr/>
-        <p:txBody>
-          <a:bodyPr/>
-          <a:lstStyle/>
-          <a:p>
-            <a:fld id="{14DA9D7A-8977-4189-8C1E-3CBA94454C2D}" type="datetimeFigureOut">
-              <a:rPr lang="en-GB">
-                <a:solidFill>
-                  <a:prstClr val="black">
-                    <a:tint val="75000"/>
-                  </a:prstClr>
-                </a:solidFill>
-              </a:rPr>
-              <a:pPr/>
-              <a:t>26/02/2015</a:t>
-            </a:fld>
-            <a:endParaRPr lang="en-GB">
-              <a:solidFill>
-                <a:prstClr val="black">
-                  <a:tint val="75000"/>
-                </a:prstClr>
-              </a:solidFill>
-            </a:endParaRPr>
-          </a:p>
-        </p:txBody>
-      </p:sp>
-      <p:sp>
-        <p:nvSpPr>
-          <p:cNvPr id="5" name="Footer Placeholder 4"/>
-          <p:cNvSpPr>
-            <a:spLocks noGrp="1"/>
-          </p:cNvSpPr>
-          <p:nvPr>
-            <p:ph type="ftr" sz="quarter" idx="11"/>
-          </p:nvPr>
-        </p:nvSpPr>
-        <p:spPr/>
-        <p:txBody>
-          <a:bodyPr/>
-          <a:lstStyle/>
-          <a:p>
-            <a:endParaRPr lang="en-GB">
-              <a:solidFill>
-                <a:prstClr val="black">
-                  <a:tint val="75000"/>
-                </a:prstClr>
-              </a:solidFill>
-            </a:endParaRPr>
-          </a:p>
-        </p:txBody>
-      </p:sp>
-      <p:sp>
-        <p:nvSpPr>
-          <p:cNvPr id="6" name="Slide Number Placeholder 5"/>
-          <p:cNvSpPr>
-            <a:spLocks noGrp="1"/>
-          </p:cNvSpPr>
-          <p:nvPr>
-            <p:ph type="sldNum" sz="quarter" idx="12"/>
-          </p:nvPr>
-        </p:nvSpPr>
-        <p:spPr/>
-        <p:txBody>
-          <a:bodyPr/>
-          <a:lstStyle/>
-          <a:p>
-            <a:fld id="{BA7C8E83-1A47-4B4F-90F6-5EEB22BB51DA}" type="slidenum">
-              <a:rPr lang="en-GB">
-                <a:solidFill>
-                  <a:prstClr val="black">
-                    <a:tint val="75000"/>
-                  </a:prstClr>
-                </a:solidFill>
-              </a:rPr>
-              <a:pPr/>
-              <a:t>‹#›</a:t>
-            </a:fld>
-            <a:endParaRPr lang="en-GB">
-              <a:solidFill>
-                <a:prstClr val="black">
-                  <a:tint val="75000"/>
-                </a:prstClr>
-              </a:solidFill>
-            </a:endParaRPr>
-          </a:p>
-        </p:txBody>
-      </p:sp>
-    </p:spTree>
-    <p:extLst>
-      <p:ext uri="{BB962C8B-B14F-4D97-AF65-F5344CB8AC3E}">
-        <p14:creationId xmlns:p14="http://schemas.microsoft.com/office/powerpoint/2010/main" val="1758071455"/>
-      </p:ext>
-    </p:extLst>
-  </p:cSld>
-  <p:clrMapOvr>
-    <a:masterClrMapping/>
-  </p:clrMapOvr>
-</p:sldLayout>
-</file>
-
-<file path=ppt/slideLayouts/slideLayout35.xml><?xml version="1.0" encoding="utf-8"?>
-<p:sldLayout xmlns:a="http://schemas.openxmlformats.org/drawingml/2006/main" xmlns:r="http://schemas.openxmlformats.org/officeDocument/2006/relationships" xmlns:p="http://schemas.openxmlformats.org/presentationml/2006/main" type="obj" preserve="1">
-  <p:cSld name="Title and Content">
-    <p:spTree>
-      <p:nvGrpSpPr>
-        <p:cNvPr id="1" name=""/>
-        <p:cNvGrpSpPr/>
-        <p:nvPr/>
-      </p:nvGrpSpPr>
-      <p:grpSpPr>
-        <a:xfrm>
-          <a:off x="0" y="0"/>
-          <a:ext cx="0" cy="0"/>
-          <a:chOff x="0" y="0"/>
-          <a:chExt cx="0" cy="0"/>
-        </a:xfrm>
-      </p:grpSpPr>
-      <p:sp>
-        <p:nvSpPr>
-          <p:cNvPr id="2" name="Title 1"/>
-          <p:cNvSpPr>
-            <a:spLocks noGrp="1"/>
-          </p:cNvSpPr>
-          <p:nvPr>
-            <p:ph type="title"/>
-          </p:nvPr>
-        </p:nvSpPr>
-        <p:spPr/>
-        <p:txBody>
-          <a:bodyPr/>
-          <a:lstStyle/>
-          <a:p>
-            <a:r>
-              <a:rPr lang="en-US" smtClean="0"/>
-              <a:t>Click to edit Master title style</a:t>
-            </a:r>
-            <a:endParaRPr lang="en-GB"/>
-          </a:p>
-        </p:txBody>
-      </p:sp>
-      <p:sp>
-        <p:nvSpPr>
-          <p:cNvPr id="3" name="Content Placeholder 2"/>
-          <p:cNvSpPr>
-            <a:spLocks noGrp="1"/>
-          </p:cNvSpPr>
-          <p:nvPr>
-            <p:ph idx="1"/>
-          </p:nvPr>
-        </p:nvSpPr>
-        <p:spPr/>
-        <p:txBody>
-          <a:bodyPr/>
-          <a:lstStyle/>
-          <a:p>
-            <a:pPr lvl="0"/>
-            <a:r>
-              <a:rPr lang="en-US" smtClean="0"/>
-              <a:t>Click to edit Master text styles</a:t>
-            </a:r>
-          </a:p>
-          <a:p>
-            <a:pPr lvl="1"/>
-            <a:r>
-              <a:rPr lang="en-US" smtClean="0"/>
-              <a:t>Second level</a:t>
-            </a:r>
-          </a:p>
-          <a:p>
-            <a:pPr lvl="2"/>
-            <a:r>
-              <a:rPr lang="en-US" smtClean="0"/>
-              <a:t>Third level</a:t>
-            </a:r>
-          </a:p>
-          <a:p>
-            <a:pPr lvl="3"/>
-            <a:r>
-              <a:rPr lang="en-US" smtClean="0"/>
-              <a:t>Fourth level</a:t>
-            </a:r>
-          </a:p>
-          <a:p>
-            <a:pPr lvl="4"/>
-            <a:r>
-              <a:rPr lang="en-US" smtClean="0"/>
-              <a:t>Fifth level</a:t>
-            </a:r>
-            <a:endParaRPr lang="en-GB"/>
-          </a:p>
-        </p:txBody>
-      </p:sp>
-      <p:sp>
-        <p:nvSpPr>
-          <p:cNvPr id="4" name="Date Placeholder 3"/>
-          <p:cNvSpPr>
-            <a:spLocks noGrp="1"/>
-          </p:cNvSpPr>
-          <p:nvPr>
-            <p:ph type="dt" sz="half" idx="10"/>
-          </p:nvPr>
-        </p:nvSpPr>
-        <p:spPr/>
-        <p:txBody>
-          <a:bodyPr/>
-          <a:lstStyle/>
-          <a:p>
-            <a:fld id="{14DA9D7A-8977-4189-8C1E-3CBA94454C2D}" type="datetimeFigureOut">
-              <a:rPr lang="en-GB">
-                <a:solidFill>
-                  <a:prstClr val="black">
-                    <a:tint val="75000"/>
-                  </a:prstClr>
-                </a:solidFill>
-              </a:rPr>
-              <a:pPr/>
-              <a:t>26/02/2015</a:t>
-            </a:fld>
-            <a:endParaRPr lang="en-GB">
-              <a:solidFill>
-                <a:prstClr val="black">
-                  <a:tint val="75000"/>
-                </a:prstClr>
-              </a:solidFill>
-            </a:endParaRPr>
-          </a:p>
-        </p:txBody>
-      </p:sp>
-      <p:sp>
-        <p:nvSpPr>
-          <p:cNvPr id="5" name="Footer Placeholder 4"/>
-          <p:cNvSpPr>
-            <a:spLocks noGrp="1"/>
-          </p:cNvSpPr>
-          <p:nvPr>
-            <p:ph type="ftr" sz="quarter" idx="11"/>
-          </p:nvPr>
-        </p:nvSpPr>
-        <p:spPr/>
-        <p:txBody>
-          <a:bodyPr/>
-          <a:lstStyle/>
-          <a:p>
-            <a:endParaRPr lang="en-GB">
-              <a:solidFill>
-                <a:prstClr val="black">
-                  <a:tint val="75000"/>
-                </a:prstClr>
-              </a:solidFill>
-            </a:endParaRPr>
-          </a:p>
-        </p:txBody>
-      </p:sp>
-      <p:sp>
-        <p:nvSpPr>
-          <p:cNvPr id="6" name="Slide Number Placeholder 5"/>
-          <p:cNvSpPr>
-            <a:spLocks noGrp="1"/>
-          </p:cNvSpPr>
-          <p:nvPr>
-            <p:ph type="sldNum" sz="quarter" idx="12"/>
-          </p:nvPr>
-        </p:nvSpPr>
-        <p:spPr/>
-        <p:txBody>
-          <a:bodyPr/>
-          <a:lstStyle/>
-          <a:p>
-            <a:fld id="{BA7C8E83-1A47-4B4F-90F6-5EEB22BB51DA}" type="slidenum">
-              <a:rPr lang="en-GB">
-                <a:solidFill>
-                  <a:prstClr val="black">
-                    <a:tint val="75000"/>
-                  </a:prstClr>
-                </a:solidFill>
-              </a:rPr>
-              <a:pPr/>
-              <a:t>‹#›</a:t>
-            </a:fld>
-            <a:endParaRPr lang="en-GB">
-              <a:solidFill>
-                <a:prstClr val="black">
-                  <a:tint val="75000"/>
-                </a:prstClr>
-              </a:solidFill>
-            </a:endParaRPr>
-          </a:p>
-        </p:txBody>
-      </p:sp>
-    </p:spTree>
-    <p:extLst>
-      <p:ext uri="{BB962C8B-B14F-4D97-AF65-F5344CB8AC3E}">
-        <p14:creationId xmlns:p14="http://schemas.microsoft.com/office/powerpoint/2010/main" val="1790065468"/>
-      </p:ext>
-    </p:extLst>
-  </p:cSld>
-  <p:clrMapOvr>
-    <a:masterClrMapping/>
-  </p:clrMapOvr>
-</p:sldLayout>
-</file>
-
-<file path=ppt/slideLayouts/slideLayout36.xml><?xml version="1.0" encoding="utf-8"?>
-<p:sldLayout xmlns:a="http://schemas.openxmlformats.org/drawingml/2006/main" xmlns:r="http://schemas.openxmlformats.org/officeDocument/2006/relationships" xmlns:p="http://schemas.openxmlformats.org/presentationml/2006/main" type="secHead" preserve="1">
-  <p:cSld name="Section Header">
-    <p:spTree>
-      <p:nvGrpSpPr>
-        <p:cNvPr id="1" name=""/>
-        <p:cNvGrpSpPr/>
-        <p:nvPr/>
-      </p:nvGrpSpPr>
-      <p:grpSpPr>
-        <a:xfrm>
-          <a:off x="0" y="0"/>
-          <a:ext cx="0" cy="0"/>
-          <a:chOff x="0" y="0"/>
-          <a:chExt cx="0" cy="0"/>
-        </a:xfrm>
-      </p:grpSpPr>
-      <p:sp>
-        <p:nvSpPr>
-          <p:cNvPr id="2" name="Title 1"/>
-          <p:cNvSpPr>
-            <a:spLocks noGrp="1"/>
-          </p:cNvSpPr>
-          <p:nvPr>
-            <p:ph type="title"/>
-          </p:nvPr>
-        </p:nvSpPr>
-        <p:spPr>
-          <a:xfrm>
-            <a:off x="722313" y="4406900"/>
-            <a:ext cx="7772400" cy="1362075"/>
-          </a:xfrm>
-        </p:spPr>
-        <p:txBody>
-          <a:bodyPr anchor="t"/>
-          <a:lstStyle>
-            <a:lvl1pPr algn="l">
-              <a:defRPr sz="4000" b="1" cap="all"/>
-            </a:lvl1pPr>
-          </a:lstStyle>
-          <a:p>
-            <a:r>
-              <a:rPr lang="en-US" smtClean="0"/>
-              <a:t>Click to edit Master title style</a:t>
-            </a:r>
-            <a:endParaRPr lang="en-GB"/>
-          </a:p>
-        </p:txBody>
-      </p:sp>
-      <p:sp>
-        <p:nvSpPr>
-          <p:cNvPr id="3" name="Text Placeholder 2"/>
-          <p:cNvSpPr>
-            <a:spLocks noGrp="1"/>
-          </p:cNvSpPr>
-          <p:nvPr>
-            <p:ph type="body" idx="1"/>
-          </p:nvPr>
-        </p:nvSpPr>
-        <p:spPr>
-          <a:xfrm>
-            <a:off x="722313" y="2906713"/>
-            <a:ext cx="7772400" cy="1500187"/>
-          </a:xfrm>
-        </p:spPr>
-        <p:txBody>
-          <a:bodyPr anchor="b"/>
-          <a:lstStyle>
-            <a:lvl1pPr marL="0" indent="0">
-              <a:buNone/>
-              <a:defRPr sz="2000">
-                <a:solidFill>
-                  <a:schemeClr val="tx1">
-                    <a:tint val="75000"/>
-                  </a:schemeClr>
-                </a:solidFill>
-              </a:defRPr>
-            </a:lvl1pPr>
-            <a:lvl2pPr marL="457200" indent="0">
-              <a:buNone/>
-              <a:defRPr sz="1800">
-                <a:solidFill>
-                  <a:schemeClr val="tx1">
-                    <a:tint val="75000"/>
-                  </a:schemeClr>
-                </a:solidFill>
-              </a:defRPr>
-            </a:lvl2pPr>
-            <a:lvl3pPr marL="914400" indent="0">
-              <a:buNone/>
-              <a:defRPr sz="1600">
-                <a:solidFill>
-                  <a:schemeClr val="tx1">
-                    <a:tint val="75000"/>
-                  </a:schemeClr>
-                </a:solidFill>
-              </a:defRPr>
-            </a:lvl3pPr>
-            <a:lvl4pPr marL="1371600" indent="0">
-              <a:buNone/>
-              <a:defRPr sz="1400">
-                <a:solidFill>
-                  <a:schemeClr val="tx1">
-                    <a:tint val="75000"/>
-                  </a:schemeClr>
-                </a:solidFill>
-              </a:defRPr>
-            </a:lvl4pPr>
-            <a:lvl5pPr marL="1828800" indent="0">
-              <a:buNone/>
-              <a:defRPr sz="1400">
-                <a:solidFill>
-                  <a:schemeClr val="tx1">
-                    <a:tint val="75000"/>
-                  </a:schemeClr>
-                </a:solidFill>
-              </a:defRPr>
-            </a:lvl5pPr>
-            <a:lvl6pPr marL="2286000" indent="0">
-              <a:buNone/>
-              <a:defRPr sz="1400">
-                <a:solidFill>
-                  <a:schemeClr val="tx1">
-                    <a:tint val="75000"/>
-                  </a:schemeClr>
-                </a:solidFill>
-              </a:defRPr>
-            </a:lvl6pPr>
-            <a:lvl7pPr marL="2743200" indent="0">
-              <a:buNone/>
-              <a:defRPr sz="1400">
-                <a:solidFill>
-                  <a:schemeClr val="tx1">
-                    <a:tint val="75000"/>
-                  </a:schemeClr>
-                </a:solidFill>
-              </a:defRPr>
-            </a:lvl7pPr>
-            <a:lvl8pPr marL="3200400" indent="0">
-              <a:buNone/>
-              <a:defRPr sz="1400">
-                <a:solidFill>
-                  <a:schemeClr val="tx1">
-                    <a:tint val="75000"/>
-                  </a:schemeClr>
-                </a:solidFill>
-              </a:defRPr>
-            </a:lvl8pPr>
-            <a:lvl9pPr marL="3657600" indent="0">
-              <a:buNone/>
-              <a:defRPr sz="1400">
-                <a:solidFill>
-                  <a:schemeClr val="tx1">
-                    <a:tint val="75000"/>
-                  </a:schemeClr>
-                </a:solidFill>
-              </a:defRPr>
-            </a:lvl9pPr>
-          </a:lstStyle>
-          <a:p>
-            <a:pPr lvl="0"/>
-            <a:r>
-              <a:rPr lang="en-US" smtClean="0"/>
-              <a:t>Click to edit Master text styles</a:t>
-            </a:r>
-          </a:p>
-        </p:txBody>
-      </p:sp>
-      <p:sp>
-        <p:nvSpPr>
-          <p:cNvPr id="4" name="Date Placeholder 3"/>
-          <p:cNvSpPr>
-            <a:spLocks noGrp="1"/>
-          </p:cNvSpPr>
-          <p:nvPr>
-            <p:ph type="dt" sz="half" idx="10"/>
-          </p:nvPr>
-        </p:nvSpPr>
-        <p:spPr/>
-        <p:txBody>
-          <a:bodyPr/>
-          <a:lstStyle/>
-          <a:p>
-            <a:fld id="{14DA9D7A-8977-4189-8C1E-3CBA94454C2D}" type="datetimeFigureOut">
-              <a:rPr lang="en-GB">
-                <a:solidFill>
-                  <a:prstClr val="black">
-                    <a:tint val="75000"/>
-                  </a:prstClr>
-                </a:solidFill>
-              </a:rPr>
-              <a:pPr/>
-              <a:t>26/02/2015</a:t>
-            </a:fld>
-            <a:endParaRPr lang="en-GB">
-              <a:solidFill>
-                <a:prstClr val="black">
-                  <a:tint val="75000"/>
-                </a:prstClr>
-              </a:solidFill>
-            </a:endParaRPr>
-          </a:p>
-        </p:txBody>
-      </p:sp>
-      <p:sp>
-        <p:nvSpPr>
-          <p:cNvPr id="5" name="Footer Placeholder 4"/>
-          <p:cNvSpPr>
-            <a:spLocks noGrp="1"/>
-          </p:cNvSpPr>
-          <p:nvPr>
-            <p:ph type="ftr" sz="quarter" idx="11"/>
-          </p:nvPr>
-        </p:nvSpPr>
-        <p:spPr/>
-        <p:txBody>
-          <a:bodyPr/>
-          <a:lstStyle/>
-          <a:p>
-            <a:endParaRPr lang="en-GB">
-              <a:solidFill>
-                <a:prstClr val="black">
-                  <a:tint val="75000"/>
-                </a:prstClr>
-              </a:solidFill>
-            </a:endParaRPr>
-          </a:p>
-        </p:txBody>
-      </p:sp>
-      <p:sp>
-        <p:nvSpPr>
-          <p:cNvPr id="6" name="Slide Number Placeholder 5"/>
-          <p:cNvSpPr>
-            <a:spLocks noGrp="1"/>
-          </p:cNvSpPr>
-          <p:nvPr>
-            <p:ph type="sldNum" sz="quarter" idx="12"/>
-          </p:nvPr>
-        </p:nvSpPr>
-        <p:spPr/>
-        <p:txBody>
-          <a:bodyPr/>
-          <a:lstStyle/>
-          <a:p>
-            <a:fld id="{BA7C8E83-1A47-4B4F-90F6-5EEB22BB51DA}" type="slidenum">
-              <a:rPr lang="en-GB">
-                <a:solidFill>
-                  <a:prstClr val="black">
-                    <a:tint val="75000"/>
-                  </a:prstClr>
-                </a:solidFill>
-              </a:rPr>
-              <a:pPr/>
-              <a:t>‹#›</a:t>
-            </a:fld>
-            <a:endParaRPr lang="en-GB">
-              <a:solidFill>
-                <a:prstClr val="black">
-                  <a:tint val="75000"/>
-                </a:prstClr>
-              </a:solidFill>
-            </a:endParaRPr>
-          </a:p>
-        </p:txBody>
-      </p:sp>
-    </p:spTree>
-    <p:extLst>
-      <p:ext uri="{BB962C8B-B14F-4D97-AF65-F5344CB8AC3E}">
-        <p14:creationId xmlns:p14="http://schemas.microsoft.com/office/powerpoint/2010/main" val="1096699188"/>
-      </p:ext>
-    </p:extLst>
-  </p:cSld>
-  <p:clrMapOvr>
-    <a:masterClrMapping/>
-  </p:clrMapOvr>
-</p:sldLayout>
-</file>
-
-<file path=ppt/slideLayouts/slideLayout37.xml><?xml version="1.0" encoding="utf-8"?>
+<file path=ppt/slideLayouts/slideLayout4.xml><?xml version="1.0" encoding="utf-8"?>
 <p:sldLayout xmlns:a="http://schemas.openxmlformats.org/drawingml/2006/main" xmlns:r="http://schemas.openxmlformats.org/officeDocument/2006/relationships" xmlns:p="http://schemas.openxmlformats.org/presentationml/2006/main" type="twoObj" preserve="1">
   <p:cSld name="Two Content">
     <p:spTree>
@@ -7752,23 +6996,10 @@
           <a:lstStyle/>
           <a:p>
             <a:fld id="{14DA9D7A-8977-4189-8C1E-3CBA94454C2D}" type="datetimeFigureOut">
-              <a:rPr lang="en-GB">
-                <a:solidFill>
-                  <a:prstClr val="black">
-                    <a:tint val="75000"/>
-                  </a:prstClr>
-                </a:solidFill>
-              </a:rPr>
-              <a:pPr/>
-              <a:t>26/02/2015</a:t>
+              <a:rPr lang="en-GB" smtClean="0"/>
+              <a:t>04/03/2015</a:t>
             </a:fld>
-            <a:endParaRPr lang="en-GB">
-              <a:solidFill>
-                <a:prstClr val="black">
-                  <a:tint val="75000"/>
-                </a:prstClr>
-              </a:solidFill>
-            </a:endParaRPr>
+            <a:endParaRPr lang="en-GB"/>
           </a:p>
         </p:txBody>
       </p:sp>
@@ -7787,13 +7018,7 @@
           <a:bodyPr/>
           <a:lstStyle/>
           <a:p>
-            <a:endParaRPr lang="en-GB">
-              <a:solidFill>
-                <a:prstClr val="black">
-                  <a:tint val="75000"/>
-                </a:prstClr>
-              </a:solidFill>
-            </a:endParaRPr>
+            <a:endParaRPr lang="en-GB"/>
           </a:p>
         </p:txBody>
       </p:sp>
@@ -7813,30 +7038,17 @@
           <a:lstStyle/>
           <a:p>
             <a:fld id="{BA7C8E83-1A47-4B4F-90F6-5EEB22BB51DA}" type="slidenum">
-              <a:rPr lang="en-GB">
-                <a:solidFill>
-                  <a:prstClr val="black">
-                    <a:tint val="75000"/>
-                  </a:prstClr>
-                </a:solidFill>
-              </a:rPr>
-              <a:pPr/>
+              <a:rPr lang="en-GB" smtClean="0"/>
               <a:t>‹#›</a:t>
             </a:fld>
-            <a:endParaRPr lang="en-GB">
-              <a:solidFill>
-                <a:prstClr val="black">
-                  <a:tint val="75000"/>
-                </a:prstClr>
-              </a:solidFill>
-            </a:endParaRPr>
+            <a:endParaRPr lang="en-GB"/>
           </a:p>
         </p:txBody>
       </p:sp>
     </p:spTree>
     <p:extLst>
       <p:ext uri="{BB962C8B-B14F-4D97-AF65-F5344CB8AC3E}">
-        <p14:creationId xmlns:p14="http://schemas.microsoft.com/office/powerpoint/2010/main" val="950565773"/>
+        <p14:creationId xmlns:p14="http://schemas.microsoft.com/office/powerpoint/2010/main" val="4029398393"/>
       </p:ext>
     </p:extLst>
   </p:cSld>
@@ -7846,7 +7058,7 @@
 </p:sldLayout>
 </file>
 
-<file path=ppt/slideLayouts/slideLayout38.xml><?xml version="1.0" encoding="utf-8"?>
+<file path=ppt/slideLayouts/slideLayout5.xml><?xml version="1.0" encoding="utf-8"?>
 <p:sldLayout xmlns:a="http://schemas.openxmlformats.org/drawingml/2006/main" xmlns:r="http://schemas.openxmlformats.org/officeDocument/2006/relationships" xmlns:p="http://schemas.openxmlformats.org/presentationml/2006/main" type="twoTxTwoObj" preserve="1">
   <p:cSld name="Comparison">
     <p:spTree>
@@ -8206,2035 +7418,8 @@
           <a:lstStyle/>
           <a:p>
             <a:fld id="{14DA9D7A-8977-4189-8C1E-3CBA94454C2D}" type="datetimeFigureOut">
-              <a:rPr lang="en-GB">
-                <a:solidFill>
-                  <a:prstClr val="black">
-                    <a:tint val="75000"/>
-                  </a:prstClr>
-                </a:solidFill>
-              </a:rPr>
-              <a:pPr/>
-              <a:t>26/02/2015</a:t>
-            </a:fld>
-            <a:endParaRPr lang="en-GB">
-              <a:solidFill>
-                <a:prstClr val="black">
-                  <a:tint val="75000"/>
-                </a:prstClr>
-              </a:solidFill>
-            </a:endParaRPr>
-          </a:p>
-        </p:txBody>
-      </p:sp>
-      <p:sp>
-        <p:nvSpPr>
-          <p:cNvPr id="8" name="Footer Placeholder 7"/>
-          <p:cNvSpPr>
-            <a:spLocks noGrp="1"/>
-          </p:cNvSpPr>
-          <p:nvPr>
-            <p:ph type="ftr" sz="quarter" idx="11"/>
-          </p:nvPr>
-        </p:nvSpPr>
-        <p:spPr/>
-        <p:txBody>
-          <a:bodyPr/>
-          <a:lstStyle/>
-          <a:p>
-            <a:endParaRPr lang="en-GB">
-              <a:solidFill>
-                <a:prstClr val="black">
-                  <a:tint val="75000"/>
-                </a:prstClr>
-              </a:solidFill>
-            </a:endParaRPr>
-          </a:p>
-        </p:txBody>
-      </p:sp>
-      <p:sp>
-        <p:nvSpPr>
-          <p:cNvPr id="9" name="Slide Number Placeholder 8"/>
-          <p:cNvSpPr>
-            <a:spLocks noGrp="1"/>
-          </p:cNvSpPr>
-          <p:nvPr>
-            <p:ph type="sldNum" sz="quarter" idx="12"/>
-          </p:nvPr>
-        </p:nvSpPr>
-        <p:spPr/>
-        <p:txBody>
-          <a:bodyPr/>
-          <a:lstStyle/>
-          <a:p>
-            <a:fld id="{BA7C8E83-1A47-4B4F-90F6-5EEB22BB51DA}" type="slidenum">
-              <a:rPr lang="en-GB">
-                <a:solidFill>
-                  <a:prstClr val="black">
-                    <a:tint val="75000"/>
-                  </a:prstClr>
-                </a:solidFill>
-              </a:rPr>
-              <a:pPr/>
-              <a:t>‹#›</a:t>
-            </a:fld>
-            <a:endParaRPr lang="en-GB">
-              <a:solidFill>
-                <a:prstClr val="black">
-                  <a:tint val="75000"/>
-                </a:prstClr>
-              </a:solidFill>
-            </a:endParaRPr>
-          </a:p>
-        </p:txBody>
-      </p:sp>
-    </p:spTree>
-    <p:extLst>
-      <p:ext uri="{BB962C8B-B14F-4D97-AF65-F5344CB8AC3E}">
-        <p14:creationId xmlns:p14="http://schemas.microsoft.com/office/powerpoint/2010/main" val="790545042"/>
-      </p:ext>
-    </p:extLst>
-  </p:cSld>
-  <p:clrMapOvr>
-    <a:masterClrMapping/>
-  </p:clrMapOvr>
-</p:sldLayout>
-</file>
-
-<file path=ppt/slideLayouts/slideLayout39.xml><?xml version="1.0" encoding="utf-8"?>
-<p:sldLayout xmlns:a="http://schemas.openxmlformats.org/drawingml/2006/main" xmlns:r="http://schemas.openxmlformats.org/officeDocument/2006/relationships" xmlns:p="http://schemas.openxmlformats.org/presentationml/2006/main" type="titleOnly" preserve="1">
-  <p:cSld name="Title Only">
-    <p:spTree>
-      <p:nvGrpSpPr>
-        <p:cNvPr id="1" name=""/>
-        <p:cNvGrpSpPr/>
-        <p:nvPr/>
-      </p:nvGrpSpPr>
-      <p:grpSpPr>
-        <a:xfrm>
-          <a:off x="0" y="0"/>
-          <a:ext cx="0" cy="0"/>
-          <a:chOff x="0" y="0"/>
-          <a:chExt cx="0" cy="0"/>
-        </a:xfrm>
-      </p:grpSpPr>
-      <p:sp>
-        <p:nvSpPr>
-          <p:cNvPr id="2" name="Title 1"/>
-          <p:cNvSpPr>
-            <a:spLocks noGrp="1"/>
-          </p:cNvSpPr>
-          <p:nvPr>
-            <p:ph type="title"/>
-          </p:nvPr>
-        </p:nvSpPr>
-        <p:spPr/>
-        <p:txBody>
-          <a:bodyPr/>
-          <a:lstStyle/>
-          <a:p>
-            <a:r>
-              <a:rPr lang="en-US" smtClean="0"/>
-              <a:t>Click to edit Master title style</a:t>
-            </a:r>
-            <a:endParaRPr lang="en-GB"/>
-          </a:p>
-        </p:txBody>
-      </p:sp>
-      <p:sp>
-        <p:nvSpPr>
-          <p:cNvPr id="3" name="Date Placeholder 2"/>
-          <p:cNvSpPr>
-            <a:spLocks noGrp="1"/>
-          </p:cNvSpPr>
-          <p:nvPr>
-            <p:ph type="dt" sz="half" idx="10"/>
-          </p:nvPr>
-        </p:nvSpPr>
-        <p:spPr/>
-        <p:txBody>
-          <a:bodyPr/>
-          <a:lstStyle/>
-          <a:p>
-            <a:fld id="{14DA9D7A-8977-4189-8C1E-3CBA94454C2D}" type="datetimeFigureOut">
-              <a:rPr lang="en-GB">
-                <a:solidFill>
-                  <a:prstClr val="black">
-                    <a:tint val="75000"/>
-                  </a:prstClr>
-                </a:solidFill>
-              </a:rPr>
-              <a:pPr/>
-              <a:t>26/02/2015</a:t>
-            </a:fld>
-            <a:endParaRPr lang="en-GB">
-              <a:solidFill>
-                <a:prstClr val="black">
-                  <a:tint val="75000"/>
-                </a:prstClr>
-              </a:solidFill>
-            </a:endParaRPr>
-          </a:p>
-        </p:txBody>
-      </p:sp>
-      <p:sp>
-        <p:nvSpPr>
-          <p:cNvPr id="4" name="Footer Placeholder 3"/>
-          <p:cNvSpPr>
-            <a:spLocks noGrp="1"/>
-          </p:cNvSpPr>
-          <p:nvPr>
-            <p:ph type="ftr" sz="quarter" idx="11"/>
-          </p:nvPr>
-        </p:nvSpPr>
-        <p:spPr/>
-        <p:txBody>
-          <a:bodyPr/>
-          <a:lstStyle/>
-          <a:p>
-            <a:endParaRPr lang="en-GB">
-              <a:solidFill>
-                <a:prstClr val="black">
-                  <a:tint val="75000"/>
-                </a:prstClr>
-              </a:solidFill>
-            </a:endParaRPr>
-          </a:p>
-        </p:txBody>
-      </p:sp>
-      <p:sp>
-        <p:nvSpPr>
-          <p:cNvPr id="5" name="Slide Number Placeholder 4"/>
-          <p:cNvSpPr>
-            <a:spLocks noGrp="1"/>
-          </p:cNvSpPr>
-          <p:nvPr>
-            <p:ph type="sldNum" sz="quarter" idx="12"/>
-          </p:nvPr>
-        </p:nvSpPr>
-        <p:spPr/>
-        <p:txBody>
-          <a:bodyPr/>
-          <a:lstStyle/>
-          <a:p>
-            <a:fld id="{BA7C8E83-1A47-4B4F-90F6-5EEB22BB51DA}" type="slidenum">
-              <a:rPr lang="en-GB">
-                <a:solidFill>
-                  <a:prstClr val="black">
-                    <a:tint val="75000"/>
-                  </a:prstClr>
-                </a:solidFill>
-              </a:rPr>
-              <a:pPr/>
-              <a:t>‹#›</a:t>
-            </a:fld>
-            <a:endParaRPr lang="en-GB">
-              <a:solidFill>
-                <a:prstClr val="black">
-                  <a:tint val="75000"/>
-                </a:prstClr>
-              </a:solidFill>
-            </a:endParaRPr>
-          </a:p>
-        </p:txBody>
-      </p:sp>
-    </p:spTree>
-    <p:extLst>
-      <p:ext uri="{BB962C8B-B14F-4D97-AF65-F5344CB8AC3E}">
-        <p14:creationId xmlns:p14="http://schemas.microsoft.com/office/powerpoint/2010/main" val="1611348885"/>
-      </p:ext>
-    </p:extLst>
-  </p:cSld>
-  <p:clrMapOvr>
-    <a:masterClrMapping/>
-  </p:clrMapOvr>
-</p:sldLayout>
-</file>
-
-<file path=ppt/slideLayouts/slideLayout4.xml><?xml version="1.0" encoding="utf-8"?>
-<p:sldLayout xmlns:a="http://schemas.openxmlformats.org/drawingml/2006/main" xmlns:r="http://schemas.openxmlformats.org/officeDocument/2006/relationships" xmlns:p="http://schemas.openxmlformats.org/presentationml/2006/main" type="twoObj" preserve="1">
-  <p:cSld name="Two Content">
-    <p:spTree>
-      <p:nvGrpSpPr>
-        <p:cNvPr id="1" name=""/>
-        <p:cNvGrpSpPr/>
-        <p:nvPr/>
-      </p:nvGrpSpPr>
-      <p:grpSpPr>
-        <a:xfrm>
-          <a:off x="0" y="0"/>
-          <a:ext cx="0" cy="0"/>
-          <a:chOff x="0" y="0"/>
-          <a:chExt cx="0" cy="0"/>
-        </a:xfrm>
-      </p:grpSpPr>
-      <p:sp>
-        <p:nvSpPr>
-          <p:cNvPr id="2" name="Title 1"/>
-          <p:cNvSpPr>
-            <a:spLocks noGrp="1"/>
-          </p:cNvSpPr>
-          <p:nvPr>
-            <p:ph type="title"/>
-          </p:nvPr>
-        </p:nvSpPr>
-        <p:spPr/>
-        <p:txBody>
-          <a:bodyPr/>
-          <a:lstStyle/>
-          <a:p>
-            <a:r>
-              <a:rPr lang="en-US" smtClean="0"/>
-              <a:t>Click to edit Master title style</a:t>
-            </a:r>
-            <a:endParaRPr lang="en-GB"/>
-          </a:p>
-        </p:txBody>
-      </p:sp>
-      <p:sp>
-        <p:nvSpPr>
-          <p:cNvPr id="3" name="Content Placeholder 2"/>
-          <p:cNvSpPr>
-            <a:spLocks noGrp="1"/>
-          </p:cNvSpPr>
-          <p:nvPr>
-            <p:ph sz="half" idx="1"/>
-          </p:nvPr>
-        </p:nvSpPr>
-        <p:spPr>
-          <a:xfrm>
-            <a:off x="457200" y="1600200"/>
-            <a:ext cx="4038600" cy="4525963"/>
-          </a:xfrm>
-        </p:spPr>
-        <p:txBody>
-          <a:bodyPr/>
-          <a:lstStyle>
-            <a:lvl1pPr>
-              <a:defRPr sz="2800"/>
-            </a:lvl1pPr>
-            <a:lvl2pPr>
-              <a:defRPr sz="2400"/>
-            </a:lvl2pPr>
-            <a:lvl3pPr>
-              <a:defRPr sz="2000"/>
-            </a:lvl3pPr>
-            <a:lvl4pPr>
-              <a:defRPr sz="1800"/>
-            </a:lvl4pPr>
-            <a:lvl5pPr>
-              <a:defRPr sz="1800"/>
-            </a:lvl5pPr>
-            <a:lvl6pPr>
-              <a:defRPr sz="1800"/>
-            </a:lvl6pPr>
-            <a:lvl7pPr>
-              <a:defRPr sz="1800"/>
-            </a:lvl7pPr>
-            <a:lvl8pPr>
-              <a:defRPr sz="1800"/>
-            </a:lvl8pPr>
-            <a:lvl9pPr>
-              <a:defRPr sz="1800"/>
-            </a:lvl9pPr>
-          </a:lstStyle>
-          <a:p>
-            <a:pPr lvl="0"/>
-            <a:r>
-              <a:rPr lang="en-US" smtClean="0"/>
-              <a:t>Click to edit Master text styles</a:t>
-            </a:r>
-          </a:p>
-          <a:p>
-            <a:pPr lvl="1"/>
-            <a:r>
-              <a:rPr lang="en-US" smtClean="0"/>
-              <a:t>Second level</a:t>
-            </a:r>
-          </a:p>
-          <a:p>
-            <a:pPr lvl="2"/>
-            <a:r>
-              <a:rPr lang="en-US" smtClean="0"/>
-              <a:t>Third level</a:t>
-            </a:r>
-          </a:p>
-          <a:p>
-            <a:pPr lvl="3"/>
-            <a:r>
-              <a:rPr lang="en-US" smtClean="0"/>
-              <a:t>Fourth level</a:t>
-            </a:r>
-          </a:p>
-          <a:p>
-            <a:pPr lvl="4"/>
-            <a:r>
-              <a:rPr lang="en-US" smtClean="0"/>
-              <a:t>Fifth level</a:t>
-            </a:r>
-            <a:endParaRPr lang="en-GB"/>
-          </a:p>
-        </p:txBody>
-      </p:sp>
-      <p:sp>
-        <p:nvSpPr>
-          <p:cNvPr id="4" name="Content Placeholder 3"/>
-          <p:cNvSpPr>
-            <a:spLocks noGrp="1"/>
-          </p:cNvSpPr>
-          <p:nvPr>
-            <p:ph sz="half" idx="2"/>
-          </p:nvPr>
-        </p:nvSpPr>
-        <p:spPr>
-          <a:xfrm>
-            <a:off x="4648200" y="1600200"/>
-            <a:ext cx="4038600" cy="4525963"/>
-          </a:xfrm>
-        </p:spPr>
-        <p:txBody>
-          <a:bodyPr/>
-          <a:lstStyle>
-            <a:lvl1pPr>
-              <a:defRPr sz="2800"/>
-            </a:lvl1pPr>
-            <a:lvl2pPr>
-              <a:defRPr sz="2400"/>
-            </a:lvl2pPr>
-            <a:lvl3pPr>
-              <a:defRPr sz="2000"/>
-            </a:lvl3pPr>
-            <a:lvl4pPr>
-              <a:defRPr sz="1800"/>
-            </a:lvl4pPr>
-            <a:lvl5pPr>
-              <a:defRPr sz="1800"/>
-            </a:lvl5pPr>
-            <a:lvl6pPr>
-              <a:defRPr sz="1800"/>
-            </a:lvl6pPr>
-            <a:lvl7pPr>
-              <a:defRPr sz="1800"/>
-            </a:lvl7pPr>
-            <a:lvl8pPr>
-              <a:defRPr sz="1800"/>
-            </a:lvl8pPr>
-            <a:lvl9pPr>
-              <a:defRPr sz="1800"/>
-            </a:lvl9pPr>
-          </a:lstStyle>
-          <a:p>
-            <a:pPr lvl="0"/>
-            <a:r>
-              <a:rPr lang="en-US" smtClean="0"/>
-              <a:t>Click to edit Master text styles</a:t>
-            </a:r>
-          </a:p>
-          <a:p>
-            <a:pPr lvl="1"/>
-            <a:r>
-              <a:rPr lang="en-US" smtClean="0"/>
-              <a:t>Second level</a:t>
-            </a:r>
-          </a:p>
-          <a:p>
-            <a:pPr lvl="2"/>
-            <a:r>
-              <a:rPr lang="en-US" smtClean="0"/>
-              <a:t>Third level</a:t>
-            </a:r>
-          </a:p>
-          <a:p>
-            <a:pPr lvl="3"/>
-            <a:r>
-              <a:rPr lang="en-US" smtClean="0"/>
-              <a:t>Fourth level</a:t>
-            </a:r>
-          </a:p>
-          <a:p>
-            <a:pPr lvl="4"/>
-            <a:r>
-              <a:rPr lang="en-US" smtClean="0"/>
-              <a:t>Fifth level</a:t>
-            </a:r>
-            <a:endParaRPr lang="en-GB"/>
-          </a:p>
-        </p:txBody>
-      </p:sp>
-      <p:sp>
-        <p:nvSpPr>
-          <p:cNvPr id="5" name="Date Placeholder 4"/>
-          <p:cNvSpPr>
-            <a:spLocks noGrp="1"/>
-          </p:cNvSpPr>
-          <p:nvPr>
-            <p:ph type="dt" sz="half" idx="10"/>
-          </p:nvPr>
-        </p:nvSpPr>
-        <p:spPr/>
-        <p:txBody>
-          <a:bodyPr/>
-          <a:lstStyle/>
-          <a:p>
-            <a:fld id="{14DA9D7A-8977-4189-8C1E-3CBA94454C2D}" type="datetimeFigureOut">
               <a:rPr lang="en-GB" smtClean="0"/>
-              <a:t>26/02/2015</a:t>
-            </a:fld>
-            <a:endParaRPr lang="en-GB"/>
-          </a:p>
-        </p:txBody>
-      </p:sp>
-      <p:sp>
-        <p:nvSpPr>
-          <p:cNvPr id="6" name="Footer Placeholder 5"/>
-          <p:cNvSpPr>
-            <a:spLocks noGrp="1"/>
-          </p:cNvSpPr>
-          <p:nvPr>
-            <p:ph type="ftr" sz="quarter" idx="11"/>
-          </p:nvPr>
-        </p:nvSpPr>
-        <p:spPr/>
-        <p:txBody>
-          <a:bodyPr/>
-          <a:lstStyle/>
-          <a:p>
-            <a:endParaRPr lang="en-GB"/>
-          </a:p>
-        </p:txBody>
-      </p:sp>
-      <p:sp>
-        <p:nvSpPr>
-          <p:cNvPr id="7" name="Slide Number Placeholder 6"/>
-          <p:cNvSpPr>
-            <a:spLocks noGrp="1"/>
-          </p:cNvSpPr>
-          <p:nvPr>
-            <p:ph type="sldNum" sz="quarter" idx="12"/>
-          </p:nvPr>
-        </p:nvSpPr>
-        <p:spPr/>
-        <p:txBody>
-          <a:bodyPr/>
-          <a:lstStyle/>
-          <a:p>
-            <a:fld id="{BA7C8E83-1A47-4B4F-90F6-5EEB22BB51DA}" type="slidenum">
-              <a:rPr lang="en-GB" smtClean="0"/>
-              <a:t>‹#›</a:t>
-            </a:fld>
-            <a:endParaRPr lang="en-GB"/>
-          </a:p>
-        </p:txBody>
-      </p:sp>
-    </p:spTree>
-    <p:extLst>
-      <p:ext uri="{BB962C8B-B14F-4D97-AF65-F5344CB8AC3E}">
-        <p14:creationId xmlns:p14="http://schemas.microsoft.com/office/powerpoint/2010/main" val="4029398393"/>
-      </p:ext>
-    </p:extLst>
-  </p:cSld>
-  <p:clrMapOvr>
-    <a:masterClrMapping/>
-  </p:clrMapOvr>
-</p:sldLayout>
-</file>
-
-<file path=ppt/slideLayouts/slideLayout40.xml><?xml version="1.0" encoding="utf-8"?>
-<p:sldLayout xmlns:a="http://schemas.openxmlformats.org/drawingml/2006/main" xmlns:r="http://schemas.openxmlformats.org/officeDocument/2006/relationships" xmlns:p="http://schemas.openxmlformats.org/presentationml/2006/main" type="blank" preserve="1">
-  <p:cSld name="Blank">
-    <p:spTree>
-      <p:nvGrpSpPr>
-        <p:cNvPr id="1" name=""/>
-        <p:cNvGrpSpPr/>
-        <p:nvPr/>
-      </p:nvGrpSpPr>
-      <p:grpSpPr>
-        <a:xfrm>
-          <a:off x="0" y="0"/>
-          <a:ext cx="0" cy="0"/>
-          <a:chOff x="0" y="0"/>
-          <a:chExt cx="0" cy="0"/>
-        </a:xfrm>
-      </p:grpSpPr>
-      <p:sp>
-        <p:nvSpPr>
-          <p:cNvPr id="2" name="Date Placeholder 1"/>
-          <p:cNvSpPr>
-            <a:spLocks noGrp="1"/>
-          </p:cNvSpPr>
-          <p:nvPr>
-            <p:ph type="dt" sz="half" idx="10"/>
-          </p:nvPr>
-        </p:nvSpPr>
-        <p:spPr/>
-        <p:txBody>
-          <a:bodyPr/>
-          <a:lstStyle/>
-          <a:p>
-            <a:fld id="{14DA9D7A-8977-4189-8C1E-3CBA94454C2D}" type="datetimeFigureOut">
-              <a:rPr lang="en-GB">
-                <a:solidFill>
-                  <a:prstClr val="black">
-                    <a:tint val="75000"/>
-                  </a:prstClr>
-                </a:solidFill>
-              </a:rPr>
-              <a:pPr/>
-              <a:t>26/02/2015</a:t>
-            </a:fld>
-            <a:endParaRPr lang="en-GB">
-              <a:solidFill>
-                <a:prstClr val="black">
-                  <a:tint val="75000"/>
-                </a:prstClr>
-              </a:solidFill>
-            </a:endParaRPr>
-          </a:p>
-        </p:txBody>
-      </p:sp>
-      <p:sp>
-        <p:nvSpPr>
-          <p:cNvPr id="3" name="Footer Placeholder 2"/>
-          <p:cNvSpPr>
-            <a:spLocks noGrp="1"/>
-          </p:cNvSpPr>
-          <p:nvPr>
-            <p:ph type="ftr" sz="quarter" idx="11"/>
-          </p:nvPr>
-        </p:nvSpPr>
-        <p:spPr/>
-        <p:txBody>
-          <a:bodyPr/>
-          <a:lstStyle/>
-          <a:p>
-            <a:endParaRPr lang="en-GB">
-              <a:solidFill>
-                <a:prstClr val="black">
-                  <a:tint val="75000"/>
-                </a:prstClr>
-              </a:solidFill>
-            </a:endParaRPr>
-          </a:p>
-        </p:txBody>
-      </p:sp>
-      <p:sp>
-        <p:nvSpPr>
-          <p:cNvPr id="4" name="Slide Number Placeholder 3"/>
-          <p:cNvSpPr>
-            <a:spLocks noGrp="1"/>
-          </p:cNvSpPr>
-          <p:nvPr>
-            <p:ph type="sldNum" sz="quarter" idx="12"/>
-          </p:nvPr>
-        </p:nvSpPr>
-        <p:spPr/>
-        <p:txBody>
-          <a:bodyPr/>
-          <a:lstStyle/>
-          <a:p>
-            <a:fld id="{BA7C8E83-1A47-4B4F-90F6-5EEB22BB51DA}" type="slidenum">
-              <a:rPr lang="en-GB">
-                <a:solidFill>
-                  <a:prstClr val="black">
-                    <a:tint val="75000"/>
-                  </a:prstClr>
-                </a:solidFill>
-              </a:rPr>
-              <a:pPr/>
-              <a:t>‹#›</a:t>
-            </a:fld>
-            <a:endParaRPr lang="en-GB">
-              <a:solidFill>
-                <a:prstClr val="black">
-                  <a:tint val="75000"/>
-                </a:prstClr>
-              </a:solidFill>
-            </a:endParaRPr>
-          </a:p>
-        </p:txBody>
-      </p:sp>
-    </p:spTree>
-    <p:extLst>
-      <p:ext uri="{BB962C8B-B14F-4D97-AF65-F5344CB8AC3E}">
-        <p14:creationId xmlns:p14="http://schemas.microsoft.com/office/powerpoint/2010/main" val="4051721166"/>
-      </p:ext>
-    </p:extLst>
-  </p:cSld>
-  <p:clrMapOvr>
-    <a:masterClrMapping/>
-  </p:clrMapOvr>
-</p:sldLayout>
-</file>
-
-<file path=ppt/slideLayouts/slideLayout41.xml><?xml version="1.0" encoding="utf-8"?>
-<p:sldLayout xmlns:a="http://schemas.openxmlformats.org/drawingml/2006/main" xmlns:r="http://schemas.openxmlformats.org/officeDocument/2006/relationships" xmlns:p="http://schemas.openxmlformats.org/presentationml/2006/main" type="objTx" preserve="1">
-  <p:cSld name="Content with Caption">
-    <p:spTree>
-      <p:nvGrpSpPr>
-        <p:cNvPr id="1" name=""/>
-        <p:cNvGrpSpPr/>
-        <p:nvPr/>
-      </p:nvGrpSpPr>
-      <p:grpSpPr>
-        <a:xfrm>
-          <a:off x="0" y="0"/>
-          <a:ext cx="0" cy="0"/>
-          <a:chOff x="0" y="0"/>
-          <a:chExt cx="0" cy="0"/>
-        </a:xfrm>
-      </p:grpSpPr>
-      <p:sp>
-        <p:nvSpPr>
-          <p:cNvPr id="2" name="Title 1"/>
-          <p:cNvSpPr>
-            <a:spLocks noGrp="1"/>
-          </p:cNvSpPr>
-          <p:nvPr>
-            <p:ph type="title"/>
-          </p:nvPr>
-        </p:nvSpPr>
-        <p:spPr>
-          <a:xfrm>
-            <a:off x="457200" y="273050"/>
-            <a:ext cx="3008313" cy="1162050"/>
-          </a:xfrm>
-        </p:spPr>
-        <p:txBody>
-          <a:bodyPr anchor="b"/>
-          <a:lstStyle>
-            <a:lvl1pPr algn="l">
-              <a:defRPr sz="2000" b="1"/>
-            </a:lvl1pPr>
-          </a:lstStyle>
-          <a:p>
-            <a:r>
-              <a:rPr lang="en-US" smtClean="0"/>
-              <a:t>Click to edit Master title style</a:t>
-            </a:r>
-            <a:endParaRPr lang="en-GB"/>
-          </a:p>
-        </p:txBody>
-      </p:sp>
-      <p:sp>
-        <p:nvSpPr>
-          <p:cNvPr id="3" name="Content Placeholder 2"/>
-          <p:cNvSpPr>
-            <a:spLocks noGrp="1"/>
-          </p:cNvSpPr>
-          <p:nvPr>
-            <p:ph idx="1"/>
-          </p:nvPr>
-        </p:nvSpPr>
-        <p:spPr>
-          <a:xfrm>
-            <a:off x="3575050" y="273050"/>
-            <a:ext cx="5111750" cy="5853113"/>
-          </a:xfrm>
-        </p:spPr>
-        <p:txBody>
-          <a:bodyPr/>
-          <a:lstStyle>
-            <a:lvl1pPr>
-              <a:defRPr sz="3200"/>
-            </a:lvl1pPr>
-            <a:lvl2pPr>
-              <a:defRPr sz="2800"/>
-            </a:lvl2pPr>
-            <a:lvl3pPr>
-              <a:defRPr sz="2400"/>
-            </a:lvl3pPr>
-            <a:lvl4pPr>
-              <a:defRPr sz="2000"/>
-            </a:lvl4pPr>
-            <a:lvl5pPr>
-              <a:defRPr sz="2000"/>
-            </a:lvl5pPr>
-            <a:lvl6pPr>
-              <a:defRPr sz="2000"/>
-            </a:lvl6pPr>
-            <a:lvl7pPr>
-              <a:defRPr sz="2000"/>
-            </a:lvl7pPr>
-            <a:lvl8pPr>
-              <a:defRPr sz="2000"/>
-            </a:lvl8pPr>
-            <a:lvl9pPr>
-              <a:defRPr sz="2000"/>
-            </a:lvl9pPr>
-          </a:lstStyle>
-          <a:p>
-            <a:pPr lvl="0"/>
-            <a:r>
-              <a:rPr lang="en-US" smtClean="0"/>
-              <a:t>Click to edit Master text styles</a:t>
-            </a:r>
-          </a:p>
-          <a:p>
-            <a:pPr lvl="1"/>
-            <a:r>
-              <a:rPr lang="en-US" smtClean="0"/>
-              <a:t>Second level</a:t>
-            </a:r>
-          </a:p>
-          <a:p>
-            <a:pPr lvl="2"/>
-            <a:r>
-              <a:rPr lang="en-US" smtClean="0"/>
-              <a:t>Third level</a:t>
-            </a:r>
-          </a:p>
-          <a:p>
-            <a:pPr lvl="3"/>
-            <a:r>
-              <a:rPr lang="en-US" smtClean="0"/>
-              <a:t>Fourth level</a:t>
-            </a:r>
-          </a:p>
-          <a:p>
-            <a:pPr lvl="4"/>
-            <a:r>
-              <a:rPr lang="en-US" smtClean="0"/>
-              <a:t>Fifth level</a:t>
-            </a:r>
-            <a:endParaRPr lang="en-GB"/>
-          </a:p>
-        </p:txBody>
-      </p:sp>
-      <p:sp>
-        <p:nvSpPr>
-          <p:cNvPr id="4" name="Text Placeholder 3"/>
-          <p:cNvSpPr>
-            <a:spLocks noGrp="1"/>
-          </p:cNvSpPr>
-          <p:nvPr>
-            <p:ph type="body" sz="half" idx="2"/>
-          </p:nvPr>
-        </p:nvSpPr>
-        <p:spPr>
-          <a:xfrm>
-            <a:off x="457200" y="1435100"/>
-            <a:ext cx="3008313" cy="4691063"/>
-          </a:xfrm>
-        </p:spPr>
-        <p:txBody>
-          <a:bodyPr/>
-          <a:lstStyle>
-            <a:lvl1pPr marL="0" indent="0">
-              <a:buNone/>
-              <a:defRPr sz="1400"/>
-            </a:lvl1pPr>
-            <a:lvl2pPr marL="457200" indent="0">
-              <a:buNone/>
-              <a:defRPr sz="1200"/>
-            </a:lvl2pPr>
-            <a:lvl3pPr marL="914400" indent="0">
-              <a:buNone/>
-              <a:defRPr sz="1000"/>
-            </a:lvl3pPr>
-            <a:lvl4pPr marL="1371600" indent="0">
-              <a:buNone/>
-              <a:defRPr sz="900"/>
-            </a:lvl4pPr>
-            <a:lvl5pPr marL="1828800" indent="0">
-              <a:buNone/>
-              <a:defRPr sz="900"/>
-            </a:lvl5pPr>
-            <a:lvl6pPr marL="2286000" indent="0">
-              <a:buNone/>
-              <a:defRPr sz="900"/>
-            </a:lvl6pPr>
-            <a:lvl7pPr marL="2743200" indent="0">
-              <a:buNone/>
-              <a:defRPr sz="900"/>
-            </a:lvl7pPr>
-            <a:lvl8pPr marL="3200400" indent="0">
-              <a:buNone/>
-              <a:defRPr sz="900"/>
-            </a:lvl8pPr>
-            <a:lvl9pPr marL="3657600" indent="0">
-              <a:buNone/>
-              <a:defRPr sz="900"/>
-            </a:lvl9pPr>
-          </a:lstStyle>
-          <a:p>
-            <a:pPr lvl="0"/>
-            <a:r>
-              <a:rPr lang="en-US" smtClean="0"/>
-              <a:t>Click to edit Master text styles</a:t>
-            </a:r>
-          </a:p>
-        </p:txBody>
-      </p:sp>
-      <p:sp>
-        <p:nvSpPr>
-          <p:cNvPr id="5" name="Date Placeholder 4"/>
-          <p:cNvSpPr>
-            <a:spLocks noGrp="1"/>
-          </p:cNvSpPr>
-          <p:nvPr>
-            <p:ph type="dt" sz="half" idx="10"/>
-          </p:nvPr>
-        </p:nvSpPr>
-        <p:spPr/>
-        <p:txBody>
-          <a:bodyPr/>
-          <a:lstStyle/>
-          <a:p>
-            <a:fld id="{14DA9D7A-8977-4189-8C1E-3CBA94454C2D}" type="datetimeFigureOut">
-              <a:rPr lang="en-GB">
-                <a:solidFill>
-                  <a:prstClr val="black">
-                    <a:tint val="75000"/>
-                  </a:prstClr>
-                </a:solidFill>
-              </a:rPr>
-              <a:pPr/>
-              <a:t>26/02/2015</a:t>
-            </a:fld>
-            <a:endParaRPr lang="en-GB">
-              <a:solidFill>
-                <a:prstClr val="black">
-                  <a:tint val="75000"/>
-                </a:prstClr>
-              </a:solidFill>
-            </a:endParaRPr>
-          </a:p>
-        </p:txBody>
-      </p:sp>
-      <p:sp>
-        <p:nvSpPr>
-          <p:cNvPr id="6" name="Footer Placeholder 5"/>
-          <p:cNvSpPr>
-            <a:spLocks noGrp="1"/>
-          </p:cNvSpPr>
-          <p:nvPr>
-            <p:ph type="ftr" sz="quarter" idx="11"/>
-          </p:nvPr>
-        </p:nvSpPr>
-        <p:spPr/>
-        <p:txBody>
-          <a:bodyPr/>
-          <a:lstStyle/>
-          <a:p>
-            <a:endParaRPr lang="en-GB">
-              <a:solidFill>
-                <a:prstClr val="black">
-                  <a:tint val="75000"/>
-                </a:prstClr>
-              </a:solidFill>
-            </a:endParaRPr>
-          </a:p>
-        </p:txBody>
-      </p:sp>
-      <p:sp>
-        <p:nvSpPr>
-          <p:cNvPr id="7" name="Slide Number Placeholder 6"/>
-          <p:cNvSpPr>
-            <a:spLocks noGrp="1"/>
-          </p:cNvSpPr>
-          <p:nvPr>
-            <p:ph type="sldNum" sz="quarter" idx="12"/>
-          </p:nvPr>
-        </p:nvSpPr>
-        <p:spPr/>
-        <p:txBody>
-          <a:bodyPr/>
-          <a:lstStyle/>
-          <a:p>
-            <a:fld id="{BA7C8E83-1A47-4B4F-90F6-5EEB22BB51DA}" type="slidenum">
-              <a:rPr lang="en-GB">
-                <a:solidFill>
-                  <a:prstClr val="black">
-                    <a:tint val="75000"/>
-                  </a:prstClr>
-                </a:solidFill>
-              </a:rPr>
-              <a:pPr/>
-              <a:t>‹#›</a:t>
-            </a:fld>
-            <a:endParaRPr lang="en-GB">
-              <a:solidFill>
-                <a:prstClr val="black">
-                  <a:tint val="75000"/>
-                </a:prstClr>
-              </a:solidFill>
-            </a:endParaRPr>
-          </a:p>
-        </p:txBody>
-      </p:sp>
-    </p:spTree>
-    <p:extLst>
-      <p:ext uri="{BB962C8B-B14F-4D97-AF65-F5344CB8AC3E}">
-        <p14:creationId xmlns:p14="http://schemas.microsoft.com/office/powerpoint/2010/main" val="1849735744"/>
-      </p:ext>
-    </p:extLst>
-  </p:cSld>
-  <p:clrMapOvr>
-    <a:masterClrMapping/>
-  </p:clrMapOvr>
-</p:sldLayout>
-</file>
-
-<file path=ppt/slideLayouts/slideLayout42.xml><?xml version="1.0" encoding="utf-8"?>
-<p:sldLayout xmlns:a="http://schemas.openxmlformats.org/drawingml/2006/main" xmlns:r="http://schemas.openxmlformats.org/officeDocument/2006/relationships" xmlns:p="http://schemas.openxmlformats.org/presentationml/2006/main" type="picTx" preserve="1">
-  <p:cSld name="Picture with Caption">
-    <p:spTree>
-      <p:nvGrpSpPr>
-        <p:cNvPr id="1" name=""/>
-        <p:cNvGrpSpPr/>
-        <p:nvPr/>
-      </p:nvGrpSpPr>
-      <p:grpSpPr>
-        <a:xfrm>
-          <a:off x="0" y="0"/>
-          <a:ext cx="0" cy="0"/>
-          <a:chOff x="0" y="0"/>
-          <a:chExt cx="0" cy="0"/>
-        </a:xfrm>
-      </p:grpSpPr>
-      <p:sp>
-        <p:nvSpPr>
-          <p:cNvPr id="2" name="Title 1"/>
-          <p:cNvSpPr>
-            <a:spLocks noGrp="1"/>
-          </p:cNvSpPr>
-          <p:nvPr>
-            <p:ph type="title"/>
-          </p:nvPr>
-        </p:nvSpPr>
-        <p:spPr>
-          <a:xfrm>
-            <a:off x="1792288" y="4800600"/>
-            <a:ext cx="5486400" cy="566738"/>
-          </a:xfrm>
-        </p:spPr>
-        <p:txBody>
-          <a:bodyPr anchor="b"/>
-          <a:lstStyle>
-            <a:lvl1pPr algn="l">
-              <a:defRPr sz="2000" b="1"/>
-            </a:lvl1pPr>
-          </a:lstStyle>
-          <a:p>
-            <a:r>
-              <a:rPr lang="en-US" smtClean="0"/>
-              <a:t>Click to edit Master title style</a:t>
-            </a:r>
-            <a:endParaRPr lang="en-GB"/>
-          </a:p>
-        </p:txBody>
-      </p:sp>
-      <p:sp>
-        <p:nvSpPr>
-          <p:cNvPr id="3" name="Picture Placeholder 2"/>
-          <p:cNvSpPr>
-            <a:spLocks noGrp="1"/>
-          </p:cNvSpPr>
-          <p:nvPr>
-            <p:ph type="pic" idx="1"/>
-          </p:nvPr>
-        </p:nvSpPr>
-        <p:spPr>
-          <a:xfrm>
-            <a:off x="1792288" y="612775"/>
-            <a:ext cx="5486400" cy="4114800"/>
-          </a:xfrm>
-        </p:spPr>
-        <p:txBody>
-          <a:bodyPr/>
-          <a:lstStyle>
-            <a:lvl1pPr marL="0" indent="0">
-              <a:buNone/>
-              <a:defRPr sz="3200"/>
-            </a:lvl1pPr>
-            <a:lvl2pPr marL="457200" indent="0">
-              <a:buNone/>
-              <a:defRPr sz="2800"/>
-            </a:lvl2pPr>
-            <a:lvl3pPr marL="914400" indent="0">
-              <a:buNone/>
-              <a:defRPr sz="2400"/>
-            </a:lvl3pPr>
-            <a:lvl4pPr marL="1371600" indent="0">
-              <a:buNone/>
-              <a:defRPr sz="2000"/>
-            </a:lvl4pPr>
-            <a:lvl5pPr marL="1828800" indent="0">
-              <a:buNone/>
-              <a:defRPr sz="2000"/>
-            </a:lvl5pPr>
-            <a:lvl6pPr marL="2286000" indent="0">
-              <a:buNone/>
-              <a:defRPr sz="2000"/>
-            </a:lvl6pPr>
-            <a:lvl7pPr marL="2743200" indent="0">
-              <a:buNone/>
-              <a:defRPr sz="2000"/>
-            </a:lvl7pPr>
-            <a:lvl8pPr marL="3200400" indent="0">
-              <a:buNone/>
-              <a:defRPr sz="2000"/>
-            </a:lvl8pPr>
-            <a:lvl9pPr marL="3657600" indent="0">
-              <a:buNone/>
-              <a:defRPr sz="2000"/>
-            </a:lvl9pPr>
-          </a:lstStyle>
-          <a:p>
-            <a:endParaRPr lang="en-GB"/>
-          </a:p>
-        </p:txBody>
-      </p:sp>
-      <p:sp>
-        <p:nvSpPr>
-          <p:cNvPr id="4" name="Text Placeholder 3"/>
-          <p:cNvSpPr>
-            <a:spLocks noGrp="1"/>
-          </p:cNvSpPr>
-          <p:nvPr>
-            <p:ph type="body" sz="half" idx="2"/>
-          </p:nvPr>
-        </p:nvSpPr>
-        <p:spPr>
-          <a:xfrm>
-            <a:off x="1792288" y="5367338"/>
-            <a:ext cx="5486400" cy="804862"/>
-          </a:xfrm>
-        </p:spPr>
-        <p:txBody>
-          <a:bodyPr/>
-          <a:lstStyle>
-            <a:lvl1pPr marL="0" indent="0">
-              <a:buNone/>
-              <a:defRPr sz="1400"/>
-            </a:lvl1pPr>
-            <a:lvl2pPr marL="457200" indent="0">
-              <a:buNone/>
-              <a:defRPr sz="1200"/>
-            </a:lvl2pPr>
-            <a:lvl3pPr marL="914400" indent="0">
-              <a:buNone/>
-              <a:defRPr sz="1000"/>
-            </a:lvl3pPr>
-            <a:lvl4pPr marL="1371600" indent="0">
-              <a:buNone/>
-              <a:defRPr sz="900"/>
-            </a:lvl4pPr>
-            <a:lvl5pPr marL="1828800" indent="0">
-              <a:buNone/>
-              <a:defRPr sz="900"/>
-            </a:lvl5pPr>
-            <a:lvl6pPr marL="2286000" indent="0">
-              <a:buNone/>
-              <a:defRPr sz="900"/>
-            </a:lvl6pPr>
-            <a:lvl7pPr marL="2743200" indent="0">
-              <a:buNone/>
-              <a:defRPr sz="900"/>
-            </a:lvl7pPr>
-            <a:lvl8pPr marL="3200400" indent="0">
-              <a:buNone/>
-              <a:defRPr sz="900"/>
-            </a:lvl8pPr>
-            <a:lvl9pPr marL="3657600" indent="0">
-              <a:buNone/>
-              <a:defRPr sz="900"/>
-            </a:lvl9pPr>
-          </a:lstStyle>
-          <a:p>
-            <a:pPr lvl="0"/>
-            <a:r>
-              <a:rPr lang="en-US" smtClean="0"/>
-              <a:t>Click to edit Master text styles</a:t>
-            </a:r>
-          </a:p>
-        </p:txBody>
-      </p:sp>
-      <p:sp>
-        <p:nvSpPr>
-          <p:cNvPr id="5" name="Date Placeholder 4"/>
-          <p:cNvSpPr>
-            <a:spLocks noGrp="1"/>
-          </p:cNvSpPr>
-          <p:nvPr>
-            <p:ph type="dt" sz="half" idx="10"/>
-          </p:nvPr>
-        </p:nvSpPr>
-        <p:spPr/>
-        <p:txBody>
-          <a:bodyPr/>
-          <a:lstStyle/>
-          <a:p>
-            <a:fld id="{14DA9D7A-8977-4189-8C1E-3CBA94454C2D}" type="datetimeFigureOut">
-              <a:rPr lang="en-GB">
-                <a:solidFill>
-                  <a:prstClr val="black">
-                    <a:tint val="75000"/>
-                  </a:prstClr>
-                </a:solidFill>
-              </a:rPr>
-              <a:pPr/>
-              <a:t>26/02/2015</a:t>
-            </a:fld>
-            <a:endParaRPr lang="en-GB">
-              <a:solidFill>
-                <a:prstClr val="black">
-                  <a:tint val="75000"/>
-                </a:prstClr>
-              </a:solidFill>
-            </a:endParaRPr>
-          </a:p>
-        </p:txBody>
-      </p:sp>
-      <p:sp>
-        <p:nvSpPr>
-          <p:cNvPr id="6" name="Footer Placeholder 5"/>
-          <p:cNvSpPr>
-            <a:spLocks noGrp="1"/>
-          </p:cNvSpPr>
-          <p:nvPr>
-            <p:ph type="ftr" sz="quarter" idx="11"/>
-          </p:nvPr>
-        </p:nvSpPr>
-        <p:spPr/>
-        <p:txBody>
-          <a:bodyPr/>
-          <a:lstStyle/>
-          <a:p>
-            <a:endParaRPr lang="en-GB">
-              <a:solidFill>
-                <a:prstClr val="black">
-                  <a:tint val="75000"/>
-                </a:prstClr>
-              </a:solidFill>
-            </a:endParaRPr>
-          </a:p>
-        </p:txBody>
-      </p:sp>
-      <p:sp>
-        <p:nvSpPr>
-          <p:cNvPr id="7" name="Slide Number Placeholder 6"/>
-          <p:cNvSpPr>
-            <a:spLocks noGrp="1"/>
-          </p:cNvSpPr>
-          <p:nvPr>
-            <p:ph type="sldNum" sz="quarter" idx="12"/>
-          </p:nvPr>
-        </p:nvSpPr>
-        <p:spPr/>
-        <p:txBody>
-          <a:bodyPr/>
-          <a:lstStyle/>
-          <a:p>
-            <a:fld id="{BA7C8E83-1A47-4B4F-90F6-5EEB22BB51DA}" type="slidenum">
-              <a:rPr lang="en-GB">
-                <a:solidFill>
-                  <a:prstClr val="black">
-                    <a:tint val="75000"/>
-                  </a:prstClr>
-                </a:solidFill>
-              </a:rPr>
-              <a:pPr/>
-              <a:t>‹#›</a:t>
-            </a:fld>
-            <a:endParaRPr lang="en-GB">
-              <a:solidFill>
-                <a:prstClr val="black">
-                  <a:tint val="75000"/>
-                </a:prstClr>
-              </a:solidFill>
-            </a:endParaRPr>
-          </a:p>
-        </p:txBody>
-      </p:sp>
-    </p:spTree>
-    <p:extLst>
-      <p:ext uri="{BB962C8B-B14F-4D97-AF65-F5344CB8AC3E}">
-        <p14:creationId xmlns:p14="http://schemas.microsoft.com/office/powerpoint/2010/main" val="1724787514"/>
-      </p:ext>
-    </p:extLst>
-  </p:cSld>
-  <p:clrMapOvr>
-    <a:masterClrMapping/>
-  </p:clrMapOvr>
-</p:sldLayout>
-</file>
-
-<file path=ppt/slideLayouts/slideLayout43.xml><?xml version="1.0" encoding="utf-8"?>
-<p:sldLayout xmlns:a="http://schemas.openxmlformats.org/drawingml/2006/main" xmlns:r="http://schemas.openxmlformats.org/officeDocument/2006/relationships" xmlns:p="http://schemas.openxmlformats.org/presentationml/2006/main" type="vertTx" preserve="1">
-  <p:cSld name="Title and Vertical Text">
-    <p:spTree>
-      <p:nvGrpSpPr>
-        <p:cNvPr id="1" name=""/>
-        <p:cNvGrpSpPr/>
-        <p:nvPr/>
-      </p:nvGrpSpPr>
-      <p:grpSpPr>
-        <a:xfrm>
-          <a:off x="0" y="0"/>
-          <a:ext cx="0" cy="0"/>
-          <a:chOff x="0" y="0"/>
-          <a:chExt cx="0" cy="0"/>
-        </a:xfrm>
-      </p:grpSpPr>
-      <p:sp>
-        <p:nvSpPr>
-          <p:cNvPr id="2" name="Title 1"/>
-          <p:cNvSpPr>
-            <a:spLocks noGrp="1"/>
-          </p:cNvSpPr>
-          <p:nvPr>
-            <p:ph type="title"/>
-          </p:nvPr>
-        </p:nvSpPr>
-        <p:spPr/>
-        <p:txBody>
-          <a:bodyPr/>
-          <a:lstStyle/>
-          <a:p>
-            <a:r>
-              <a:rPr lang="en-US" smtClean="0"/>
-              <a:t>Click to edit Master title style</a:t>
-            </a:r>
-            <a:endParaRPr lang="en-GB"/>
-          </a:p>
-        </p:txBody>
-      </p:sp>
-      <p:sp>
-        <p:nvSpPr>
-          <p:cNvPr id="3" name="Vertical Text Placeholder 2"/>
-          <p:cNvSpPr>
-            <a:spLocks noGrp="1"/>
-          </p:cNvSpPr>
-          <p:nvPr>
-            <p:ph type="body" orient="vert" idx="1"/>
-          </p:nvPr>
-        </p:nvSpPr>
-        <p:spPr/>
-        <p:txBody>
-          <a:bodyPr vert="eaVert"/>
-          <a:lstStyle/>
-          <a:p>
-            <a:pPr lvl="0"/>
-            <a:r>
-              <a:rPr lang="en-US" smtClean="0"/>
-              <a:t>Click to edit Master text styles</a:t>
-            </a:r>
-          </a:p>
-          <a:p>
-            <a:pPr lvl="1"/>
-            <a:r>
-              <a:rPr lang="en-US" smtClean="0"/>
-              <a:t>Second level</a:t>
-            </a:r>
-          </a:p>
-          <a:p>
-            <a:pPr lvl="2"/>
-            <a:r>
-              <a:rPr lang="en-US" smtClean="0"/>
-              <a:t>Third level</a:t>
-            </a:r>
-          </a:p>
-          <a:p>
-            <a:pPr lvl="3"/>
-            <a:r>
-              <a:rPr lang="en-US" smtClean="0"/>
-              <a:t>Fourth level</a:t>
-            </a:r>
-          </a:p>
-          <a:p>
-            <a:pPr lvl="4"/>
-            <a:r>
-              <a:rPr lang="en-US" smtClean="0"/>
-              <a:t>Fifth level</a:t>
-            </a:r>
-            <a:endParaRPr lang="en-GB"/>
-          </a:p>
-        </p:txBody>
-      </p:sp>
-      <p:sp>
-        <p:nvSpPr>
-          <p:cNvPr id="4" name="Date Placeholder 3"/>
-          <p:cNvSpPr>
-            <a:spLocks noGrp="1"/>
-          </p:cNvSpPr>
-          <p:nvPr>
-            <p:ph type="dt" sz="half" idx="10"/>
-          </p:nvPr>
-        </p:nvSpPr>
-        <p:spPr/>
-        <p:txBody>
-          <a:bodyPr/>
-          <a:lstStyle/>
-          <a:p>
-            <a:fld id="{14DA9D7A-8977-4189-8C1E-3CBA94454C2D}" type="datetimeFigureOut">
-              <a:rPr lang="en-GB">
-                <a:solidFill>
-                  <a:prstClr val="black">
-                    <a:tint val="75000"/>
-                  </a:prstClr>
-                </a:solidFill>
-              </a:rPr>
-              <a:pPr/>
-              <a:t>26/02/2015</a:t>
-            </a:fld>
-            <a:endParaRPr lang="en-GB">
-              <a:solidFill>
-                <a:prstClr val="black">
-                  <a:tint val="75000"/>
-                </a:prstClr>
-              </a:solidFill>
-            </a:endParaRPr>
-          </a:p>
-        </p:txBody>
-      </p:sp>
-      <p:sp>
-        <p:nvSpPr>
-          <p:cNvPr id="5" name="Footer Placeholder 4"/>
-          <p:cNvSpPr>
-            <a:spLocks noGrp="1"/>
-          </p:cNvSpPr>
-          <p:nvPr>
-            <p:ph type="ftr" sz="quarter" idx="11"/>
-          </p:nvPr>
-        </p:nvSpPr>
-        <p:spPr/>
-        <p:txBody>
-          <a:bodyPr/>
-          <a:lstStyle/>
-          <a:p>
-            <a:endParaRPr lang="en-GB">
-              <a:solidFill>
-                <a:prstClr val="black">
-                  <a:tint val="75000"/>
-                </a:prstClr>
-              </a:solidFill>
-            </a:endParaRPr>
-          </a:p>
-        </p:txBody>
-      </p:sp>
-      <p:sp>
-        <p:nvSpPr>
-          <p:cNvPr id="6" name="Slide Number Placeholder 5"/>
-          <p:cNvSpPr>
-            <a:spLocks noGrp="1"/>
-          </p:cNvSpPr>
-          <p:nvPr>
-            <p:ph type="sldNum" sz="quarter" idx="12"/>
-          </p:nvPr>
-        </p:nvSpPr>
-        <p:spPr/>
-        <p:txBody>
-          <a:bodyPr/>
-          <a:lstStyle/>
-          <a:p>
-            <a:fld id="{BA7C8E83-1A47-4B4F-90F6-5EEB22BB51DA}" type="slidenum">
-              <a:rPr lang="en-GB">
-                <a:solidFill>
-                  <a:prstClr val="black">
-                    <a:tint val="75000"/>
-                  </a:prstClr>
-                </a:solidFill>
-              </a:rPr>
-              <a:pPr/>
-              <a:t>‹#›</a:t>
-            </a:fld>
-            <a:endParaRPr lang="en-GB">
-              <a:solidFill>
-                <a:prstClr val="black">
-                  <a:tint val="75000"/>
-                </a:prstClr>
-              </a:solidFill>
-            </a:endParaRPr>
-          </a:p>
-        </p:txBody>
-      </p:sp>
-    </p:spTree>
-    <p:extLst>
-      <p:ext uri="{BB962C8B-B14F-4D97-AF65-F5344CB8AC3E}">
-        <p14:creationId xmlns:p14="http://schemas.microsoft.com/office/powerpoint/2010/main" val="679524226"/>
-      </p:ext>
-    </p:extLst>
-  </p:cSld>
-  <p:clrMapOvr>
-    <a:masterClrMapping/>
-  </p:clrMapOvr>
-</p:sldLayout>
-</file>
-
-<file path=ppt/slideLayouts/slideLayout44.xml><?xml version="1.0" encoding="utf-8"?>
-<p:sldLayout xmlns:a="http://schemas.openxmlformats.org/drawingml/2006/main" xmlns:r="http://schemas.openxmlformats.org/officeDocument/2006/relationships" xmlns:p="http://schemas.openxmlformats.org/presentationml/2006/main" type="vertTitleAndTx" preserve="1">
-  <p:cSld name="Vertical Title and Text">
-    <p:spTree>
-      <p:nvGrpSpPr>
-        <p:cNvPr id="1" name=""/>
-        <p:cNvGrpSpPr/>
-        <p:nvPr/>
-      </p:nvGrpSpPr>
-      <p:grpSpPr>
-        <a:xfrm>
-          <a:off x="0" y="0"/>
-          <a:ext cx="0" cy="0"/>
-          <a:chOff x="0" y="0"/>
-          <a:chExt cx="0" cy="0"/>
-        </a:xfrm>
-      </p:grpSpPr>
-      <p:sp>
-        <p:nvSpPr>
-          <p:cNvPr id="2" name="Vertical Title 1"/>
-          <p:cNvSpPr>
-            <a:spLocks noGrp="1"/>
-          </p:cNvSpPr>
-          <p:nvPr>
-            <p:ph type="title" orient="vert"/>
-          </p:nvPr>
-        </p:nvSpPr>
-        <p:spPr>
-          <a:xfrm>
-            <a:off x="6629400" y="274638"/>
-            <a:ext cx="2057400" cy="5851525"/>
-          </a:xfrm>
-        </p:spPr>
-        <p:txBody>
-          <a:bodyPr vert="eaVert"/>
-          <a:lstStyle/>
-          <a:p>
-            <a:r>
-              <a:rPr lang="en-US" smtClean="0"/>
-              <a:t>Click to edit Master title style</a:t>
-            </a:r>
-            <a:endParaRPr lang="en-GB"/>
-          </a:p>
-        </p:txBody>
-      </p:sp>
-      <p:sp>
-        <p:nvSpPr>
-          <p:cNvPr id="3" name="Vertical Text Placeholder 2"/>
-          <p:cNvSpPr>
-            <a:spLocks noGrp="1"/>
-          </p:cNvSpPr>
-          <p:nvPr>
-            <p:ph type="body" orient="vert" idx="1"/>
-          </p:nvPr>
-        </p:nvSpPr>
-        <p:spPr>
-          <a:xfrm>
-            <a:off x="457200" y="274638"/>
-            <a:ext cx="6019800" cy="5851525"/>
-          </a:xfrm>
-        </p:spPr>
-        <p:txBody>
-          <a:bodyPr vert="eaVert"/>
-          <a:lstStyle/>
-          <a:p>
-            <a:pPr lvl="0"/>
-            <a:r>
-              <a:rPr lang="en-US" smtClean="0"/>
-              <a:t>Click to edit Master text styles</a:t>
-            </a:r>
-          </a:p>
-          <a:p>
-            <a:pPr lvl="1"/>
-            <a:r>
-              <a:rPr lang="en-US" smtClean="0"/>
-              <a:t>Second level</a:t>
-            </a:r>
-          </a:p>
-          <a:p>
-            <a:pPr lvl="2"/>
-            <a:r>
-              <a:rPr lang="en-US" smtClean="0"/>
-              <a:t>Third level</a:t>
-            </a:r>
-          </a:p>
-          <a:p>
-            <a:pPr lvl="3"/>
-            <a:r>
-              <a:rPr lang="en-US" smtClean="0"/>
-              <a:t>Fourth level</a:t>
-            </a:r>
-          </a:p>
-          <a:p>
-            <a:pPr lvl="4"/>
-            <a:r>
-              <a:rPr lang="en-US" smtClean="0"/>
-              <a:t>Fifth level</a:t>
-            </a:r>
-            <a:endParaRPr lang="en-GB"/>
-          </a:p>
-        </p:txBody>
-      </p:sp>
-      <p:sp>
-        <p:nvSpPr>
-          <p:cNvPr id="4" name="Date Placeholder 3"/>
-          <p:cNvSpPr>
-            <a:spLocks noGrp="1"/>
-          </p:cNvSpPr>
-          <p:nvPr>
-            <p:ph type="dt" sz="half" idx="10"/>
-          </p:nvPr>
-        </p:nvSpPr>
-        <p:spPr/>
-        <p:txBody>
-          <a:bodyPr/>
-          <a:lstStyle/>
-          <a:p>
-            <a:fld id="{14DA9D7A-8977-4189-8C1E-3CBA94454C2D}" type="datetimeFigureOut">
-              <a:rPr lang="en-GB">
-                <a:solidFill>
-                  <a:prstClr val="black">
-                    <a:tint val="75000"/>
-                  </a:prstClr>
-                </a:solidFill>
-              </a:rPr>
-              <a:pPr/>
-              <a:t>26/02/2015</a:t>
-            </a:fld>
-            <a:endParaRPr lang="en-GB">
-              <a:solidFill>
-                <a:prstClr val="black">
-                  <a:tint val="75000"/>
-                </a:prstClr>
-              </a:solidFill>
-            </a:endParaRPr>
-          </a:p>
-        </p:txBody>
-      </p:sp>
-      <p:sp>
-        <p:nvSpPr>
-          <p:cNvPr id="5" name="Footer Placeholder 4"/>
-          <p:cNvSpPr>
-            <a:spLocks noGrp="1"/>
-          </p:cNvSpPr>
-          <p:nvPr>
-            <p:ph type="ftr" sz="quarter" idx="11"/>
-          </p:nvPr>
-        </p:nvSpPr>
-        <p:spPr/>
-        <p:txBody>
-          <a:bodyPr/>
-          <a:lstStyle/>
-          <a:p>
-            <a:endParaRPr lang="en-GB">
-              <a:solidFill>
-                <a:prstClr val="black">
-                  <a:tint val="75000"/>
-                </a:prstClr>
-              </a:solidFill>
-            </a:endParaRPr>
-          </a:p>
-        </p:txBody>
-      </p:sp>
-      <p:sp>
-        <p:nvSpPr>
-          <p:cNvPr id="6" name="Slide Number Placeholder 5"/>
-          <p:cNvSpPr>
-            <a:spLocks noGrp="1"/>
-          </p:cNvSpPr>
-          <p:nvPr>
-            <p:ph type="sldNum" sz="quarter" idx="12"/>
-          </p:nvPr>
-        </p:nvSpPr>
-        <p:spPr/>
-        <p:txBody>
-          <a:bodyPr/>
-          <a:lstStyle/>
-          <a:p>
-            <a:fld id="{BA7C8E83-1A47-4B4F-90F6-5EEB22BB51DA}" type="slidenum">
-              <a:rPr lang="en-GB">
-                <a:solidFill>
-                  <a:prstClr val="black">
-                    <a:tint val="75000"/>
-                  </a:prstClr>
-                </a:solidFill>
-              </a:rPr>
-              <a:pPr/>
-              <a:t>‹#›</a:t>
-            </a:fld>
-            <a:endParaRPr lang="en-GB">
-              <a:solidFill>
-                <a:prstClr val="black">
-                  <a:tint val="75000"/>
-                </a:prstClr>
-              </a:solidFill>
-            </a:endParaRPr>
-          </a:p>
-        </p:txBody>
-      </p:sp>
-    </p:spTree>
-    <p:extLst>
-      <p:ext uri="{BB962C8B-B14F-4D97-AF65-F5344CB8AC3E}">
-        <p14:creationId xmlns:p14="http://schemas.microsoft.com/office/powerpoint/2010/main" val="590983795"/>
-      </p:ext>
-    </p:extLst>
-  </p:cSld>
-  <p:clrMapOvr>
-    <a:masterClrMapping/>
-  </p:clrMapOvr>
-</p:sldLayout>
-</file>
-
-<file path=ppt/slideLayouts/slideLayout5.xml><?xml version="1.0" encoding="utf-8"?>
-<p:sldLayout xmlns:a="http://schemas.openxmlformats.org/drawingml/2006/main" xmlns:r="http://schemas.openxmlformats.org/officeDocument/2006/relationships" xmlns:p="http://schemas.openxmlformats.org/presentationml/2006/main" type="twoTxTwoObj" preserve="1">
-  <p:cSld name="Comparison">
-    <p:spTree>
-      <p:nvGrpSpPr>
-        <p:cNvPr id="1" name=""/>
-        <p:cNvGrpSpPr/>
-        <p:nvPr/>
-      </p:nvGrpSpPr>
-      <p:grpSpPr>
-        <a:xfrm>
-          <a:off x="0" y="0"/>
-          <a:ext cx="0" cy="0"/>
-          <a:chOff x="0" y="0"/>
-          <a:chExt cx="0" cy="0"/>
-        </a:xfrm>
-      </p:grpSpPr>
-      <p:sp>
-        <p:nvSpPr>
-          <p:cNvPr id="2" name="Title 1"/>
-          <p:cNvSpPr>
-            <a:spLocks noGrp="1"/>
-          </p:cNvSpPr>
-          <p:nvPr>
-            <p:ph type="title"/>
-          </p:nvPr>
-        </p:nvSpPr>
-        <p:spPr/>
-        <p:txBody>
-          <a:bodyPr/>
-          <a:lstStyle>
-            <a:lvl1pPr>
-              <a:defRPr/>
-            </a:lvl1pPr>
-          </a:lstStyle>
-          <a:p>
-            <a:r>
-              <a:rPr lang="en-US" smtClean="0"/>
-              <a:t>Click to edit Master title style</a:t>
-            </a:r>
-            <a:endParaRPr lang="en-GB"/>
-          </a:p>
-        </p:txBody>
-      </p:sp>
-      <p:sp>
-        <p:nvSpPr>
-          <p:cNvPr id="3" name="Text Placeholder 2"/>
-          <p:cNvSpPr>
-            <a:spLocks noGrp="1"/>
-          </p:cNvSpPr>
-          <p:nvPr>
-            <p:ph type="body" idx="1"/>
-          </p:nvPr>
-        </p:nvSpPr>
-        <p:spPr>
-          <a:xfrm>
-            <a:off x="457200" y="1535113"/>
-            <a:ext cx="4040188" cy="639762"/>
-          </a:xfrm>
-        </p:spPr>
-        <p:txBody>
-          <a:bodyPr anchor="b"/>
-          <a:lstStyle>
-            <a:lvl1pPr marL="0" indent="0">
-              <a:buNone/>
-              <a:defRPr sz="2400" b="1"/>
-            </a:lvl1pPr>
-            <a:lvl2pPr marL="457200" indent="0">
-              <a:buNone/>
-              <a:defRPr sz="2000" b="1"/>
-            </a:lvl2pPr>
-            <a:lvl3pPr marL="914400" indent="0">
-              <a:buNone/>
-              <a:defRPr sz="1800" b="1"/>
-            </a:lvl3pPr>
-            <a:lvl4pPr marL="1371600" indent="0">
-              <a:buNone/>
-              <a:defRPr sz="1600" b="1"/>
-            </a:lvl4pPr>
-            <a:lvl5pPr marL="1828800" indent="0">
-              <a:buNone/>
-              <a:defRPr sz="1600" b="1"/>
-            </a:lvl5pPr>
-            <a:lvl6pPr marL="2286000" indent="0">
-              <a:buNone/>
-              <a:defRPr sz="1600" b="1"/>
-            </a:lvl6pPr>
-            <a:lvl7pPr marL="2743200" indent="0">
-              <a:buNone/>
-              <a:defRPr sz="1600" b="1"/>
-            </a:lvl7pPr>
-            <a:lvl8pPr marL="3200400" indent="0">
-              <a:buNone/>
-              <a:defRPr sz="1600" b="1"/>
-            </a:lvl8pPr>
-            <a:lvl9pPr marL="3657600" indent="0">
-              <a:buNone/>
-              <a:defRPr sz="1600" b="1"/>
-            </a:lvl9pPr>
-          </a:lstStyle>
-          <a:p>
-            <a:pPr lvl="0"/>
-            <a:r>
-              <a:rPr lang="en-US" smtClean="0"/>
-              <a:t>Click to edit Master text styles</a:t>
-            </a:r>
-          </a:p>
-        </p:txBody>
-      </p:sp>
-      <p:sp>
-        <p:nvSpPr>
-          <p:cNvPr id="4" name="Content Placeholder 3"/>
-          <p:cNvSpPr>
-            <a:spLocks noGrp="1"/>
-          </p:cNvSpPr>
-          <p:nvPr>
-            <p:ph sz="half" idx="2"/>
-          </p:nvPr>
-        </p:nvSpPr>
-        <p:spPr>
-          <a:xfrm>
-            <a:off x="457200" y="2174875"/>
-            <a:ext cx="4040188" cy="3951288"/>
-          </a:xfrm>
-        </p:spPr>
-        <p:txBody>
-          <a:bodyPr/>
-          <a:lstStyle>
-            <a:lvl1pPr>
-              <a:defRPr sz="2400"/>
-            </a:lvl1pPr>
-            <a:lvl2pPr>
-              <a:defRPr sz="2000"/>
-            </a:lvl2pPr>
-            <a:lvl3pPr>
-              <a:defRPr sz="1800"/>
-            </a:lvl3pPr>
-            <a:lvl4pPr>
-              <a:defRPr sz="1600"/>
-            </a:lvl4pPr>
-            <a:lvl5pPr>
-              <a:defRPr sz="1600"/>
-            </a:lvl5pPr>
-            <a:lvl6pPr>
-              <a:defRPr sz="1600"/>
-            </a:lvl6pPr>
-            <a:lvl7pPr>
-              <a:defRPr sz="1600"/>
-            </a:lvl7pPr>
-            <a:lvl8pPr>
-              <a:defRPr sz="1600"/>
-            </a:lvl8pPr>
-            <a:lvl9pPr>
-              <a:defRPr sz="1600"/>
-            </a:lvl9pPr>
-          </a:lstStyle>
-          <a:p>
-            <a:pPr lvl="0"/>
-            <a:r>
-              <a:rPr lang="en-US" smtClean="0"/>
-              <a:t>Click to edit Master text styles</a:t>
-            </a:r>
-          </a:p>
-          <a:p>
-            <a:pPr lvl="1"/>
-            <a:r>
-              <a:rPr lang="en-US" smtClean="0"/>
-              <a:t>Second level</a:t>
-            </a:r>
-          </a:p>
-          <a:p>
-            <a:pPr lvl="2"/>
-            <a:r>
-              <a:rPr lang="en-US" smtClean="0"/>
-              <a:t>Third level</a:t>
-            </a:r>
-          </a:p>
-          <a:p>
-            <a:pPr lvl="3"/>
-            <a:r>
-              <a:rPr lang="en-US" smtClean="0"/>
-              <a:t>Fourth level</a:t>
-            </a:r>
-          </a:p>
-          <a:p>
-            <a:pPr lvl="4"/>
-            <a:r>
-              <a:rPr lang="en-US" smtClean="0"/>
-              <a:t>Fifth level</a:t>
-            </a:r>
-            <a:endParaRPr lang="en-GB"/>
-          </a:p>
-        </p:txBody>
-      </p:sp>
-      <p:sp>
-        <p:nvSpPr>
-          <p:cNvPr id="5" name="Text Placeholder 4"/>
-          <p:cNvSpPr>
-            <a:spLocks noGrp="1"/>
-          </p:cNvSpPr>
-          <p:nvPr>
-            <p:ph type="body" sz="quarter" idx="3"/>
-          </p:nvPr>
-        </p:nvSpPr>
-        <p:spPr>
-          <a:xfrm>
-            <a:off x="4645025" y="1535113"/>
-            <a:ext cx="4041775" cy="639762"/>
-          </a:xfrm>
-        </p:spPr>
-        <p:txBody>
-          <a:bodyPr anchor="b"/>
-          <a:lstStyle>
-            <a:lvl1pPr marL="0" indent="0">
-              <a:buNone/>
-              <a:defRPr sz="2400" b="1"/>
-            </a:lvl1pPr>
-            <a:lvl2pPr marL="457200" indent="0">
-              <a:buNone/>
-              <a:defRPr sz="2000" b="1"/>
-            </a:lvl2pPr>
-            <a:lvl3pPr marL="914400" indent="0">
-              <a:buNone/>
-              <a:defRPr sz="1800" b="1"/>
-            </a:lvl3pPr>
-            <a:lvl4pPr marL="1371600" indent="0">
-              <a:buNone/>
-              <a:defRPr sz="1600" b="1"/>
-            </a:lvl4pPr>
-            <a:lvl5pPr marL="1828800" indent="0">
-              <a:buNone/>
-              <a:defRPr sz="1600" b="1"/>
-            </a:lvl5pPr>
-            <a:lvl6pPr marL="2286000" indent="0">
-              <a:buNone/>
-              <a:defRPr sz="1600" b="1"/>
-            </a:lvl6pPr>
-            <a:lvl7pPr marL="2743200" indent="0">
-              <a:buNone/>
-              <a:defRPr sz="1600" b="1"/>
-            </a:lvl7pPr>
-            <a:lvl8pPr marL="3200400" indent="0">
-              <a:buNone/>
-              <a:defRPr sz="1600" b="1"/>
-            </a:lvl8pPr>
-            <a:lvl9pPr marL="3657600" indent="0">
-              <a:buNone/>
-              <a:defRPr sz="1600" b="1"/>
-            </a:lvl9pPr>
-          </a:lstStyle>
-          <a:p>
-            <a:pPr lvl="0"/>
-            <a:r>
-              <a:rPr lang="en-US" smtClean="0"/>
-              <a:t>Click to edit Master text styles</a:t>
-            </a:r>
-          </a:p>
-        </p:txBody>
-      </p:sp>
-      <p:sp>
-        <p:nvSpPr>
-          <p:cNvPr id="6" name="Content Placeholder 5"/>
-          <p:cNvSpPr>
-            <a:spLocks noGrp="1"/>
-          </p:cNvSpPr>
-          <p:nvPr>
-            <p:ph sz="quarter" idx="4"/>
-          </p:nvPr>
-        </p:nvSpPr>
-        <p:spPr>
-          <a:xfrm>
-            <a:off x="4645025" y="2174875"/>
-            <a:ext cx="4041775" cy="3951288"/>
-          </a:xfrm>
-        </p:spPr>
-        <p:txBody>
-          <a:bodyPr/>
-          <a:lstStyle>
-            <a:lvl1pPr>
-              <a:defRPr sz="2400"/>
-            </a:lvl1pPr>
-            <a:lvl2pPr>
-              <a:defRPr sz="2000"/>
-            </a:lvl2pPr>
-            <a:lvl3pPr>
-              <a:defRPr sz="1800"/>
-            </a:lvl3pPr>
-            <a:lvl4pPr>
-              <a:defRPr sz="1600"/>
-            </a:lvl4pPr>
-            <a:lvl5pPr>
-              <a:defRPr sz="1600"/>
-            </a:lvl5pPr>
-            <a:lvl6pPr>
-              <a:defRPr sz="1600"/>
-            </a:lvl6pPr>
-            <a:lvl7pPr>
-              <a:defRPr sz="1600"/>
-            </a:lvl7pPr>
-            <a:lvl8pPr>
-              <a:defRPr sz="1600"/>
-            </a:lvl8pPr>
-            <a:lvl9pPr>
-              <a:defRPr sz="1600"/>
-            </a:lvl9pPr>
-          </a:lstStyle>
-          <a:p>
-            <a:pPr lvl="0"/>
-            <a:r>
-              <a:rPr lang="en-US" smtClean="0"/>
-              <a:t>Click to edit Master text styles</a:t>
-            </a:r>
-          </a:p>
-          <a:p>
-            <a:pPr lvl="1"/>
-            <a:r>
-              <a:rPr lang="en-US" smtClean="0"/>
-              <a:t>Second level</a:t>
-            </a:r>
-          </a:p>
-          <a:p>
-            <a:pPr lvl="2"/>
-            <a:r>
-              <a:rPr lang="en-US" smtClean="0"/>
-              <a:t>Third level</a:t>
-            </a:r>
-          </a:p>
-          <a:p>
-            <a:pPr lvl="3"/>
-            <a:r>
-              <a:rPr lang="en-US" smtClean="0"/>
-              <a:t>Fourth level</a:t>
-            </a:r>
-          </a:p>
-          <a:p>
-            <a:pPr lvl="4"/>
-            <a:r>
-              <a:rPr lang="en-US" smtClean="0"/>
-              <a:t>Fifth level</a:t>
-            </a:r>
-            <a:endParaRPr lang="en-GB"/>
-          </a:p>
-        </p:txBody>
-      </p:sp>
-      <p:sp>
-        <p:nvSpPr>
-          <p:cNvPr id="7" name="Date Placeholder 6"/>
-          <p:cNvSpPr>
-            <a:spLocks noGrp="1"/>
-          </p:cNvSpPr>
-          <p:nvPr>
-            <p:ph type="dt" sz="half" idx="10"/>
-          </p:nvPr>
-        </p:nvSpPr>
-        <p:spPr/>
-        <p:txBody>
-          <a:bodyPr/>
-          <a:lstStyle/>
-          <a:p>
-            <a:fld id="{14DA9D7A-8977-4189-8C1E-3CBA94454C2D}" type="datetimeFigureOut">
-              <a:rPr lang="en-GB" smtClean="0"/>
-              <a:t>26/02/2015</a:t>
+              <a:t>04/03/2015</a:t>
             </a:fld>
             <a:endParaRPr lang="en-GB"/>
           </a:p>
@@ -10352,7 +7537,7 @@
           <a:p>
             <a:fld id="{14DA9D7A-8977-4189-8C1E-3CBA94454C2D}" type="datetimeFigureOut">
               <a:rPr lang="en-GB" smtClean="0"/>
-              <a:t>26/02/2015</a:t>
+              <a:t>04/03/2015</a:t>
             </a:fld>
             <a:endParaRPr lang="en-GB"/>
           </a:p>
@@ -10447,7 +7632,7 @@
           <a:p>
             <a:fld id="{14DA9D7A-8977-4189-8C1E-3CBA94454C2D}" type="datetimeFigureOut">
               <a:rPr lang="en-GB" smtClean="0"/>
-              <a:t>26/02/2015</a:t>
+              <a:t>04/03/2015</a:t>
             </a:fld>
             <a:endParaRPr lang="en-GB"/>
           </a:p>
@@ -10724,7 +7909,7 @@
           <a:p>
             <a:fld id="{14DA9D7A-8977-4189-8C1E-3CBA94454C2D}" type="datetimeFigureOut">
               <a:rPr lang="en-GB" smtClean="0"/>
-              <a:t>26/02/2015</a:t>
+              <a:t>04/03/2015</a:t>
             </a:fld>
             <a:endParaRPr lang="en-GB"/>
           </a:p>
@@ -10977,7 +8162,7 @@
           <a:p>
             <a:fld id="{14DA9D7A-8977-4189-8C1E-3CBA94454C2D}" type="datetimeFigureOut">
               <a:rPr lang="en-GB" smtClean="0"/>
-              <a:t>26/02/2015</a:t>
+              <a:t>04/03/2015</a:t>
             </a:fld>
             <a:endParaRPr lang="en-GB"/>
           </a:p>
@@ -11042,9 +8227,12 @@
 <p:sldMaster xmlns:a="http://schemas.openxmlformats.org/drawingml/2006/main" xmlns:r="http://schemas.openxmlformats.org/officeDocument/2006/relationships" xmlns:p="http://schemas.openxmlformats.org/presentationml/2006/main">
   <p:cSld>
     <p:bg>
-      <p:bgRef idx="1001">
-        <a:schemeClr val="bg1"/>
-      </p:bgRef>
+      <p:bgPr>
+        <a:solidFill>
+          <a:srgbClr val="66CCFF"/>
+        </a:solidFill>
+        <a:effectLst/>
+      </p:bgPr>
     </p:bg>
     <p:spTree>
       <p:nvGrpSpPr>
@@ -11190,7 +8378,7 @@
           <a:p>
             <a:fld id="{14DA9D7A-8977-4189-8C1E-3CBA94454C2D}" type="datetimeFigureOut">
               <a:rPr lang="en-GB" smtClean="0"/>
-              <a:t>26/02/2015</a:t>
+              <a:t>04/03/2015</a:t>
             </a:fld>
             <a:endParaRPr lang="en-GB"/>
           </a:p>
@@ -11552,9 +8740,12 @@
 <p:sldMaster xmlns:a="http://schemas.openxmlformats.org/drawingml/2006/main" xmlns:r="http://schemas.openxmlformats.org/officeDocument/2006/relationships" xmlns:p="http://schemas.openxmlformats.org/presentationml/2006/main">
   <p:cSld>
     <p:bg>
-      <p:bgRef idx="1001">
-        <a:schemeClr val="bg1"/>
-      </p:bgRef>
+      <p:bgPr>
+        <a:solidFill>
+          <a:srgbClr val="66CCFF"/>
+        </a:solidFill>
+        <a:effectLst/>
+      </p:bgPr>
     </p:bg>
     <p:spTree>
       <p:nvGrpSpPr>
@@ -11707,549 +8898,7 @@
                 </a:solidFill>
               </a:rPr>
               <a:pPr/>
-              <a:t>26/02/2015</a:t>
-            </a:fld>
-            <a:endParaRPr lang="en-GB">
-              <a:solidFill>
-                <a:prstClr val="black">
-                  <a:tint val="75000"/>
-                </a:prstClr>
-              </a:solidFill>
-            </a:endParaRPr>
-          </a:p>
-        </p:txBody>
-      </p:sp>
-      <p:sp>
-        <p:nvSpPr>
-          <p:cNvPr id="5" name="Footer Placeholder 4"/>
-          <p:cNvSpPr>
-            <a:spLocks noGrp="1"/>
-          </p:cNvSpPr>
-          <p:nvPr>
-            <p:ph type="ftr" sz="quarter" idx="3"/>
-          </p:nvPr>
-        </p:nvSpPr>
-        <p:spPr>
-          <a:xfrm>
-            <a:off x="3124200" y="6356350"/>
-            <a:ext cx="2895600" cy="365125"/>
-          </a:xfrm>
-          <a:prstGeom prst="rect">
-            <a:avLst/>
-          </a:prstGeom>
-        </p:spPr>
-        <p:txBody>
-          <a:bodyPr vert="horz" lIns="91440" tIns="45720" rIns="91440" bIns="45720" rtlCol="0" anchor="ctr"/>
-          <a:lstStyle>
-            <a:lvl1pPr algn="ctr">
-              <a:defRPr sz="1200">
-                <a:solidFill>
-                  <a:schemeClr val="tx1">
-                    <a:tint val="75000"/>
-                  </a:schemeClr>
-                </a:solidFill>
-              </a:defRPr>
-            </a:lvl1pPr>
-          </a:lstStyle>
-          <a:p>
-            <a:endParaRPr lang="en-GB">
-              <a:solidFill>
-                <a:prstClr val="black">
-                  <a:tint val="75000"/>
-                </a:prstClr>
-              </a:solidFill>
-            </a:endParaRPr>
-          </a:p>
-        </p:txBody>
-      </p:sp>
-      <p:sp>
-        <p:nvSpPr>
-          <p:cNvPr id="6" name="Slide Number Placeholder 5"/>
-          <p:cNvSpPr>
-            <a:spLocks noGrp="1"/>
-          </p:cNvSpPr>
-          <p:nvPr>
-            <p:ph type="sldNum" sz="quarter" idx="4"/>
-          </p:nvPr>
-        </p:nvSpPr>
-        <p:spPr>
-          <a:xfrm>
-            <a:off x="6553200" y="6356350"/>
-            <a:ext cx="2133600" cy="365125"/>
-          </a:xfrm>
-          <a:prstGeom prst="rect">
-            <a:avLst/>
-          </a:prstGeom>
-        </p:spPr>
-        <p:txBody>
-          <a:bodyPr vert="horz" lIns="91440" tIns="45720" rIns="91440" bIns="45720" rtlCol="0" anchor="ctr"/>
-          <a:lstStyle>
-            <a:lvl1pPr algn="r">
-              <a:defRPr sz="1200">
-                <a:solidFill>
-                  <a:schemeClr val="tx1">
-                    <a:tint val="75000"/>
-                  </a:schemeClr>
-                </a:solidFill>
-              </a:defRPr>
-            </a:lvl1pPr>
-          </a:lstStyle>
-          <a:p>
-            <a:fld id="{BA7C8E83-1A47-4B4F-90F6-5EEB22BB51DA}" type="slidenum">
-              <a:rPr lang="en-GB">
-                <a:solidFill>
-                  <a:prstClr val="black">
-                    <a:tint val="75000"/>
-                  </a:prstClr>
-                </a:solidFill>
-              </a:rPr>
-              <a:pPr/>
-              <a:t>‹#›</a:t>
-            </a:fld>
-            <a:endParaRPr lang="en-GB">
-              <a:solidFill>
-                <a:prstClr val="black">
-                  <a:tint val="75000"/>
-                </a:prstClr>
-              </a:solidFill>
-            </a:endParaRPr>
-          </a:p>
-        </p:txBody>
-      </p:sp>
-    </p:spTree>
-    <p:extLst>
-      <p:ext uri="{BB962C8B-B14F-4D97-AF65-F5344CB8AC3E}">
-        <p14:creationId xmlns:p14="http://schemas.microsoft.com/office/powerpoint/2010/main" val="3468042962"/>
-      </p:ext>
-    </p:extLst>
-  </p:cSld>
-  <p:clrMap bg1="lt1" tx1="dk1" bg2="lt2" tx2="dk2" accent1="accent1" accent2="accent2" accent3="accent3" accent4="accent4" accent5="accent5" accent6="accent6" hlink="hlink" folHlink="folHlink"/>
-  <p:sldLayoutIdLst>
-    <p:sldLayoutId id="2147483661" r:id="rId1"/>
-    <p:sldLayoutId id="2147483662" r:id="rId2"/>
-    <p:sldLayoutId id="2147483663" r:id="rId3"/>
-    <p:sldLayoutId id="2147483664" r:id="rId4"/>
-    <p:sldLayoutId id="2147483665" r:id="rId5"/>
-    <p:sldLayoutId id="2147483666" r:id="rId6"/>
-    <p:sldLayoutId id="2147483667" r:id="rId7"/>
-    <p:sldLayoutId id="2147483668" r:id="rId8"/>
-    <p:sldLayoutId id="2147483669" r:id="rId9"/>
-    <p:sldLayoutId id="2147483670" r:id="rId10"/>
-    <p:sldLayoutId id="2147483671" r:id="rId11"/>
-  </p:sldLayoutIdLst>
-  <p:txStyles>
-    <p:titleStyle>
-      <a:lvl1pPr algn="ctr" defTabSz="914400" rtl="0" eaLnBrk="1" latinLnBrk="0" hangingPunct="1">
-        <a:spcBef>
-          <a:spcPct val="0"/>
-        </a:spcBef>
-        <a:buNone/>
-        <a:defRPr sz="4400" kern="1200">
-          <a:solidFill>
-            <a:schemeClr val="tx1"/>
-          </a:solidFill>
-          <a:latin typeface="+mj-lt"/>
-          <a:ea typeface="+mj-ea"/>
-          <a:cs typeface="+mj-cs"/>
-        </a:defRPr>
-      </a:lvl1pPr>
-    </p:titleStyle>
-    <p:bodyStyle>
-      <a:lvl1pPr marL="342900" indent="-342900" algn="l" defTabSz="914400" rtl="0" eaLnBrk="1" latinLnBrk="0" hangingPunct="1">
-        <a:spcBef>
-          <a:spcPct val="20000"/>
-        </a:spcBef>
-        <a:buFont typeface="Arial" panose="020B0604020202020204" pitchFamily="34" charset="0"/>
-        <a:buChar char="•"/>
-        <a:defRPr sz="3200" kern="1200">
-          <a:solidFill>
-            <a:schemeClr val="tx1"/>
-          </a:solidFill>
-          <a:latin typeface="+mn-lt"/>
-          <a:ea typeface="+mn-ea"/>
-          <a:cs typeface="+mn-cs"/>
-        </a:defRPr>
-      </a:lvl1pPr>
-      <a:lvl2pPr marL="742950" indent="-285750" algn="l" defTabSz="914400" rtl="0" eaLnBrk="1" latinLnBrk="0" hangingPunct="1">
-        <a:spcBef>
-          <a:spcPct val="20000"/>
-        </a:spcBef>
-        <a:buFont typeface="Arial" panose="020B0604020202020204" pitchFamily="34" charset="0"/>
-        <a:buChar char="–"/>
-        <a:defRPr sz="2800" kern="1200">
-          <a:solidFill>
-            <a:schemeClr val="tx1"/>
-          </a:solidFill>
-          <a:latin typeface="+mn-lt"/>
-          <a:ea typeface="+mn-ea"/>
-          <a:cs typeface="+mn-cs"/>
-        </a:defRPr>
-      </a:lvl2pPr>
-      <a:lvl3pPr marL="1143000" indent="-228600" algn="l" defTabSz="914400" rtl="0" eaLnBrk="1" latinLnBrk="0" hangingPunct="1">
-        <a:spcBef>
-          <a:spcPct val="20000"/>
-        </a:spcBef>
-        <a:buFont typeface="Arial" panose="020B0604020202020204" pitchFamily="34" charset="0"/>
-        <a:buChar char="•"/>
-        <a:defRPr sz="2400" kern="1200">
-          <a:solidFill>
-            <a:schemeClr val="tx1"/>
-          </a:solidFill>
-          <a:latin typeface="+mn-lt"/>
-          <a:ea typeface="+mn-ea"/>
-          <a:cs typeface="+mn-cs"/>
-        </a:defRPr>
-      </a:lvl3pPr>
-      <a:lvl4pPr marL="1600200" indent="-228600" algn="l" defTabSz="914400" rtl="0" eaLnBrk="1" latinLnBrk="0" hangingPunct="1">
-        <a:spcBef>
-          <a:spcPct val="20000"/>
-        </a:spcBef>
-        <a:buFont typeface="Arial" panose="020B0604020202020204" pitchFamily="34" charset="0"/>
-        <a:buChar char="–"/>
-        <a:defRPr sz="2000" kern="1200">
-          <a:solidFill>
-            <a:schemeClr val="tx1"/>
-          </a:solidFill>
-          <a:latin typeface="+mn-lt"/>
-          <a:ea typeface="+mn-ea"/>
-          <a:cs typeface="+mn-cs"/>
-        </a:defRPr>
-      </a:lvl4pPr>
-      <a:lvl5pPr marL="2057400" indent="-228600" algn="l" defTabSz="914400" rtl="0" eaLnBrk="1" latinLnBrk="0" hangingPunct="1">
-        <a:spcBef>
-          <a:spcPct val="20000"/>
-        </a:spcBef>
-        <a:buFont typeface="Arial" panose="020B0604020202020204" pitchFamily="34" charset="0"/>
-        <a:buChar char="»"/>
-        <a:defRPr sz="2000" kern="1200">
-          <a:solidFill>
-            <a:schemeClr val="tx1"/>
-          </a:solidFill>
-          <a:latin typeface="+mn-lt"/>
-          <a:ea typeface="+mn-ea"/>
-          <a:cs typeface="+mn-cs"/>
-        </a:defRPr>
-      </a:lvl5pPr>
-      <a:lvl6pPr marL="2514600" indent="-228600" algn="l" defTabSz="914400" rtl="0" eaLnBrk="1" latinLnBrk="0" hangingPunct="1">
-        <a:spcBef>
-          <a:spcPct val="20000"/>
-        </a:spcBef>
-        <a:buFont typeface="Arial" panose="020B0604020202020204" pitchFamily="34" charset="0"/>
-        <a:buChar char="•"/>
-        <a:defRPr sz="2000" kern="1200">
-          <a:solidFill>
-            <a:schemeClr val="tx1"/>
-          </a:solidFill>
-          <a:latin typeface="+mn-lt"/>
-          <a:ea typeface="+mn-ea"/>
-          <a:cs typeface="+mn-cs"/>
-        </a:defRPr>
-      </a:lvl6pPr>
-      <a:lvl7pPr marL="2971800" indent="-228600" algn="l" defTabSz="914400" rtl="0" eaLnBrk="1" latinLnBrk="0" hangingPunct="1">
-        <a:spcBef>
-          <a:spcPct val="20000"/>
-        </a:spcBef>
-        <a:buFont typeface="Arial" panose="020B0604020202020204" pitchFamily="34" charset="0"/>
-        <a:buChar char="•"/>
-        <a:defRPr sz="2000" kern="1200">
-          <a:solidFill>
-            <a:schemeClr val="tx1"/>
-          </a:solidFill>
-          <a:latin typeface="+mn-lt"/>
-          <a:ea typeface="+mn-ea"/>
-          <a:cs typeface="+mn-cs"/>
-        </a:defRPr>
-      </a:lvl7pPr>
-      <a:lvl8pPr marL="3429000" indent="-228600" algn="l" defTabSz="914400" rtl="0" eaLnBrk="1" latinLnBrk="0" hangingPunct="1">
-        <a:spcBef>
-          <a:spcPct val="20000"/>
-        </a:spcBef>
-        <a:buFont typeface="Arial" panose="020B0604020202020204" pitchFamily="34" charset="0"/>
-        <a:buChar char="•"/>
-        <a:defRPr sz="2000" kern="1200">
-          <a:solidFill>
-            <a:schemeClr val="tx1"/>
-          </a:solidFill>
-          <a:latin typeface="+mn-lt"/>
-          <a:ea typeface="+mn-ea"/>
-          <a:cs typeface="+mn-cs"/>
-        </a:defRPr>
-      </a:lvl8pPr>
-      <a:lvl9pPr marL="3886200" indent="-228600" algn="l" defTabSz="914400" rtl="0" eaLnBrk="1" latinLnBrk="0" hangingPunct="1">
-        <a:spcBef>
-          <a:spcPct val="20000"/>
-        </a:spcBef>
-        <a:buFont typeface="Arial" panose="020B0604020202020204" pitchFamily="34" charset="0"/>
-        <a:buChar char="•"/>
-        <a:defRPr sz="2000" kern="1200">
-          <a:solidFill>
-            <a:schemeClr val="tx1"/>
-          </a:solidFill>
-          <a:latin typeface="+mn-lt"/>
-          <a:ea typeface="+mn-ea"/>
-          <a:cs typeface="+mn-cs"/>
-        </a:defRPr>
-      </a:lvl9pPr>
-    </p:bodyStyle>
-    <p:otherStyle>
-      <a:defPPr>
-        <a:defRPr lang="en-US"/>
-      </a:defPPr>
-      <a:lvl1pPr marL="0" algn="l" defTabSz="914400" rtl="0" eaLnBrk="1" latinLnBrk="0" hangingPunct="1">
-        <a:defRPr sz="1800" kern="1200">
-          <a:solidFill>
-            <a:schemeClr val="tx1"/>
-          </a:solidFill>
-          <a:latin typeface="+mn-lt"/>
-          <a:ea typeface="+mn-ea"/>
-          <a:cs typeface="+mn-cs"/>
-        </a:defRPr>
-      </a:lvl1pPr>
-      <a:lvl2pPr marL="457200" algn="l" defTabSz="914400" rtl="0" eaLnBrk="1" latinLnBrk="0" hangingPunct="1">
-        <a:defRPr sz="1800" kern="1200">
-          <a:solidFill>
-            <a:schemeClr val="tx1"/>
-          </a:solidFill>
-          <a:latin typeface="+mn-lt"/>
-          <a:ea typeface="+mn-ea"/>
-          <a:cs typeface="+mn-cs"/>
-        </a:defRPr>
-      </a:lvl2pPr>
-      <a:lvl3pPr marL="914400" algn="l" defTabSz="914400" rtl="0" eaLnBrk="1" latinLnBrk="0" hangingPunct="1">
-        <a:defRPr sz="1800" kern="1200">
-          <a:solidFill>
-            <a:schemeClr val="tx1"/>
-          </a:solidFill>
-          <a:latin typeface="+mn-lt"/>
-          <a:ea typeface="+mn-ea"/>
-          <a:cs typeface="+mn-cs"/>
-        </a:defRPr>
-      </a:lvl3pPr>
-      <a:lvl4pPr marL="1371600" algn="l" defTabSz="914400" rtl="0" eaLnBrk="1" latinLnBrk="0" hangingPunct="1">
-        <a:defRPr sz="1800" kern="1200">
-          <a:solidFill>
-            <a:schemeClr val="tx1"/>
-          </a:solidFill>
-          <a:latin typeface="+mn-lt"/>
-          <a:ea typeface="+mn-ea"/>
-          <a:cs typeface="+mn-cs"/>
-        </a:defRPr>
-      </a:lvl4pPr>
-      <a:lvl5pPr marL="1828800" algn="l" defTabSz="914400" rtl="0" eaLnBrk="1" latinLnBrk="0" hangingPunct="1">
-        <a:defRPr sz="1800" kern="1200">
-          <a:solidFill>
-            <a:schemeClr val="tx1"/>
-          </a:solidFill>
-          <a:latin typeface="+mn-lt"/>
-          <a:ea typeface="+mn-ea"/>
-          <a:cs typeface="+mn-cs"/>
-        </a:defRPr>
-      </a:lvl5pPr>
-      <a:lvl6pPr marL="2286000" algn="l" defTabSz="914400" rtl="0" eaLnBrk="1" latinLnBrk="0" hangingPunct="1">
-        <a:defRPr sz="1800" kern="1200">
-          <a:solidFill>
-            <a:schemeClr val="tx1"/>
-          </a:solidFill>
-          <a:latin typeface="+mn-lt"/>
-          <a:ea typeface="+mn-ea"/>
-          <a:cs typeface="+mn-cs"/>
-        </a:defRPr>
-      </a:lvl6pPr>
-      <a:lvl7pPr marL="2743200" algn="l" defTabSz="914400" rtl="0" eaLnBrk="1" latinLnBrk="0" hangingPunct="1">
-        <a:defRPr sz="1800" kern="1200">
-          <a:solidFill>
-            <a:schemeClr val="tx1"/>
-          </a:solidFill>
-          <a:latin typeface="+mn-lt"/>
-          <a:ea typeface="+mn-ea"/>
-          <a:cs typeface="+mn-cs"/>
-        </a:defRPr>
-      </a:lvl7pPr>
-      <a:lvl8pPr marL="3200400" algn="l" defTabSz="914400" rtl="0" eaLnBrk="1" latinLnBrk="0" hangingPunct="1">
-        <a:defRPr sz="1800" kern="1200">
-          <a:solidFill>
-            <a:schemeClr val="tx1"/>
-          </a:solidFill>
-          <a:latin typeface="+mn-lt"/>
-          <a:ea typeface="+mn-ea"/>
-          <a:cs typeface="+mn-cs"/>
-        </a:defRPr>
-      </a:lvl8pPr>
-      <a:lvl9pPr marL="3657600" algn="l" defTabSz="914400" rtl="0" eaLnBrk="1" latinLnBrk="0" hangingPunct="1">
-        <a:defRPr sz="1800" kern="1200">
-          <a:solidFill>
-            <a:schemeClr val="tx1"/>
-          </a:solidFill>
-          <a:latin typeface="+mn-lt"/>
-          <a:ea typeface="+mn-ea"/>
-          <a:cs typeface="+mn-cs"/>
-        </a:defRPr>
-      </a:lvl9pPr>
-    </p:otherStyle>
-  </p:txStyles>
-</p:sldMaster>
-</file>
-
-<file path=ppt/slideMasters/slideMaster3.xml><?xml version="1.0" encoding="utf-8"?>
-<p:sldMaster xmlns:a="http://schemas.openxmlformats.org/drawingml/2006/main" xmlns:r="http://schemas.openxmlformats.org/officeDocument/2006/relationships" xmlns:p="http://schemas.openxmlformats.org/presentationml/2006/main">
-  <p:cSld>
-    <p:bg>
-      <p:bgRef idx="1001">
-        <a:schemeClr val="bg1"/>
-      </p:bgRef>
-    </p:bg>
-    <p:spTree>
-      <p:nvGrpSpPr>
-        <p:cNvPr id="1" name=""/>
-        <p:cNvGrpSpPr/>
-        <p:nvPr/>
-      </p:nvGrpSpPr>
-      <p:grpSpPr>
-        <a:xfrm>
-          <a:off x="0" y="0"/>
-          <a:ext cx="0" cy="0"/>
-          <a:chOff x="0" y="0"/>
-          <a:chExt cx="0" cy="0"/>
-        </a:xfrm>
-      </p:grpSpPr>
-      <p:sp>
-        <p:nvSpPr>
-          <p:cNvPr id="2" name="Title Placeholder 1"/>
-          <p:cNvSpPr>
-            <a:spLocks noGrp="1"/>
-          </p:cNvSpPr>
-          <p:nvPr>
-            <p:ph type="title"/>
-          </p:nvPr>
-        </p:nvSpPr>
-        <p:spPr>
-          <a:xfrm>
-            <a:off x="457200" y="274638"/>
-            <a:ext cx="8229600" cy="1143000"/>
-          </a:xfrm>
-          <a:prstGeom prst="rect">
-            <a:avLst/>
-          </a:prstGeom>
-        </p:spPr>
-        <p:txBody>
-          <a:bodyPr vert="horz" lIns="91440" tIns="45720" rIns="91440" bIns="45720" rtlCol="0" anchor="ctr">
-            <a:normAutofit/>
-          </a:bodyPr>
-          <a:lstStyle/>
-          <a:p>
-            <a:r>
-              <a:rPr lang="en-US" smtClean="0"/>
-              <a:t>Click to edit Master title style</a:t>
-            </a:r>
-            <a:endParaRPr lang="en-GB"/>
-          </a:p>
-        </p:txBody>
-      </p:sp>
-      <p:sp>
-        <p:nvSpPr>
-          <p:cNvPr id="3" name="Text Placeholder 2"/>
-          <p:cNvSpPr>
-            <a:spLocks noGrp="1"/>
-          </p:cNvSpPr>
-          <p:nvPr>
-            <p:ph type="body" idx="1"/>
-          </p:nvPr>
-        </p:nvSpPr>
-        <p:spPr>
-          <a:xfrm>
-            <a:off x="457200" y="1600200"/>
-            <a:ext cx="8229600" cy="4525963"/>
-          </a:xfrm>
-          <a:prstGeom prst="rect">
-            <a:avLst/>
-          </a:prstGeom>
-        </p:spPr>
-        <p:txBody>
-          <a:bodyPr vert="horz" lIns="91440" tIns="45720" rIns="91440" bIns="45720" rtlCol="0">
-            <a:normAutofit/>
-          </a:bodyPr>
-          <a:lstStyle/>
-          <a:p>
-            <a:pPr lvl="0"/>
-            <a:r>
-              <a:rPr lang="en-US" smtClean="0"/>
-              <a:t>Click to edit Master text styles</a:t>
-            </a:r>
-          </a:p>
-          <a:p>
-            <a:pPr lvl="1"/>
-            <a:r>
-              <a:rPr lang="en-US" smtClean="0"/>
-              <a:t>Second level</a:t>
-            </a:r>
-          </a:p>
-          <a:p>
-            <a:pPr lvl="2"/>
-            <a:r>
-              <a:rPr lang="en-US" smtClean="0"/>
-              <a:t>Third level</a:t>
-            </a:r>
-          </a:p>
-          <a:p>
-            <a:pPr lvl="3"/>
-            <a:r>
-              <a:rPr lang="en-US" smtClean="0"/>
-              <a:t>Fourth level</a:t>
-            </a:r>
-          </a:p>
-          <a:p>
-            <a:pPr lvl="4"/>
-            <a:r>
-              <a:rPr lang="en-US" smtClean="0"/>
-              <a:t>Fifth level</a:t>
-            </a:r>
-            <a:endParaRPr lang="en-GB"/>
-          </a:p>
-        </p:txBody>
-      </p:sp>
-      <p:sp>
-        <p:nvSpPr>
-          <p:cNvPr id="4" name="Date Placeholder 3"/>
-          <p:cNvSpPr>
-            <a:spLocks noGrp="1"/>
-          </p:cNvSpPr>
-          <p:nvPr>
-            <p:ph type="dt" sz="half" idx="2"/>
-          </p:nvPr>
-        </p:nvSpPr>
-        <p:spPr>
-          <a:xfrm>
-            <a:off x="457200" y="6356350"/>
-            <a:ext cx="2133600" cy="365125"/>
-          </a:xfrm>
-          <a:prstGeom prst="rect">
-            <a:avLst/>
-          </a:prstGeom>
-        </p:spPr>
-        <p:txBody>
-          <a:bodyPr vert="horz" lIns="91440" tIns="45720" rIns="91440" bIns="45720" rtlCol="0" anchor="ctr"/>
-          <a:lstStyle>
-            <a:lvl1pPr algn="l">
-              <a:defRPr sz="1200">
-                <a:solidFill>
-                  <a:schemeClr val="tx1">
-                    <a:tint val="75000"/>
-                  </a:schemeClr>
-                </a:solidFill>
-              </a:defRPr>
-            </a:lvl1pPr>
-          </a:lstStyle>
-          <a:p>
-            <a:fld id="{14DA9D7A-8977-4189-8C1E-3CBA94454C2D}" type="datetimeFigureOut">
-              <a:rPr lang="en-GB">
-                <a:solidFill>
-                  <a:prstClr val="black">
-                    <a:tint val="75000"/>
-                  </a:prstClr>
-                </a:solidFill>
-              </a:rPr>
-              <a:pPr/>
-              <a:t>26/02/2015</a:t>
+              <a:t>04/03/2015</a:t>
             </a:fld>
             <a:endParaRPr lang="en-GB">
               <a:solidFill>
@@ -12632,13 +9281,16 @@
 </p:sldMaster>
 </file>
 
-<file path=ppt/slideMasters/slideMaster4.xml><?xml version="1.0" encoding="utf-8"?>
+<file path=ppt/slideMasters/slideMaster3.xml><?xml version="1.0" encoding="utf-8"?>
 <p:sldMaster xmlns:a="http://schemas.openxmlformats.org/drawingml/2006/main" xmlns:r="http://schemas.openxmlformats.org/officeDocument/2006/relationships" xmlns:p="http://schemas.openxmlformats.org/presentationml/2006/main">
   <p:cSld>
     <p:bg>
-      <p:bgRef idx="1001">
-        <a:schemeClr val="bg1"/>
-      </p:bgRef>
+      <p:bgPr>
+        <a:solidFill>
+          <a:srgbClr val="66CCFF"/>
+        </a:solidFill>
+        <a:effectLst/>
+      </p:bgPr>
     </p:bg>
     <p:spTree>
       <p:nvGrpSpPr>
@@ -12791,7 +9443,7 @@
                 </a:solidFill>
               </a:rPr>
               <a:pPr/>
-              <a:t>26/02/2015</a:t>
+              <a:t>04/03/2015</a:t>
             </a:fld>
             <a:endParaRPr lang="en-GB">
               <a:solidFill>
@@ -13177,14 +9829,6 @@
 <file path=ppt/slides/slide1.xml><?xml version="1.0" encoding="utf-8"?>
 <p:sld xmlns:a="http://schemas.openxmlformats.org/drawingml/2006/main" xmlns:r="http://schemas.openxmlformats.org/officeDocument/2006/relationships" xmlns:p="http://schemas.openxmlformats.org/presentationml/2006/main">
   <p:cSld>
-    <p:bg>
-      <p:bgPr>
-        <a:solidFill>
-          <a:srgbClr val="66CCFF"/>
-        </a:solidFill>
-        <a:effectLst/>
-      </p:bgPr>
-    </p:bg>
     <p:spTree>
       <p:nvGrpSpPr>
         <p:cNvPr id="1" name=""/>
@@ -13211,20 +9855,16 @@
         </p:nvSpPr>
         <p:spPr/>
         <p:txBody>
-          <a:bodyPr/>
+          <a:bodyPr>
+            <a:normAutofit fontScale="90000"/>
+          </a:bodyPr>
           <a:lstStyle/>
           <a:p>
             <a:r>
               <a:rPr lang="en-GB" dirty="0" smtClean="0">
                 <a:latin typeface="Moire Light" panose="02000304030000020004" pitchFamily="2" charset="0"/>
               </a:rPr>
-              <a:t>The Role of Bartle’s Gamer Types </a:t>
-            </a:r>
-            <a:r>
-              <a:rPr lang="en-GB" dirty="0" smtClean="0">
-                <a:latin typeface="Moire Light" panose="02000304030000020004" pitchFamily="2" charset="0"/>
-              </a:rPr>
-              <a:t>in</a:t>
+              <a:t>The Role of Bartle’s Gamer Types in</a:t>
             </a:r>
             <a:br>
               <a:rPr lang="en-GB" dirty="0" smtClean="0">
@@ -13241,13 +9881,7 @@
               <a:rPr lang="en-GB" dirty="0" smtClean="0">
                 <a:latin typeface="Moire Light" panose="02000304030000020004" pitchFamily="2" charset="0"/>
               </a:rPr>
-              <a:t> </a:t>
-            </a:r>
-            <a:r>
-              <a:rPr lang="en-GB" dirty="0" smtClean="0">
-                <a:latin typeface="Moire Light" panose="02000304030000020004" pitchFamily="2" charset="0"/>
-              </a:rPr>
-              <a:t>Higher Education</a:t>
+              <a:t> Higher Education</a:t>
             </a:r>
             <a:endParaRPr lang="en-GB" dirty="0">
               <a:latin typeface="Moire Light" panose="02000304030000020004" pitchFamily="2" charset="0"/>
@@ -13319,14 +9953,6 @@
 <file path=ppt/slides/slide10.xml><?xml version="1.0" encoding="utf-8"?>
 <p:sld xmlns:a="http://schemas.openxmlformats.org/drawingml/2006/main" xmlns:r="http://schemas.openxmlformats.org/officeDocument/2006/relationships" xmlns:p="http://schemas.openxmlformats.org/presentationml/2006/main">
   <p:cSld>
-    <p:bg>
-      <p:bgPr>
-        <a:solidFill>
-          <a:srgbClr val="66CCFF"/>
-        </a:solidFill>
-        <a:effectLst/>
-      </p:bgPr>
-    </p:bg>
     <p:spTree>
       <p:nvGrpSpPr>
         <p:cNvPr id="1" name=""/>
@@ -13357,26 +9983,1229 @@
           <a:lstStyle/>
           <a:p>
             <a:r>
-              <a:rPr lang="en-GB" dirty="0">
+              <a:rPr lang="en-GB" dirty="0" smtClean="0">
                 <a:latin typeface="Moire Light" panose="02000304030000020004" pitchFamily="2" charset="0"/>
               </a:rPr>
-              <a:t>What does </a:t>
-            </a:r>
-            <a:r>
-              <a:rPr lang="en-GB" dirty="0" err="1">
-                <a:latin typeface="Moire Light" panose="02000304030000020004" pitchFamily="2" charset="0"/>
-              </a:rPr>
-              <a:t>gamified</a:t>
-            </a:r>
-            <a:r>
-              <a:rPr lang="en-GB" dirty="0">
-                <a:latin typeface="Moire Light" panose="02000304030000020004" pitchFamily="2" charset="0"/>
-              </a:rPr>
-              <a:t> HE entail?</a:t>
+              <a:t>Summary</a:t>
             </a:r>
             <a:endParaRPr lang="en-GB" dirty="0">
               <a:latin typeface="Moire Light" panose="02000304030000020004" pitchFamily="2" charset="0"/>
             </a:endParaRPr>
+          </a:p>
+        </p:txBody>
+      </p:sp>
+      <p:sp>
+        <p:nvSpPr>
+          <p:cNvPr id="3" name="Content Placeholder 2"/>
+          <p:cNvSpPr>
+            <a:spLocks noGrp="1"/>
+          </p:cNvSpPr>
+          <p:nvPr>
+            <p:ph idx="1"/>
+          </p:nvPr>
+        </p:nvSpPr>
+        <p:spPr>
+          <a:xfrm>
+            <a:off x="467544" y="1412776"/>
+            <a:ext cx="8229600" cy="2836912"/>
+          </a:xfrm>
+        </p:spPr>
+        <p:txBody>
+          <a:bodyPr>
+            <a:normAutofit/>
+          </a:bodyPr>
+          <a:lstStyle/>
+          <a:p>
+            <a:r>
+              <a:rPr lang="en-GB" dirty="0" smtClean="0">
+                <a:latin typeface="Moire Light" panose="02000304030000020004" pitchFamily="2" charset="0"/>
+              </a:rPr>
+              <a:t>We covered Gamification and </a:t>
+            </a:r>
+            <a:r>
+              <a:rPr lang="en-GB" dirty="0" err="1" smtClean="0">
+                <a:latin typeface="Moire Light" panose="02000304030000020004" pitchFamily="2" charset="0"/>
+              </a:rPr>
+              <a:t>Bartles</a:t>
+            </a:r>
+            <a:r>
+              <a:rPr lang="en-GB" dirty="0" smtClean="0">
+                <a:latin typeface="Moire Light" panose="02000304030000020004" pitchFamily="2" charset="0"/>
+              </a:rPr>
+              <a:t> gamer types</a:t>
+            </a:r>
+          </a:p>
+          <a:p>
+            <a:endParaRPr lang="en-GB" dirty="0" smtClean="0">
+              <a:latin typeface="Moire Light" panose="02000304030000020004" pitchFamily="2" charset="0"/>
+            </a:endParaRPr>
+          </a:p>
+          <a:p>
+            <a:r>
+              <a:rPr lang="en-GB" dirty="0" smtClean="0">
+                <a:latin typeface="Moire Light" panose="02000304030000020004" pitchFamily="2" charset="0"/>
+              </a:rPr>
+              <a:t>Do Bartle’s gamer types have a place in the future of gamified HE?</a:t>
+            </a:r>
+            <a:endParaRPr lang="en-GB" dirty="0" smtClean="0">
+              <a:latin typeface="Moire Light" panose="02000304030000020004" pitchFamily="2" charset="0"/>
+            </a:endParaRPr>
+          </a:p>
+          <a:p>
+            <a:endParaRPr lang="en-GB" dirty="0" smtClean="0">
+              <a:latin typeface="Moire Light" panose="02000304030000020004" pitchFamily="2" charset="0"/>
+            </a:endParaRPr>
+          </a:p>
+        </p:txBody>
+      </p:sp>
+    </p:spTree>
+    <p:extLst>
+      <p:ext uri="{BB962C8B-B14F-4D97-AF65-F5344CB8AC3E}">
+        <p14:creationId xmlns:p14="http://schemas.microsoft.com/office/powerpoint/2010/main" val="2316188458"/>
+      </p:ext>
+    </p:extLst>
+  </p:cSld>
+  <p:clrMapOvr>
+    <a:masterClrMapping/>
+  </p:clrMapOvr>
+  <p:timing>
+    <p:tnLst>
+      <p:par>
+        <p:cTn id="1" dur="indefinite" restart="never" nodeType="tmRoot"/>
+      </p:par>
+    </p:tnLst>
+  </p:timing>
+</p:sld>
+</file>
+
+<file path=ppt/slides/slide11.xml><?xml version="1.0" encoding="utf-8"?>
+<p:sld xmlns:a="http://schemas.openxmlformats.org/drawingml/2006/main" xmlns:r="http://schemas.openxmlformats.org/officeDocument/2006/relationships" xmlns:p="http://schemas.openxmlformats.org/presentationml/2006/main">
+  <p:cSld>
+    <p:spTree>
+      <p:nvGrpSpPr>
+        <p:cNvPr id="1" name=""/>
+        <p:cNvGrpSpPr/>
+        <p:nvPr/>
+      </p:nvGrpSpPr>
+      <p:grpSpPr>
+        <a:xfrm>
+          <a:off x="0" y="0"/>
+          <a:ext cx="0" cy="0"/>
+          <a:chOff x="0" y="0"/>
+          <a:chExt cx="0" cy="0"/>
+        </a:xfrm>
+      </p:grpSpPr>
+      <p:sp>
+        <p:nvSpPr>
+          <p:cNvPr id="3" name="Content Placeholder 2"/>
+          <p:cNvSpPr>
+            <a:spLocks noGrp="1"/>
+          </p:cNvSpPr>
+          <p:nvPr>
+            <p:ph idx="1"/>
+          </p:nvPr>
+        </p:nvSpPr>
+        <p:spPr/>
+        <p:txBody>
+          <a:bodyPr>
+            <a:normAutofit/>
+          </a:bodyPr>
+          <a:lstStyle/>
+          <a:p>
+            <a:r>
+              <a:rPr lang="en-GB" sz="2400" dirty="0" err="1" smtClean="0">
+                <a:latin typeface="Moire Light" panose="02000304030000020004" pitchFamily="2" charset="0"/>
+              </a:rPr>
+              <a:t>Modeling</a:t>
+            </a:r>
+            <a:r>
+              <a:rPr lang="en-GB" sz="2400" dirty="0" smtClean="0">
+                <a:latin typeface="Moire Light" panose="02000304030000020004" pitchFamily="2" charset="0"/>
+              </a:rPr>
+              <a:t> the </a:t>
+            </a:r>
+            <a:r>
+              <a:rPr lang="en-GB" sz="2400" dirty="0">
+                <a:latin typeface="Moire Light" panose="02000304030000020004" pitchFamily="2" charset="0"/>
+              </a:rPr>
+              <a:t>player, learner and personality: Independency of the models of </a:t>
+            </a:r>
+            <a:r>
+              <a:rPr lang="en-GB" sz="2400" dirty="0" err="1">
+                <a:latin typeface="Moire Light" panose="02000304030000020004" pitchFamily="2" charset="0"/>
+              </a:rPr>
+              <a:t>bartle</a:t>
+            </a:r>
+            <a:r>
+              <a:rPr lang="en-GB" sz="2400" dirty="0">
+                <a:latin typeface="Moire Light" panose="02000304030000020004" pitchFamily="2" charset="0"/>
+              </a:rPr>
+              <a:t>, </a:t>
+            </a:r>
+            <a:r>
+              <a:rPr lang="en-GB" sz="2400" dirty="0" err="1">
+                <a:latin typeface="Moire Light" panose="02000304030000020004" pitchFamily="2" charset="0"/>
+              </a:rPr>
+              <a:t>kolb</a:t>
+            </a:r>
+            <a:r>
+              <a:rPr lang="en-GB" sz="2400" dirty="0">
+                <a:latin typeface="Moire Light" panose="02000304030000020004" pitchFamily="2" charset="0"/>
+              </a:rPr>
+              <a:t> and neo-</a:t>
+            </a:r>
+            <a:r>
+              <a:rPr lang="en-GB" sz="2400" dirty="0" err="1">
+                <a:latin typeface="Moire Light" panose="02000304030000020004" pitchFamily="2" charset="0"/>
+              </a:rPr>
+              <a:t>ffi</a:t>
+            </a:r>
+            <a:r>
+              <a:rPr lang="en-GB" sz="2400" dirty="0">
+                <a:latin typeface="Moire Light" panose="02000304030000020004" pitchFamily="2" charset="0"/>
+              </a:rPr>
+              <a:t> (big5) and the implications for game based learning. </a:t>
+            </a:r>
+            <a:endParaRPr lang="en-GB" sz="2400" dirty="0" smtClean="0">
+              <a:latin typeface="Moire Light" panose="02000304030000020004" pitchFamily="2" charset="0"/>
+            </a:endParaRPr>
+          </a:p>
+          <a:p>
+            <a:r>
+              <a:rPr lang="en-GB" dirty="0" smtClean="0">
+                <a:latin typeface="Moire Light" panose="02000304030000020004" pitchFamily="2" charset="0"/>
+              </a:rPr>
+              <a:t>No </a:t>
+            </a:r>
+            <a:r>
+              <a:rPr lang="en-GB" dirty="0" smtClean="0">
+                <a:latin typeface="Moire Light" panose="02000304030000020004" pitchFamily="2" charset="0"/>
+              </a:rPr>
+              <a:t>interesting correlation between types</a:t>
+            </a:r>
+          </a:p>
+          <a:p>
+            <a:r>
+              <a:rPr lang="en-GB" dirty="0" smtClean="0">
+                <a:latin typeface="Moire Light" panose="02000304030000020004" pitchFamily="2" charset="0"/>
+              </a:rPr>
+              <a:t>Little explanation offered as to why</a:t>
+            </a:r>
+          </a:p>
+          <a:p>
+            <a:endParaRPr lang="en-GB" dirty="0">
+              <a:latin typeface="Moire Light" panose="02000304030000020004" pitchFamily="2" charset="0"/>
+            </a:endParaRPr>
+          </a:p>
+        </p:txBody>
+      </p:sp>
+      <p:sp>
+        <p:nvSpPr>
+          <p:cNvPr id="7" name="TextBox 6"/>
+          <p:cNvSpPr txBox="1"/>
+          <p:nvPr/>
+        </p:nvSpPr>
+        <p:spPr>
+          <a:xfrm>
+            <a:off x="-108520" y="5698122"/>
+            <a:ext cx="9361040" cy="646331"/>
+          </a:xfrm>
+          <a:prstGeom prst="rect">
+            <a:avLst/>
+          </a:prstGeom>
+          <a:noFill/>
+        </p:spPr>
+        <p:txBody>
+          <a:bodyPr wrap="square" rtlCol="0">
+            <a:spAutoFit/>
+          </a:bodyPr>
+          <a:lstStyle/>
+          <a:p>
+            <a:pPr algn="ctr"/>
+            <a:r>
+              <a:rPr lang="en-GB" dirty="0">
+                <a:latin typeface="Moire Light" panose="02000304030000020004" pitchFamily="2" charset="0"/>
+              </a:rPr>
+              <a:t>Johannes </a:t>
+            </a:r>
+            <a:r>
+              <a:rPr lang="en-GB" dirty="0" err="1">
+                <a:latin typeface="Moire Light" panose="02000304030000020004" pitchFamily="2" charset="0"/>
+              </a:rPr>
+              <a:t>Konert</a:t>
+            </a:r>
+            <a:r>
+              <a:rPr lang="en-GB" dirty="0">
+                <a:latin typeface="Moire Light" panose="02000304030000020004" pitchFamily="2" charset="0"/>
+              </a:rPr>
+              <a:t>, Stefan </a:t>
+            </a:r>
+            <a:r>
+              <a:rPr lang="en-GB" dirty="0" err="1" smtClean="0">
+                <a:latin typeface="Moire Light" panose="02000304030000020004" pitchFamily="2" charset="0"/>
+              </a:rPr>
+              <a:t>Gobel</a:t>
+            </a:r>
+            <a:r>
+              <a:rPr lang="en-GB" dirty="0">
+                <a:latin typeface="Moire Light" panose="02000304030000020004" pitchFamily="2" charset="0"/>
+              </a:rPr>
+              <a:t>, and Ralf Steinmetz. </a:t>
+            </a:r>
+            <a:r>
+              <a:rPr lang="en-GB" dirty="0" err="1">
+                <a:latin typeface="Moire Light" panose="02000304030000020004" pitchFamily="2" charset="0"/>
+              </a:rPr>
+              <a:t>Modeling</a:t>
+            </a:r>
+            <a:r>
+              <a:rPr lang="en-GB" dirty="0">
+                <a:latin typeface="Moire Light" panose="02000304030000020004" pitchFamily="2" charset="0"/>
+              </a:rPr>
+              <a:t> the player, </a:t>
+            </a:r>
+            <a:r>
+              <a:rPr lang="en-GB" dirty="0" smtClean="0">
+                <a:latin typeface="Moire Light" panose="02000304030000020004" pitchFamily="2" charset="0"/>
+              </a:rPr>
+              <a:t>learner and </a:t>
+            </a:r>
+            <a:r>
+              <a:rPr lang="en-GB" dirty="0">
+                <a:latin typeface="Moire Light" panose="02000304030000020004" pitchFamily="2" charset="0"/>
+              </a:rPr>
+              <a:t>personality: Independency of the models of </a:t>
+            </a:r>
+            <a:r>
+              <a:rPr lang="en-GB" dirty="0" err="1">
+                <a:latin typeface="Moire Light" panose="02000304030000020004" pitchFamily="2" charset="0"/>
+              </a:rPr>
+              <a:t>bartle</a:t>
+            </a:r>
+            <a:r>
+              <a:rPr lang="en-GB" dirty="0">
+                <a:latin typeface="Moire Light" panose="02000304030000020004" pitchFamily="2" charset="0"/>
+              </a:rPr>
+              <a:t>, </a:t>
+            </a:r>
+            <a:r>
+              <a:rPr lang="en-GB" dirty="0" err="1">
+                <a:latin typeface="Moire Light" panose="02000304030000020004" pitchFamily="2" charset="0"/>
+              </a:rPr>
+              <a:t>kolb</a:t>
+            </a:r>
+            <a:r>
+              <a:rPr lang="en-GB" dirty="0">
+                <a:latin typeface="Moire Light" panose="02000304030000020004" pitchFamily="2" charset="0"/>
+              </a:rPr>
+              <a:t> and neo-</a:t>
+            </a:r>
+            <a:r>
+              <a:rPr lang="en-GB" dirty="0" err="1">
+                <a:latin typeface="Moire Light" panose="02000304030000020004" pitchFamily="2" charset="0"/>
+              </a:rPr>
+              <a:t>ffi</a:t>
+            </a:r>
+            <a:r>
+              <a:rPr lang="en-GB" dirty="0">
+                <a:latin typeface="Moire Light" panose="02000304030000020004" pitchFamily="2" charset="0"/>
+              </a:rPr>
+              <a:t> (big5) </a:t>
+            </a:r>
+            <a:r>
+              <a:rPr lang="en-GB" dirty="0" smtClean="0">
+                <a:latin typeface="Moire Light" panose="02000304030000020004" pitchFamily="2" charset="0"/>
+              </a:rPr>
+              <a:t>and the </a:t>
+            </a:r>
+            <a:r>
+              <a:rPr lang="en-GB" dirty="0">
+                <a:latin typeface="Moire Light" panose="02000304030000020004" pitchFamily="2" charset="0"/>
+              </a:rPr>
+              <a:t>implications for game based learning. </a:t>
+            </a:r>
+            <a:r>
+              <a:rPr lang="en-GB" dirty="0" smtClean="0">
+                <a:latin typeface="Moire Light" panose="02000304030000020004" pitchFamily="2" charset="0"/>
+              </a:rPr>
+              <a:t>7th </a:t>
+            </a:r>
+            <a:r>
+              <a:rPr lang="en-GB" dirty="0">
+                <a:latin typeface="Moire Light" panose="02000304030000020004" pitchFamily="2" charset="0"/>
+              </a:rPr>
+              <a:t>European Conference on </a:t>
+            </a:r>
+            <a:r>
+              <a:rPr lang="en-GB" dirty="0" smtClean="0">
+                <a:latin typeface="Moire Light" panose="02000304030000020004" pitchFamily="2" charset="0"/>
+              </a:rPr>
+              <a:t>Games Based </a:t>
+            </a:r>
+            <a:r>
+              <a:rPr lang="en-GB" dirty="0">
+                <a:latin typeface="Moire Light" panose="02000304030000020004" pitchFamily="2" charset="0"/>
+              </a:rPr>
+              <a:t>Learning, 2013.</a:t>
+            </a:r>
+          </a:p>
+        </p:txBody>
+      </p:sp>
+      <p:sp>
+        <p:nvSpPr>
+          <p:cNvPr id="8" name="Title 1"/>
+          <p:cNvSpPr>
+            <a:spLocks noGrp="1"/>
+          </p:cNvSpPr>
+          <p:nvPr>
+            <p:ph type="title"/>
+          </p:nvPr>
+        </p:nvSpPr>
+        <p:spPr>
+          <a:xfrm>
+            <a:off x="457200" y="274638"/>
+            <a:ext cx="8229600" cy="1143000"/>
+          </a:xfrm>
+        </p:spPr>
+        <p:txBody>
+          <a:bodyPr/>
+          <a:lstStyle/>
+          <a:p>
+            <a:r>
+              <a:rPr lang="en-GB" dirty="0" smtClean="0">
+                <a:latin typeface="Moire Light" panose="02000304030000020004" pitchFamily="2" charset="0"/>
+              </a:rPr>
+              <a:t>Research Undertaken</a:t>
+            </a:r>
+            <a:endParaRPr lang="en-GB" dirty="0">
+              <a:latin typeface="Moire Light" panose="02000304030000020004" pitchFamily="2" charset="0"/>
+            </a:endParaRPr>
+          </a:p>
+        </p:txBody>
+      </p:sp>
+    </p:spTree>
+    <p:extLst>
+      <p:ext uri="{BB962C8B-B14F-4D97-AF65-F5344CB8AC3E}">
+        <p14:creationId xmlns:p14="http://schemas.microsoft.com/office/powerpoint/2010/main" val="1790184296"/>
+      </p:ext>
+    </p:extLst>
+  </p:cSld>
+  <p:clrMapOvr>
+    <a:masterClrMapping/>
+  </p:clrMapOvr>
+  <p:timing>
+    <p:tnLst>
+      <p:par>
+        <p:cTn id="1" dur="indefinite" restart="never" nodeType="tmRoot"/>
+      </p:par>
+    </p:tnLst>
+  </p:timing>
+</p:sld>
+</file>
+
+<file path=ppt/slides/slide12.xml><?xml version="1.0" encoding="utf-8"?>
+<p:sld xmlns:a="http://schemas.openxmlformats.org/drawingml/2006/main" xmlns:r="http://schemas.openxmlformats.org/officeDocument/2006/relationships" xmlns:p="http://schemas.openxmlformats.org/presentationml/2006/main">
+  <p:cSld>
+    <p:spTree>
+      <p:nvGrpSpPr>
+        <p:cNvPr id="1" name=""/>
+        <p:cNvGrpSpPr/>
+        <p:nvPr/>
+      </p:nvGrpSpPr>
+      <p:grpSpPr>
+        <a:xfrm>
+          <a:off x="0" y="0"/>
+          <a:ext cx="0" cy="0"/>
+          <a:chOff x="0" y="0"/>
+          <a:chExt cx="0" cy="0"/>
+        </a:xfrm>
+      </p:grpSpPr>
+      <p:sp>
+        <p:nvSpPr>
+          <p:cNvPr id="2" name="Title 1"/>
+          <p:cNvSpPr>
+            <a:spLocks noGrp="1"/>
+          </p:cNvSpPr>
+          <p:nvPr>
+            <p:ph type="title"/>
+          </p:nvPr>
+        </p:nvSpPr>
+        <p:spPr/>
+        <p:txBody>
+          <a:bodyPr/>
+          <a:lstStyle/>
+          <a:p>
+            <a:r>
+              <a:rPr lang="en-GB" dirty="0" smtClean="0">
+                <a:latin typeface="Moire Light" panose="02000304030000020004" pitchFamily="2" charset="0"/>
+              </a:rPr>
+              <a:t>Research Undertaken</a:t>
+            </a:r>
+            <a:endParaRPr lang="en-GB" dirty="0">
+              <a:latin typeface="Moire Light" panose="02000304030000020004" pitchFamily="2" charset="0"/>
+            </a:endParaRPr>
+          </a:p>
+        </p:txBody>
+      </p:sp>
+      <p:sp>
+        <p:nvSpPr>
+          <p:cNvPr id="3" name="Content Placeholder 2"/>
+          <p:cNvSpPr>
+            <a:spLocks noGrp="1"/>
+          </p:cNvSpPr>
+          <p:nvPr>
+            <p:ph idx="1"/>
+          </p:nvPr>
+        </p:nvSpPr>
+        <p:spPr>
+          <a:xfrm>
+            <a:off x="457200" y="1600200"/>
+            <a:ext cx="8229600" cy="4781128"/>
+          </a:xfrm>
+        </p:spPr>
+        <p:txBody>
+          <a:bodyPr>
+            <a:normAutofit/>
+          </a:bodyPr>
+          <a:lstStyle/>
+          <a:p>
+            <a:r>
+              <a:rPr lang="en-GB" dirty="0" smtClean="0">
+                <a:latin typeface="Moire Light" panose="02000304030000020004" pitchFamily="2" charset="0"/>
+              </a:rPr>
+              <a:t>Is there a link between the way in which students learn and the way in which they play?</a:t>
+            </a:r>
+            <a:endParaRPr lang="en-GB" dirty="0" smtClean="0">
+              <a:latin typeface="Moire Light" panose="02000304030000020004" pitchFamily="2" charset="0"/>
+            </a:endParaRPr>
+          </a:p>
+          <a:p>
+            <a:r>
+              <a:rPr lang="en-GB" dirty="0" smtClean="0">
+                <a:latin typeface="Moire Light" panose="02000304030000020004" pitchFamily="2" charset="0"/>
+              </a:rPr>
+              <a:t>Comparison of </a:t>
+            </a:r>
+            <a:r>
+              <a:rPr lang="en-GB" dirty="0" err="1" smtClean="0">
+                <a:latin typeface="Moire Light" panose="02000304030000020004" pitchFamily="2" charset="0"/>
+              </a:rPr>
+              <a:t>Keirsey</a:t>
+            </a:r>
+            <a:r>
+              <a:rPr lang="en-GB" dirty="0" smtClean="0">
+                <a:latin typeface="Moire Light" panose="02000304030000020004" pitchFamily="2" charset="0"/>
+              </a:rPr>
+              <a:t> Temperament and Bartle Type</a:t>
+            </a:r>
+          </a:p>
+          <a:p>
+            <a:r>
+              <a:rPr lang="en-GB" dirty="0" smtClean="0">
+                <a:latin typeface="Moire Light" panose="02000304030000020004" pitchFamily="2" charset="0"/>
+              </a:rPr>
+              <a:t>23 students from Warwick and other HE institutions</a:t>
+            </a:r>
+            <a:endParaRPr lang="en-GB" dirty="0" smtClean="0">
+              <a:latin typeface="Moire Light" panose="02000304030000020004" pitchFamily="2" charset="0"/>
+            </a:endParaRPr>
+          </a:p>
+          <a:p>
+            <a:endParaRPr lang="en-GB" dirty="0" smtClean="0">
+              <a:latin typeface="Moire Light" panose="02000304030000020004" pitchFamily="2" charset="0"/>
+            </a:endParaRPr>
+          </a:p>
+          <a:p>
+            <a:endParaRPr lang="en-GB" dirty="0" smtClean="0">
+              <a:latin typeface="Moire Light" panose="02000304030000020004" pitchFamily="2" charset="0"/>
+            </a:endParaRPr>
+          </a:p>
+        </p:txBody>
+      </p:sp>
+    </p:spTree>
+    <p:extLst>
+      <p:ext uri="{BB962C8B-B14F-4D97-AF65-F5344CB8AC3E}">
+        <p14:creationId xmlns:p14="http://schemas.microsoft.com/office/powerpoint/2010/main" val="2316188458"/>
+      </p:ext>
+    </p:extLst>
+  </p:cSld>
+  <p:clrMapOvr>
+    <a:masterClrMapping/>
+  </p:clrMapOvr>
+  <p:timing>
+    <p:tnLst>
+      <p:par>
+        <p:cTn id="1" dur="indefinite" restart="never" nodeType="tmRoot"/>
+      </p:par>
+    </p:tnLst>
+  </p:timing>
+</p:sld>
+</file>
+
+<file path=ppt/slides/slide2.xml><?xml version="1.0" encoding="utf-8"?>
+<p:sld xmlns:a="http://schemas.openxmlformats.org/drawingml/2006/main" xmlns:r="http://schemas.openxmlformats.org/officeDocument/2006/relationships" xmlns:p="http://schemas.openxmlformats.org/presentationml/2006/main">
+  <p:cSld>
+    <p:spTree>
+      <p:nvGrpSpPr>
+        <p:cNvPr id="1" name=""/>
+        <p:cNvGrpSpPr/>
+        <p:nvPr/>
+      </p:nvGrpSpPr>
+      <p:grpSpPr>
+        <a:xfrm>
+          <a:off x="0" y="0"/>
+          <a:ext cx="0" cy="0"/>
+          <a:chOff x="0" y="0"/>
+          <a:chExt cx="0" cy="0"/>
+        </a:xfrm>
+      </p:grpSpPr>
+      <p:sp>
+        <p:nvSpPr>
+          <p:cNvPr id="2" name="Title 1"/>
+          <p:cNvSpPr>
+            <a:spLocks noGrp="1"/>
+          </p:cNvSpPr>
+          <p:nvPr>
+            <p:ph type="title"/>
+          </p:nvPr>
+        </p:nvSpPr>
+        <p:spPr/>
+        <p:txBody>
+          <a:bodyPr/>
+          <a:lstStyle/>
+          <a:p>
+            <a:r>
+              <a:rPr lang="en-GB" dirty="0" smtClean="0">
+                <a:latin typeface="Moire Light" panose="02000304030000020004" pitchFamily="2" charset="0"/>
+              </a:rPr>
+              <a:t>Presentation Overview</a:t>
+            </a:r>
+            <a:endParaRPr lang="en-GB" dirty="0">
+              <a:latin typeface="Moire Light" panose="02000304030000020004" pitchFamily="2" charset="0"/>
+            </a:endParaRPr>
+          </a:p>
+        </p:txBody>
+      </p:sp>
+      <p:sp>
+        <p:nvSpPr>
+          <p:cNvPr id="3" name="Content Placeholder 2"/>
+          <p:cNvSpPr>
+            <a:spLocks noGrp="1"/>
+          </p:cNvSpPr>
+          <p:nvPr>
+            <p:ph idx="1"/>
+          </p:nvPr>
+        </p:nvSpPr>
+        <p:spPr>
+          <a:xfrm>
+            <a:off x="457200" y="1600200"/>
+            <a:ext cx="8229600" cy="4997152"/>
+          </a:xfrm>
+        </p:spPr>
+        <p:txBody>
+          <a:bodyPr>
+            <a:normAutofit/>
+          </a:bodyPr>
+          <a:lstStyle/>
+          <a:p>
+            <a:r>
+              <a:rPr lang="en-GB" dirty="0">
+                <a:latin typeface="Moire Light" panose="02000304030000020004" pitchFamily="2" charset="0"/>
+              </a:rPr>
+              <a:t>What is gamification</a:t>
+            </a:r>
+            <a:r>
+              <a:rPr lang="en-GB" dirty="0" smtClean="0">
+                <a:latin typeface="Moire Light" panose="02000304030000020004" pitchFamily="2" charset="0"/>
+              </a:rPr>
+              <a:t>?</a:t>
+            </a:r>
+            <a:endParaRPr lang="en-GB" dirty="0" smtClean="0">
+              <a:latin typeface="Moire Light" panose="02000304030000020004" pitchFamily="2" charset="0"/>
+            </a:endParaRPr>
+          </a:p>
+          <a:p>
+            <a:r>
+              <a:rPr lang="en-GB" dirty="0" smtClean="0">
+                <a:latin typeface="Moire Light" panose="02000304030000020004" pitchFamily="2" charset="0"/>
+              </a:rPr>
+              <a:t>What </a:t>
+            </a:r>
+            <a:r>
+              <a:rPr lang="en-GB" dirty="0" smtClean="0">
+                <a:latin typeface="Moire Light" panose="02000304030000020004" pitchFamily="2" charset="0"/>
+              </a:rPr>
+              <a:t>are Bartle’s gamer </a:t>
+            </a:r>
+            <a:r>
+              <a:rPr lang="en-GB" dirty="0">
+                <a:latin typeface="Moire Light" panose="02000304030000020004" pitchFamily="2" charset="0"/>
+              </a:rPr>
+              <a:t>t</a:t>
+            </a:r>
+            <a:r>
+              <a:rPr lang="en-GB" dirty="0" smtClean="0">
+                <a:latin typeface="Moire Light" panose="02000304030000020004" pitchFamily="2" charset="0"/>
+              </a:rPr>
+              <a:t>ypes?</a:t>
+            </a:r>
+          </a:p>
+          <a:p>
+            <a:r>
+              <a:rPr lang="en-GB" dirty="0" smtClean="0">
+                <a:latin typeface="Moire Light" panose="02000304030000020004" pitchFamily="2" charset="0"/>
+              </a:rPr>
+              <a:t>Research aims and methodology</a:t>
+            </a:r>
+            <a:endParaRPr lang="en-GB" dirty="0" smtClean="0">
+              <a:latin typeface="Moire Light" panose="02000304030000020004" pitchFamily="2" charset="0"/>
+            </a:endParaRPr>
+          </a:p>
+          <a:p>
+            <a:r>
+              <a:rPr lang="en-GB" dirty="0" smtClean="0">
+                <a:latin typeface="Moire Light" panose="02000304030000020004" pitchFamily="2" charset="0"/>
+              </a:rPr>
+              <a:t>Research results</a:t>
+            </a:r>
+            <a:endParaRPr lang="en-GB" dirty="0" smtClean="0">
+              <a:latin typeface="Moire Light" panose="02000304030000020004" pitchFamily="2" charset="0"/>
+            </a:endParaRPr>
+          </a:p>
+          <a:p>
+            <a:r>
+              <a:rPr lang="en-GB" dirty="0" smtClean="0">
+                <a:latin typeface="Moire Light" panose="02000304030000020004" pitchFamily="2" charset="0"/>
+              </a:rPr>
+              <a:t>Conclusion and further work</a:t>
+            </a:r>
+          </a:p>
+          <a:p>
+            <a:r>
+              <a:rPr lang="en-GB" dirty="0" smtClean="0">
+                <a:latin typeface="Moire Light" panose="02000304030000020004" pitchFamily="2" charset="0"/>
+              </a:rPr>
+              <a:t>Evaluation</a:t>
+            </a:r>
+            <a:endParaRPr lang="en-GB" dirty="0" smtClean="0">
+              <a:latin typeface="Moire Light" panose="02000304030000020004" pitchFamily="2" charset="0"/>
+            </a:endParaRPr>
+          </a:p>
+          <a:p>
+            <a:r>
+              <a:rPr lang="en-GB" dirty="0" smtClean="0">
+                <a:latin typeface="Moire Light" panose="02000304030000020004" pitchFamily="2" charset="0"/>
+              </a:rPr>
+              <a:t>Questions</a:t>
+            </a:r>
+            <a:endParaRPr lang="en-GB" dirty="0">
+              <a:latin typeface="Moire Light" panose="02000304030000020004" pitchFamily="2" charset="0"/>
+            </a:endParaRPr>
+          </a:p>
+        </p:txBody>
+      </p:sp>
+    </p:spTree>
+    <p:extLst>
+      <p:ext uri="{BB962C8B-B14F-4D97-AF65-F5344CB8AC3E}">
+        <p14:creationId xmlns:p14="http://schemas.microsoft.com/office/powerpoint/2010/main" val="4142972177"/>
+      </p:ext>
+    </p:extLst>
+  </p:cSld>
+  <p:clrMapOvr>
+    <a:masterClrMapping/>
+  </p:clrMapOvr>
+  <p:timing>
+    <p:tnLst>
+      <p:par>
+        <p:cTn id="1" dur="indefinite" restart="never" nodeType="tmRoot"/>
+      </p:par>
+    </p:tnLst>
+  </p:timing>
+</p:sld>
+</file>
+
+<file path=ppt/slides/slide3.xml><?xml version="1.0" encoding="utf-8"?>
+<p:sld xmlns:a="http://schemas.openxmlformats.org/drawingml/2006/main" xmlns:r="http://schemas.openxmlformats.org/officeDocument/2006/relationships" xmlns:p="http://schemas.openxmlformats.org/presentationml/2006/main">
+  <p:cSld>
+    <p:spTree>
+      <p:nvGrpSpPr>
+        <p:cNvPr id="1" name=""/>
+        <p:cNvGrpSpPr/>
+        <p:nvPr/>
+      </p:nvGrpSpPr>
+      <p:grpSpPr>
+        <a:xfrm>
+          <a:off x="0" y="0"/>
+          <a:ext cx="0" cy="0"/>
+          <a:chOff x="0" y="0"/>
+          <a:chExt cx="0" cy="0"/>
+        </a:xfrm>
+      </p:grpSpPr>
+      <p:sp>
+        <p:nvSpPr>
+          <p:cNvPr id="2" name="Title 1"/>
+          <p:cNvSpPr>
+            <a:spLocks noGrp="1"/>
+          </p:cNvSpPr>
+          <p:nvPr>
+            <p:ph type="title"/>
+          </p:nvPr>
+        </p:nvSpPr>
+        <p:spPr/>
+        <p:txBody>
+          <a:bodyPr/>
+          <a:lstStyle/>
+          <a:p>
+            <a:r>
+              <a:rPr lang="en-GB" dirty="0" smtClean="0">
+                <a:latin typeface="Moire Light" panose="02000304030000020004" pitchFamily="2" charset="0"/>
+              </a:rPr>
+              <a:t>Gamification</a:t>
+            </a:r>
+            <a:endParaRPr lang="en-GB" dirty="0">
+              <a:latin typeface="Moire Light" panose="02000304030000020004" pitchFamily="2" charset="0"/>
+            </a:endParaRPr>
+          </a:p>
+        </p:txBody>
+      </p:sp>
+      <p:sp>
+        <p:nvSpPr>
+          <p:cNvPr id="3" name="Content Placeholder 2"/>
+          <p:cNvSpPr>
+            <a:spLocks noGrp="1"/>
+          </p:cNvSpPr>
+          <p:nvPr>
+            <p:ph idx="1"/>
+          </p:nvPr>
+        </p:nvSpPr>
+        <p:spPr/>
+        <p:txBody>
+          <a:bodyPr/>
+          <a:lstStyle/>
+          <a:p>
+            <a:pPr marL="0" indent="0" algn="ctr">
+              <a:buNone/>
+            </a:pPr>
+            <a:r>
+              <a:rPr lang="en-GB" dirty="0" smtClean="0">
+                <a:latin typeface="Moire Light" panose="02000304030000020004" pitchFamily="2" charset="0"/>
+              </a:rPr>
+              <a:t>“The </a:t>
+            </a:r>
+            <a:r>
+              <a:rPr lang="en-GB" dirty="0">
+                <a:latin typeface="Moire Light" panose="02000304030000020004" pitchFamily="2" charset="0"/>
+              </a:rPr>
+              <a:t>use of game </a:t>
+            </a:r>
+            <a:r>
+              <a:rPr lang="en-GB" dirty="0" smtClean="0">
+                <a:latin typeface="Moire Light" panose="02000304030000020004" pitchFamily="2" charset="0"/>
+              </a:rPr>
+              <a:t>design elements </a:t>
+            </a:r>
+          </a:p>
+          <a:p>
+            <a:pPr marL="0" indent="0" algn="ctr">
+              <a:buNone/>
+            </a:pPr>
+            <a:r>
+              <a:rPr lang="en-GB" dirty="0" smtClean="0">
+                <a:latin typeface="Moire Light" panose="02000304030000020004" pitchFamily="2" charset="0"/>
+              </a:rPr>
+              <a:t>in </a:t>
+            </a:r>
+            <a:r>
+              <a:rPr lang="en-GB" dirty="0">
+                <a:latin typeface="Moire Light" panose="02000304030000020004" pitchFamily="2" charset="0"/>
+              </a:rPr>
+              <a:t>non-game </a:t>
+            </a:r>
+            <a:r>
+              <a:rPr lang="en-GB" dirty="0" smtClean="0">
+                <a:latin typeface="Moire Light" panose="02000304030000020004" pitchFamily="2" charset="0"/>
+              </a:rPr>
+              <a:t>contexts”</a:t>
+            </a:r>
+          </a:p>
+          <a:p>
+            <a:endParaRPr lang="en-GB" dirty="0" smtClean="0">
+              <a:latin typeface="Moire Light" panose="02000304030000020004" pitchFamily="2" charset="0"/>
+            </a:endParaRPr>
+          </a:p>
+          <a:p>
+            <a:r>
+              <a:rPr lang="en-GB" dirty="0" smtClean="0">
+                <a:latin typeface="Moire Light" panose="02000304030000020004" pitchFamily="2" charset="0"/>
+              </a:rPr>
+              <a:t>Distinction between games and gamified activities</a:t>
+            </a:r>
+            <a:endParaRPr lang="en-GB" dirty="0" smtClean="0">
+              <a:latin typeface="Moire Light" panose="02000304030000020004" pitchFamily="2" charset="0"/>
+            </a:endParaRPr>
+          </a:p>
+          <a:p>
+            <a:r>
+              <a:rPr lang="en-GB" dirty="0" smtClean="0">
+                <a:latin typeface="Moire Light" panose="02000304030000020004" pitchFamily="2" charset="0"/>
+              </a:rPr>
+              <a:t>Transplant </a:t>
+            </a:r>
+            <a:r>
+              <a:rPr lang="en-GB" dirty="0" smtClean="0">
+                <a:latin typeface="Moire Light" panose="02000304030000020004" pitchFamily="2" charset="0"/>
+              </a:rPr>
+              <a:t>the mechanics that make games engaging to other media</a:t>
+            </a:r>
+            <a:endParaRPr lang="en-GB" dirty="0" smtClean="0">
+              <a:latin typeface="Moire Light" panose="02000304030000020004" pitchFamily="2" charset="0"/>
+            </a:endParaRPr>
+          </a:p>
+          <a:p>
+            <a:r>
+              <a:rPr lang="en-GB" dirty="0" smtClean="0">
+                <a:latin typeface="Moire Light" panose="02000304030000020004" pitchFamily="2" charset="0"/>
+              </a:rPr>
+              <a:t>Aims </a:t>
+            </a:r>
+            <a:r>
+              <a:rPr lang="en-GB" dirty="0" smtClean="0">
+                <a:latin typeface="Moire Light" panose="02000304030000020004" pitchFamily="2" charset="0"/>
+              </a:rPr>
+              <a:t>to drive engagement</a:t>
+            </a:r>
+            <a:endParaRPr lang="en-GB" dirty="0">
+              <a:latin typeface="Moire Light" panose="02000304030000020004" pitchFamily="2" charset="0"/>
+            </a:endParaRPr>
+          </a:p>
+        </p:txBody>
+      </p:sp>
+      <p:sp>
+        <p:nvSpPr>
+          <p:cNvPr id="4" name="TextBox 3"/>
+          <p:cNvSpPr txBox="1"/>
+          <p:nvPr/>
+        </p:nvSpPr>
+        <p:spPr>
+          <a:xfrm>
+            <a:off x="0" y="6488668"/>
+            <a:ext cx="9144000" cy="353943"/>
+          </a:xfrm>
+          <a:prstGeom prst="rect">
+            <a:avLst/>
+          </a:prstGeom>
+          <a:noFill/>
+        </p:spPr>
+        <p:txBody>
+          <a:bodyPr wrap="square" rtlCol="0">
+            <a:spAutoFit/>
+          </a:bodyPr>
+          <a:lstStyle/>
+          <a:p>
+            <a:pPr algn="ctr"/>
+            <a:r>
+              <a:rPr lang="en-GB" sz="1700" dirty="0">
+                <a:latin typeface="Moire Light" panose="02000304030000020004" pitchFamily="2" charset="0"/>
+              </a:rPr>
+              <a:t>Definition from </a:t>
+            </a:r>
+            <a:r>
+              <a:rPr lang="en-GB" sz="1700" dirty="0" smtClean="0">
+                <a:latin typeface="Moire Light" panose="02000304030000020004" pitchFamily="2" charset="0"/>
+              </a:rPr>
+              <a:t>“From game design </a:t>
+            </a:r>
+            <a:r>
+              <a:rPr lang="en-GB" sz="1700" dirty="0">
+                <a:latin typeface="Moire Light" panose="02000304030000020004" pitchFamily="2" charset="0"/>
+              </a:rPr>
+              <a:t>elements to </a:t>
+            </a:r>
+            <a:r>
+              <a:rPr lang="en-GB" sz="1700" dirty="0" err="1" smtClean="0">
+                <a:latin typeface="Moire Light" panose="02000304030000020004" pitchFamily="2" charset="0"/>
+              </a:rPr>
+              <a:t>gamefulness</a:t>
+            </a:r>
+            <a:r>
+              <a:rPr lang="en-GB" sz="1700" dirty="0" smtClean="0">
+                <a:latin typeface="Moire Light" panose="02000304030000020004" pitchFamily="2" charset="0"/>
+              </a:rPr>
+              <a:t> by </a:t>
+            </a:r>
+            <a:r>
+              <a:rPr lang="en-GB" sz="1700" dirty="0" err="1" smtClean="0">
+                <a:latin typeface="Moire Light" panose="02000304030000020004" pitchFamily="2" charset="0"/>
+              </a:rPr>
+              <a:t>Detarding</a:t>
+            </a:r>
+            <a:r>
+              <a:rPr lang="en-GB" sz="1700" dirty="0" smtClean="0">
+                <a:latin typeface="Moire Light" panose="02000304030000020004" pitchFamily="2" charset="0"/>
+              </a:rPr>
+              <a:t> et al. (2011)</a:t>
+            </a:r>
+            <a:endParaRPr lang="en-GB" sz="1700" dirty="0">
+              <a:latin typeface="Moire Light" panose="02000304030000020004" pitchFamily="2" charset="0"/>
+            </a:endParaRPr>
+          </a:p>
+        </p:txBody>
+      </p:sp>
+    </p:spTree>
+    <p:extLst>
+      <p:ext uri="{BB962C8B-B14F-4D97-AF65-F5344CB8AC3E}">
+        <p14:creationId xmlns:p14="http://schemas.microsoft.com/office/powerpoint/2010/main" val="3477072138"/>
+      </p:ext>
+    </p:extLst>
+  </p:cSld>
+  <p:clrMapOvr>
+    <a:masterClrMapping/>
+  </p:clrMapOvr>
+  <p:timing>
+    <p:tnLst>
+      <p:par>
+        <p:cTn id="1" dur="indefinite" restart="never" nodeType="tmRoot"/>
+      </p:par>
+    </p:tnLst>
+  </p:timing>
+</p:sld>
+</file>
+
+<file path=ppt/slides/slide4.xml><?xml version="1.0" encoding="utf-8"?>
+<p:sld xmlns:a="http://schemas.openxmlformats.org/drawingml/2006/main" xmlns:r="http://schemas.openxmlformats.org/officeDocument/2006/relationships" xmlns:p="http://schemas.openxmlformats.org/presentationml/2006/main">
+  <p:cSld>
+    <p:spTree>
+      <p:nvGrpSpPr>
+        <p:cNvPr id="1" name=""/>
+        <p:cNvGrpSpPr/>
+        <p:nvPr/>
+      </p:nvGrpSpPr>
+      <p:grpSpPr>
+        <a:xfrm>
+          <a:off x="0" y="0"/>
+          <a:ext cx="0" cy="0"/>
+          <a:chOff x="0" y="0"/>
+          <a:chExt cx="0" cy="0"/>
+        </a:xfrm>
+      </p:grpSpPr>
+      <p:sp>
+        <p:nvSpPr>
+          <p:cNvPr id="2" name="Title 1"/>
+          <p:cNvSpPr>
+            <a:spLocks noGrp="1"/>
+          </p:cNvSpPr>
+          <p:nvPr>
+            <p:ph type="title"/>
+          </p:nvPr>
+        </p:nvSpPr>
+        <p:spPr/>
+        <p:txBody>
+          <a:bodyPr/>
+          <a:lstStyle/>
+          <a:p>
+            <a:r>
+              <a:rPr lang="en-GB" dirty="0" smtClean="0">
+                <a:latin typeface="Moire Light" panose="02000304030000020004" pitchFamily="2" charset="0"/>
+              </a:rPr>
+              <a:t>Gamification</a:t>
+            </a:r>
+            <a:endParaRPr lang="en-GB" dirty="0">
+              <a:latin typeface="Moire Light" panose="02000304030000020004" pitchFamily="2" charset="0"/>
+            </a:endParaRPr>
+          </a:p>
+        </p:txBody>
+      </p:sp>
+      <p:sp>
+        <p:nvSpPr>
+          <p:cNvPr id="3" name="Content Placeholder 2"/>
+          <p:cNvSpPr>
+            <a:spLocks noGrp="1"/>
+          </p:cNvSpPr>
+          <p:nvPr>
+            <p:ph idx="1"/>
+          </p:nvPr>
+        </p:nvSpPr>
+        <p:spPr/>
+        <p:txBody>
+          <a:bodyPr/>
+          <a:lstStyle/>
+          <a:p>
+            <a:r>
+              <a:rPr lang="en-GB" dirty="0" smtClean="0">
+                <a:latin typeface="Moire Light" panose="02000304030000020004" pitchFamily="2" charset="0"/>
+              </a:rPr>
+              <a:t>Rapidly gained popularity from ~2010</a:t>
+            </a:r>
+          </a:p>
+          <a:p>
+            <a:r>
+              <a:rPr lang="en-GB" dirty="0" smtClean="0">
+                <a:latin typeface="Moire Light" panose="02000304030000020004" pitchFamily="2" charset="0"/>
+              </a:rPr>
+              <a:t>Roots in operant conditioning and basic human needs</a:t>
+            </a:r>
+          </a:p>
+          <a:p>
+            <a:r>
+              <a:rPr lang="en-GB" dirty="0" smtClean="0">
+                <a:latin typeface="Moire Light" panose="02000304030000020004" pitchFamily="2" charset="0"/>
+              </a:rPr>
+              <a:t>Rewards based on time rather than skill</a:t>
+            </a:r>
+          </a:p>
+          <a:p>
+            <a:endParaRPr lang="en-GB" dirty="0">
+              <a:latin typeface="Moire Light" panose="02000304030000020004" pitchFamily="2" charset="0"/>
+            </a:endParaRPr>
+          </a:p>
+        </p:txBody>
+      </p:sp>
+      <p:pic>
+        <p:nvPicPr>
+          <p:cNvPr id="1026" name="Picture 2" descr="D:\Documents\Dissertation\docs\img\usage-graph.PNG"/>
+          <p:cNvPicPr>
+            <a:picLocks noChangeAspect="1" noChangeArrowheads="1"/>
+          </p:cNvPicPr>
+          <p:nvPr/>
+        </p:nvPicPr>
+        <p:blipFill>
+          <a:blip r:embed="rId2">
+            <a:extLst>
+              <a:ext uri="{28A0092B-C50C-407E-A947-70E740481C1C}">
+                <a14:useLocalDpi xmlns:a14="http://schemas.microsoft.com/office/drawing/2010/main" val="0"/>
+              </a:ext>
+            </a:extLst>
+          </a:blip>
+          <a:srcRect/>
+          <a:stretch>
+            <a:fillRect/>
+          </a:stretch>
+        </p:blipFill>
+        <p:spPr bwMode="auto">
+          <a:xfrm>
+            <a:off x="2843808" y="4509120"/>
+            <a:ext cx="3078658" cy="1681676"/>
+          </a:xfrm>
+          <a:prstGeom prst="rect">
+            <a:avLst/>
+          </a:prstGeom>
+          <a:noFill/>
+          <a:extLst>
+            <a:ext uri="{909E8E84-426E-40DD-AFC4-6F175D3DCCD1}">
+              <a14:hiddenFill xmlns:a14="http://schemas.microsoft.com/office/drawing/2010/main">
+                <a:solidFill>
+                  <a:srgbClr val="FFFFFF"/>
+                </a:solidFill>
+              </a14:hiddenFill>
+            </a:ext>
+          </a:extLst>
+        </p:spPr>
+      </p:pic>
+      <p:sp>
+        <p:nvSpPr>
+          <p:cNvPr id="5" name="TextBox 4"/>
+          <p:cNvSpPr txBox="1"/>
+          <p:nvPr/>
+        </p:nvSpPr>
+        <p:spPr>
+          <a:xfrm>
+            <a:off x="0" y="6488668"/>
+            <a:ext cx="9144000" cy="369332"/>
+          </a:xfrm>
+          <a:prstGeom prst="rect">
+            <a:avLst/>
+          </a:prstGeom>
+          <a:noFill/>
+        </p:spPr>
+        <p:txBody>
+          <a:bodyPr wrap="square" rtlCol="0">
+            <a:spAutoFit/>
+          </a:bodyPr>
+          <a:lstStyle/>
+          <a:p>
+            <a:pPr algn="ctr"/>
+            <a:r>
+              <a:rPr lang="en-GB" dirty="0" smtClean="0">
+                <a:latin typeface="Moire Light" panose="02000304030000020004" pitchFamily="2" charset="0"/>
+              </a:rPr>
+              <a:t>Google Trends: proportion of gamification searches relative to the peak</a:t>
+            </a:r>
+            <a:endParaRPr lang="en-GB" dirty="0">
+              <a:latin typeface="Moire Light" panose="02000304030000020004" pitchFamily="2" charset="0"/>
+            </a:endParaRPr>
+          </a:p>
+        </p:txBody>
+      </p:sp>
+    </p:spTree>
+    <p:extLst>
+      <p:ext uri="{BB962C8B-B14F-4D97-AF65-F5344CB8AC3E}">
+        <p14:creationId xmlns:p14="http://schemas.microsoft.com/office/powerpoint/2010/main" val="985399660"/>
+      </p:ext>
+    </p:extLst>
+  </p:cSld>
+  <p:clrMapOvr>
+    <a:masterClrMapping/>
+  </p:clrMapOvr>
+  <p:timing>
+    <p:tnLst>
+      <p:par>
+        <p:cTn id="1" dur="indefinite" restart="never" nodeType="tmRoot"/>
+      </p:par>
+    </p:tnLst>
+  </p:timing>
+</p:sld>
+</file>
+
+<file path=ppt/slides/slide5.xml><?xml version="1.0" encoding="utf-8"?>
+<p:sld xmlns:a="http://schemas.openxmlformats.org/drawingml/2006/main" xmlns:r="http://schemas.openxmlformats.org/officeDocument/2006/relationships" xmlns:p="http://schemas.openxmlformats.org/presentationml/2006/main">
+  <p:cSld>
+    <p:spTree>
+      <p:nvGrpSpPr>
+        <p:cNvPr id="1" name=""/>
+        <p:cNvGrpSpPr/>
+        <p:nvPr/>
+      </p:nvGrpSpPr>
+      <p:grpSpPr>
+        <a:xfrm>
+          <a:off x="0" y="0"/>
+          <a:ext cx="0" cy="0"/>
+          <a:chOff x="0" y="0"/>
+          <a:chExt cx="0" cy="0"/>
+        </a:xfrm>
+      </p:grpSpPr>
+      <p:sp>
+        <p:nvSpPr>
+          <p:cNvPr id="2" name="Title 1"/>
+          <p:cNvSpPr>
+            <a:spLocks noGrp="1"/>
+          </p:cNvSpPr>
+          <p:nvPr>
+            <p:ph type="title"/>
+          </p:nvPr>
+        </p:nvSpPr>
+        <p:spPr/>
+        <p:txBody>
+          <a:bodyPr/>
+          <a:lstStyle/>
+          <a:p>
+            <a:r>
+              <a:rPr lang="en-GB" dirty="0">
+                <a:latin typeface="Moire Light" panose="02000304030000020004" pitchFamily="2" charset="0"/>
+              </a:rPr>
+              <a:t>What does </a:t>
+            </a:r>
+            <a:r>
+              <a:rPr lang="en-GB" dirty="0" err="1">
+                <a:latin typeface="Moire Light" panose="02000304030000020004" pitchFamily="2" charset="0"/>
+              </a:rPr>
+              <a:t>gamified</a:t>
+            </a:r>
+            <a:r>
+              <a:rPr lang="en-GB" dirty="0">
+                <a:latin typeface="Moire Light" panose="02000304030000020004" pitchFamily="2" charset="0"/>
+              </a:rPr>
+              <a:t> HE entail?</a:t>
+            </a:r>
           </a:p>
         </p:txBody>
       </p:sp>
@@ -13446,7 +11275,7 @@
         </p:blipFill>
         <p:spPr>
           <a:xfrm>
-            <a:off x="2411255" y="3378910"/>
+            <a:off x="2411255" y="3789040"/>
             <a:ext cx="4321489" cy="2744162"/>
           </a:xfrm>
           <a:prstGeom prst="rect">
@@ -13474,17 +11303,9 @@
 </p:sld>
 </file>
 
-<file path=ppt/slides/slide11.xml><?xml version="1.0" encoding="utf-8"?>
+<file path=ppt/slides/slide6.xml><?xml version="1.0" encoding="utf-8"?>
 <p:sld xmlns:a="http://schemas.openxmlformats.org/drawingml/2006/main" xmlns:r="http://schemas.openxmlformats.org/officeDocument/2006/relationships" xmlns:p="http://schemas.openxmlformats.org/presentationml/2006/main">
   <p:cSld>
-    <p:bg>
-      <p:bgPr>
-        <a:solidFill>
-          <a:srgbClr val="66CCFF"/>
-        </a:solidFill>
-        <a:effectLst/>
-      </p:bgPr>
-    </p:bg>
     <p:spTree>
       <p:nvGrpSpPr>
         <p:cNvPr id="1" name=""/>
@@ -13547,28 +11368,22 @@
               <a:rPr lang="en-GB" dirty="0" smtClean="0">
                 <a:latin typeface="Moire Light" panose="02000304030000020004" pitchFamily="2" charset="0"/>
               </a:rPr>
-              <a:t>Using </a:t>
-            </a:r>
-            <a:r>
-              <a:rPr lang="en-GB" dirty="0" err="1" smtClean="0">
-                <a:latin typeface="Moire Light" panose="02000304030000020004" pitchFamily="2" charset="0"/>
-              </a:rPr>
-              <a:t>gamified</a:t>
-            </a:r>
+              <a:t>Using data analysis to inform the education process</a:t>
+            </a:r>
+            <a:endParaRPr lang="en-GB" dirty="0" smtClean="0">
+              <a:latin typeface="Moire Light" panose="02000304030000020004" pitchFamily="2" charset="0"/>
+            </a:endParaRPr>
+          </a:p>
+          <a:p>
             <a:r>
               <a:rPr lang="en-GB" dirty="0" smtClean="0">
                 <a:latin typeface="Moire Light" panose="02000304030000020004" pitchFamily="2" charset="0"/>
               </a:rPr>
-              <a:t> systems to improve students’ experiences</a:t>
-            </a:r>
-          </a:p>
-          <a:p>
-            <a:r>
-              <a:rPr lang="en-GB" dirty="0" smtClean="0">
-                <a:latin typeface="Moire Light" panose="02000304030000020004" pitchFamily="2" charset="0"/>
-              </a:rPr>
-              <a:t>Institutions are (slowly) getting on board with gamification</a:t>
-            </a:r>
+              <a:t>A more personalised experience for students</a:t>
+            </a:r>
+            <a:endParaRPr lang="en-GB" dirty="0" smtClean="0">
+              <a:latin typeface="Moire Light" panose="02000304030000020004" pitchFamily="2" charset="0"/>
+            </a:endParaRPr>
           </a:p>
           <a:p>
             <a:endParaRPr lang="en-GB" dirty="0">
@@ -13598,8 +11413,8 @@
         </p:blipFill>
         <p:spPr bwMode="auto">
           <a:xfrm>
-            <a:off x="205792" y="3145416"/>
-            <a:ext cx="4248472" cy="2834407"/>
+            <a:off x="611560" y="3871581"/>
+            <a:ext cx="3585090" cy="2391826"/>
           </a:xfrm>
           <a:prstGeom prst="rect">
             <a:avLst/>
@@ -13637,8 +11452,8 @@
         </p:blipFill>
         <p:spPr bwMode="auto">
           <a:xfrm>
-            <a:off x="4716016" y="3140968"/>
-            <a:ext cx="4248472" cy="2834407"/>
+            <a:off x="4788024" y="3871581"/>
+            <a:ext cx="3585091" cy="2391826"/>
           </a:xfrm>
           <a:prstGeom prst="rect">
             <a:avLst/>
@@ -13710,913 +11525,9 @@
 </p:sld>
 </file>
 
-<file path=ppt/slides/slide12.xml><?xml version="1.0" encoding="utf-8"?>
+<file path=ppt/slides/slide7.xml><?xml version="1.0" encoding="utf-8"?>
 <p:sld xmlns:a="http://schemas.openxmlformats.org/drawingml/2006/main" xmlns:r="http://schemas.openxmlformats.org/officeDocument/2006/relationships" xmlns:p="http://schemas.openxmlformats.org/presentationml/2006/main">
   <p:cSld>
-    <p:bg>
-      <p:bgPr>
-        <a:solidFill>
-          <a:srgbClr val="66CCFF"/>
-        </a:solidFill>
-        <a:effectLst/>
-      </p:bgPr>
-    </p:bg>
-    <p:spTree>
-      <p:nvGrpSpPr>
-        <p:cNvPr id="1" name=""/>
-        <p:cNvGrpSpPr/>
-        <p:nvPr/>
-      </p:nvGrpSpPr>
-      <p:grpSpPr>
-        <a:xfrm>
-          <a:off x="0" y="0"/>
-          <a:ext cx="0" cy="0"/>
-          <a:chOff x="0" y="0"/>
-          <a:chExt cx="0" cy="0"/>
-        </a:xfrm>
-      </p:grpSpPr>
-      <p:sp>
-        <p:nvSpPr>
-          <p:cNvPr id="2" name="Title 1"/>
-          <p:cNvSpPr>
-            <a:spLocks noGrp="1"/>
-          </p:cNvSpPr>
-          <p:nvPr>
-            <p:ph type="title"/>
-          </p:nvPr>
-        </p:nvSpPr>
-        <p:spPr/>
-        <p:txBody>
-          <a:bodyPr/>
-          <a:lstStyle/>
-          <a:p>
-            <a:r>
-              <a:rPr lang="en-GB" dirty="0" smtClean="0">
-                <a:latin typeface="Moire Light" panose="02000304030000020004" pitchFamily="2" charset="0"/>
-              </a:rPr>
-              <a:t>Presentation Overview</a:t>
-            </a:r>
-            <a:endParaRPr lang="en-GB" dirty="0">
-              <a:latin typeface="Moire Light" panose="02000304030000020004" pitchFamily="2" charset="0"/>
-            </a:endParaRPr>
-          </a:p>
-        </p:txBody>
-      </p:sp>
-      <p:sp>
-        <p:nvSpPr>
-          <p:cNvPr id="3" name="Content Placeholder 2"/>
-          <p:cNvSpPr>
-            <a:spLocks noGrp="1"/>
-          </p:cNvSpPr>
-          <p:nvPr>
-            <p:ph idx="1"/>
-          </p:nvPr>
-        </p:nvSpPr>
-        <p:spPr/>
-        <p:txBody>
-          <a:bodyPr>
-            <a:normAutofit/>
-          </a:bodyPr>
-          <a:lstStyle/>
-          <a:p>
-            <a:r>
-              <a:rPr lang="en-GB" dirty="0" smtClean="0">
-                <a:latin typeface="Moire Light" panose="02000304030000020004" pitchFamily="2" charset="0"/>
-              </a:rPr>
-              <a:t>What are Bartle’s gamer </a:t>
-            </a:r>
-            <a:r>
-              <a:rPr lang="en-GB" dirty="0">
-                <a:latin typeface="Moire Light" panose="02000304030000020004" pitchFamily="2" charset="0"/>
-              </a:rPr>
-              <a:t>t</a:t>
-            </a:r>
-            <a:r>
-              <a:rPr lang="en-GB" dirty="0" smtClean="0">
-                <a:latin typeface="Moire Light" panose="02000304030000020004" pitchFamily="2" charset="0"/>
-              </a:rPr>
-              <a:t>ypes?</a:t>
-            </a:r>
-          </a:p>
-          <a:p>
-            <a:r>
-              <a:rPr lang="en-GB" dirty="0">
-                <a:latin typeface="Moire Light" panose="02000304030000020004" pitchFamily="2" charset="0"/>
-              </a:rPr>
-              <a:t>What is gamification</a:t>
-            </a:r>
-            <a:r>
-              <a:rPr lang="en-GB" dirty="0" smtClean="0">
-                <a:latin typeface="Moire Light" panose="02000304030000020004" pitchFamily="2" charset="0"/>
-              </a:rPr>
-              <a:t>?</a:t>
-            </a:r>
-            <a:endParaRPr lang="en-GB" b="1" dirty="0" smtClean="0">
-              <a:solidFill>
-                <a:srgbClr val="7030A0"/>
-              </a:solidFill>
-              <a:latin typeface="Moire Light" panose="02000304030000020004" pitchFamily="2" charset="0"/>
-            </a:endParaRPr>
-          </a:p>
-          <a:p>
-            <a:r>
-              <a:rPr lang="en-GB" dirty="0" smtClean="0">
-                <a:latin typeface="Moire Light" panose="02000304030000020004" pitchFamily="2" charset="0"/>
-              </a:rPr>
-              <a:t>What does </a:t>
-            </a:r>
-            <a:r>
-              <a:rPr lang="en-GB" dirty="0" err="1">
-                <a:latin typeface="Moire Light" panose="02000304030000020004" pitchFamily="2" charset="0"/>
-              </a:rPr>
-              <a:t>gamified</a:t>
-            </a:r>
-            <a:r>
-              <a:rPr lang="en-GB" dirty="0">
-                <a:latin typeface="Moire Light" panose="02000304030000020004" pitchFamily="2" charset="0"/>
-              </a:rPr>
-              <a:t> HE entail? </a:t>
-            </a:r>
-            <a:endParaRPr lang="en-GB" dirty="0" smtClean="0">
-              <a:latin typeface="Moire Light" panose="02000304030000020004" pitchFamily="2" charset="0"/>
-            </a:endParaRPr>
-          </a:p>
-          <a:p>
-            <a:r>
-              <a:rPr lang="en-GB" b="1" dirty="0" smtClean="0">
-                <a:solidFill>
-                  <a:srgbClr val="7030A0"/>
-                </a:solidFill>
-                <a:latin typeface="Moire Light" panose="02000304030000020004" pitchFamily="2" charset="0"/>
-              </a:rPr>
-              <a:t>What </a:t>
-            </a:r>
-            <a:r>
-              <a:rPr lang="en-GB" b="1" dirty="0" smtClean="0">
-                <a:solidFill>
-                  <a:srgbClr val="7030A0"/>
-                </a:solidFill>
-                <a:latin typeface="Moire Light" panose="02000304030000020004" pitchFamily="2" charset="0"/>
-              </a:rPr>
-              <a:t>the report was investigating</a:t>
-            </a:r>
-          </a:p>
-          <a:p>
-            <a:r>
-              <a:rPr lang="en-GB" dirty="0" smtClean="0">
-                <a:latin typeface="Moire Light" panose="02000304030000020004" pitchFamily="2" charset="0"/>
-              </a:rPr>
-              <a:t>Results and conclusion</a:t>
-            </a:r>
-          </a:p>
-          <a:p>
-            <a:r>
-              <a:rPr lang="en-GB" dirty="0" smtClean="0">
-                <a:latin typeface="Moire Light" panose="02000304030000020004" pitchFamily="2" charset="0"/>
-              </a:rPr>
-              <a:t>Further work and Evaluation</a:t>
-            </a:r>
-          </a:p>
-          <a:p>
-            <a:r>
-              <a:rPr lang="en-GB" dirty="0" smtClean="0">
-                <a:latin typeface="Moire Light" panose="02000304030000020004" pitchFamily="2" charset="0"/>
-              </a:rPr>
-              <a:t>Questions</a:t>
-            </a:r>
-            <a:endParaRPr lang="en-GB" dirty="0">
-              <a:latin typeface="Moire Light" panose="02000304030000020004" pitchFamily="2" charset="0"/>
-            </a:endParaRPr>
-          </a:p>
-        </p:txBody>
-      </p:sp>
-    </p:spTree>
-    <p:extLst>
-      <p:ext uri="{BB962C8B-B14F-4D97-AF65-F5344CB8AC3E}">
-        <p14:creationId xmlns:p14="http://schemas.microsoft.com/office/powerpoint/2010/main" val="2226539520"/>
-      </p:ext>
-    </p:extLst>
-  </p:cSld>
-  <p:clrMapOvr>
-    <a:masterClrMapping/>
-  </p:clrMapOvr>
-  <p:timing>
-    <p:tnLst>
-      <p:par>
-        <p:cTn id="1" dur="indefinite" restart="never" nodeType="tmRoot"/>
-      </p:par>
-    </p:tnLst>
-  </p:timing>
-</p:sld>
-</file>
-
-<file path=ppt/slides/slide13.xml><?xml version="1.0" encoding="utf-8"?>
-<p:sld xmlns:a="http://schemas.openxmlformats.org/drawingml/2006/main" xmlns:r="http://schemas.openxmlformats.org/officeDocument/2006/relationships" xmlns:p="http://schemas.openxmlformats.org/presentationml/2006/main">
-  <p:cSld>
-    <p:bg>
-      <p:bgPr>
-        <a:solidFill>
-          <a:srgbClr val="66CCFF"/>
-        </a:solidFill>
-        <a:effectLst/>
-      </p:bgPr>
-    </p:bg>
-    <p:spTree>
-      <p:nvGrpSpPr>
-        <p:cNvPr id="1" name=""/>
-        <p:cNvGrpSpPr/>
-        <p:nvPr/>
-      </p:nvGrpSpPr>
-      <p:grpSpPr>
-        <a:xfrm>
-          <a:off x="0" y="0"/>
-          <a:ext cx="0" cy="0"/>
-          <a:chOff x="0" y="0"/>
-          <a:chExt cx="0" cy="0"/>
-        </a:xfrm>
-      </p:grpSpPr>
-      <p:sp>
-        <p:nvSpPr>
-          <p:cNvPr id="2" name="Title 1"/>
-          <p:cNvSpPr>
-            <a:spLocks noGrp="1"/>
-          </p:cNvSpPr>
-          <p:nvPr>
-            <p:ph type="title"/>
-          </p:nvPr>
-        </p:nvSpPr>
-        <p:spPr/>
-        <p:txBody>
-          <a:bodyPr>
-            <a:normAutofit fontScale="90000"/>
-          </a:bodyPr>
-          <a:lstStyle/>
-          <a:p>
-            <a:r>
-              <a:rPr lang="en-GB" dirty="0" err="1">
-                <a:latin typeface="Moire Light" panose="02000304030000020004" pitchFamily="2" charset="0"/>
-              </a:rPr>
-              <a:t>Modeling</a:t>
-            </a:r>
-            <a:r>
-              <a:rPr lang="en-GB" dirty="0">
-                <a:latin typeface="Moire Light" panose="02000304030000020004" pitchFamily="2" charset="0"/>
-              </a:rPr>
-              <a:t> </a:t>
-            </a:r>
-            <a:r>
-              <a:rPr lang="en-GB" dirty="0" smtClean="0">
-                <a:latin typeface="Moire Light" panose="02000304030000020004" pitchFamily="2" charset="0"/>
-              </a:rPr>
-              <a:t>[sic] the </a:t>
-            </a:r>
-            <a:r>
-              <a:rPr lang="en-GB" dirty="0">
-                <a:latin typeface="Moire Light" panose="02000304030000020004" pitchFamily="2" charset="0"/>
-              </a:rPr>
-              <a:t>player, learner</a:t>
-            </a:r>
-            <a:br>
-              <a:rPr lang="en-GB" dirty="0">
-                <a:latin typeface="Moire Light" panose="02000304030000020004" pitchFamily="2" charset="0"/>
-              </a:rPr>
-            </a:br>
-            <a:r>
-              <a:rPr lang="en-GB" dirty="0">
-                <a:latin typeface="Moire Light" panose="02000304030000020004" pitchFamily="2" charset="0"/>
-              </a:rPr>
-              <a:t>and </a:t>
-            </a:r>
-            <a:r>
-              <a:rPr lang="en-GB" dirty="0" smtClean="0">
-                <a:latin typeface="Moire Light" panose="02000304030000020004" pitchFamily="2" charset="0"/>
-              </a:rPr>
-              <a:t>personality. </a:t>
-            </a:r>
-            <a:r>
-              <a:rPr lang="en-GB" dirty="0" err="1" smtClean="0">
-                <a:latin typeface="Moire Light" panose="02000304030000020004" pitchFamily="2" charset="0"/>
-              </a:rPr>
-              <a:t>Konnert</a:t>
-            </a:r>
-            <a:r>
-              <a:rPr lang="en-GB" dirty="0" smtClean="0">
-                <a:latin typeface="Moire Light" panose="02000304030000020004" pitchFamily="2" charset="0"/>
-              </a:rPr>
-              <a:t> et al., 2013</a:t>
-            </a:r>
-            <a:endParaRPr lang="en-GB" dirty="0">
-              <a:latin typeface="Moire Light" panose="02000304030000020004" pitchFamily="2" charset="0"/>
-            </a:endParaRPr>
-          </a:p>
-        </p:txBody>
-      </p:sp>
-      <p:sp>
-        <p:nvSpPr>
-          <p:cNvPr id="3" name="Content Placeholder 2"/>
-          <p:cNvSpPr>
-            <a:spLocks noGrp="1"/>
-          </p:cNvSpPr>
-          <p:nvPr>
-            <p:ph idx="1"/>
-          </p:nvPr>
-        </p:nvSpPr>
-        <p:spPr/>
-        <p:txBody>
-          <a:bodyPr>
-            <a:normAutofit/>
-          </a:bodyPr>
-          <a:lstStyle/>
-          <a:p>
-            <a:r>
-              <a:rPr lang="en-GB" dirty="0" smtClean="0">
-                <a:latin typeface="Moire Light" panose="02000304030000020004" pitchFamily="2" charset="0"/>
-              </a:rPr>
-              <a:t>Compares Bartle types to Kolb Learning Style Index and Big 5</a:t>
-            </a:r>
-          </a:p>
-          <a:p>
-            <a:r>
-              <a:rPr lang="en-GB" dirty="0" smtClean="0">
-                <a:latin typeface="Moire Light" panose="02000304030000020004" pitchFamily="2" charset="0"/>
-              </a:rPr>
-              <a:t>No interesting correlation between types</a:t>
-            </a:r>
-          </a:p>
-          <a:p>
-            <a:r>
-              <a:rPr lang="en-GB" dirty="0" smtClean="0">
-                <a:latin typeface="Moire Light" panose="02000304030000020004" pitchFamily="2" charset="0"/>
-              </a:rPr>
-              <a:t>Little explanation offered as </a:t>
-            </a:r>
-            <a:r>
-              <a:rPr lang="en-GB" smtClean="0">
-                <a:latin typeface="Moire Light" panose="02000304030000020004" pitchFamily="2" charset="0"/>
-              </a:rPr>
-              <a:t>to why</a:t>
-            </a:r>
-            <a:endParaRPr lang="en-GB" dirty="0" smtClean="0">
-              <a:latin typeface="Moire Light" panose="02000304030000020004" pitchFamily="2" charset="0"/>
-            </a:endParaRPr>
-          </a:p>
-          <a:p>
-            <a:endParaRPr lang="en-GB" dirty="0">
-              <a:latin typeface="Moire Light" panose="02000304030000020004" pitchFamily="2" charset="0"/>
-            </a:endParaRPr>
-          </a:p>
-        </p:txBody>
-      </p:sp>
-      <p:sp>
-        <p:nvSpPr>
-          <p:cNvPr id="7" name="TextBox 6"/>
-          <p:cNvSpPr txBox="1"/>
-          <p:nvPr/>
-        </p:nvSpPr>
-        <p:spPr>
-          <a:xfrm>
-            <a:off x="-108520" y="6143270"/>
-            <a:ext cx="9361040" cy="646331"/>
-          </a:xfrm>
-          <a:prstGeom prst="rect">
-            <a:avLst/>
-          </a:prstGeom>
-          <a:noFill/>
-        </p:spPr>
-        <p:txBody>
-          <a:bodyPr wrap="square" rtlCol="0">
-            <a:spAutoFit/>
-          </a:bodyPr>
-          <a:lstStyle/>
-          <a:p>
-            <a:pPr algn="ctr"/>
-            <a:r>
-              <a:rPr lang="en-GB" dirty="0">
-                <a:latin typeface="Moire Light" panose="02000304030000020004" pitchFamily="2" charset="0"/>
-              </a:rPr>
-              <a:t>Johannes </a:t>
-            </a:r>
-            <a:r>
-              <a:rPr lang="en-GB" dirty="0" err="1">
-                <a:latin typeface="Moire Light" panose="02000304030000020004" pitchFamily="2" charset="0"/>
-              </a:rPr>
-              <a:t>Konert</a:t>
-            </a:r>
-            <a:r>
-              <a:rPr lang="en-GB" dirty="0">
-                <a:latin typeface="Moire Light" panose="02000304030000020004" pitchFamily="2" charset="0"/>
-              </a:rPr>
-              <a:t>, Stefan </a:t>
-            </a:r>
-            <a:r>
-              <a:rPr lang="en-GB" dirty="0" err="1" smtClean="0">
-                <a:latin typeface="Moire Light" panose="02000304030000020004" pitchFamily="2" charset="0"/>
-              </a:rPr>
-              <a:t>Gobel</a:t>
-            </a:r>
-            <a:r>
-              <a:rPr lang="en-GB" dirty="0">
-                <a:latin typeface="Moire Light" panose="02000304030000020004" pitchFamily="2" charset="0"/>
-              </a:rPr>
-              <a:t>, and Ralf Steinmetz. </a:t>
-            </a:r>
-            <a:r>
-              <a:rPr lang="en-GB" dirty="0" err="1">
-                <a:latin typeface="Moire Light" panose="02000304030000020004" pitchFamily="2" charset="0"/>
-              </a:rPr>
-              <a:t>Modeling</a:t>
-            </a:r>
-            <a:r>
-              <a:rPr lang="en-GB" dirty="0">
-                <a:latin typeface="Moire Light" panose="02000304030000020004" pitchFamily="2" charset="0"/>
-              </a:rPr>
-              <a:t> the player, </a:t>
-            </a:r>
-            <a:r>
-              <a:rPr lang="en-GB" dirty="0" smtClean="0">
-                <a:latin typeface="Moire Light" panose="02000304030000020004" pitchFamily="2" charset="0"/>
-              </a:rPr>
-              <a:t>learner and </a:t>
-            </a:r>
-            <a:r>
-              <a:rPr lang="en-GB" dirty="0">
-                <a:latin typeface="Moire Light" panose="02000304030000020004" pitchFamily="2" charset="0"/>
-              </a:rPr>
-              <a:t>personality: Independency of the models of </a:t>
-            </a:r>
-            <a:r>
-              <a:rPr lang="en-GB" dirty="0" err="1">
-                <a:latin typeface="Moire Light" panose="02000304030000020004" pitchFamily="2" charset="0"/>
-              </a:rPr>
-              <a:t>bartle</a:t>
-            </a:r>
-            <a:r>
-              <a:rPr lang="en-GB" dirty="0">
-                <a:latin typeface="Moire Light" panose="02000304030000020004" pitchFamily="2" charset="0"/>
-              </a:rPr>
-              <a:t>, </a:t>
-            </a:r>
-            <a:r>
-              <a:rPr lang="en-GB" dirty="0" err="1">
-                <a:latin typeface="Moire Light" panose="02000304030000020004" pitchFamily="2" charset="0"/>
-              </a:rPr>
-              <a:t>kolb</a:t>
-            </a:r>
-            <a:r>
-              <a:rPr lang="en-GB" dirty="0">
-                <a:latin typeface="Moire Light" panose="02000304030000020004" pitchFamily="2" charset="0"/>
-              </a:rPr>
-              <a:t> and neo-</a:t>
-            </a:r>
-            <a:r>
-              <a:rPr lang="en-GB" dirty="0" err="1">
-                <a:latin typeface="Moire Light" panose="02000304030000020004" pitchFamily="2" charset="0"/>
-              </a:rPr>
-              <a:t>ffi</a:t>
-            </a:r>
-            <a:r>
-              <a:rPr lang="en-GB" dirty="0">
-                <a:latin typeface="Moire Light" panose="02000304030000020004" pitchFamily="2" charset="0"/>
-              </a:rPr>
-              <a:t> (big5) </a:t>
-            </a:r>
-            <a:r>
-              <a:rPr lang="en-GB" dirty="0" smtClean="0">
-                <a:latin typeface="Moire Light" panose="02000304030000020004" pitchFamily="2" charset="0"/>
-              </a:rPr>
-              <a:t>and the </a:t>
-            </a:r>
-            <a:r>
-              <a:rPr lang="en-GB" dirty="0">
-                <a:latin typeface="Moire Light" panose="02000304030000020004" pitchFamily="2" charset="0"/>
-              </a:rPr>
-              <a:t>implications for game based learning. </a:t>
-            </a:r>
-            <a:r>
-              <a:rPr lang="en-GB" dirty="0" smtClean="0">
-                <a:latin typeface="Moire Light" panose="02000304030000020004" pitchFamily="2" charset="0"/>
-              </a:rPr>
-              <a:t>7th </a:t>
-            </a:r>
-            <a:r>
-              <a:rPr lang="en-GB" dirty="0">
-                <a:latin typeface="Moire Light" panose="02000304030000020004" pitchFamily="2" charset="0"/>
-              </a:rPr>
-              <a:t>European Conference on </a:t>
-            </a:r>
-            <a:r>
-              <a:rPr lang="en-GB" dirty="0" smtClean="0">
-                <a:latin typeface="Moire Light" panose="02000304030000020004" pitchFamily="2" charset="0"/>
-              </a:rPr>
-              <a:t>Games Based </a:t>
-            </a:r>
-            <a:r>
-              <a:rPr lang="en-GB" dirty="0">
-                <a:latin typeface="Moire Light" panose="02000304030000020004" pitchFamily="2" charset="0"/>
-              </a:rPr>
-              <a:t>Learning, 2013.</a:t>
-            </a:r>
-            <a:endParaRPr lang="en-GB" dirty="0">
-              <a:latin typeface="Moire Light" panose="02000304030000020004" pitchFamily="2" charset="0"/>
-            </a:endParaRPr>
-          </a:p>
-        </p:txBody>
-      </p:sp>
-    </p:spTree>
-    <p:extLst>
-      <p:ext uri="{BB962C8B-B14F-4D97-AF65-F5344CB8AC3E}">
-        <p14:creationId xmlns:p14="http://schemas.microsoft.com/office/powerpoint/2010/main" val="1790184296"/>
-      </p:ext>
-    </p:extLst>
-  </p:cSld>
-  <p:clrMapOvr>
-    <a:masterClrMapping/>
-  </p:clrMapOvr>
-  <p:timing>
-    <p:tnLst>
-      <p:par>
-        <p:cTn id="1" dur="indefinite" restart="never" nodeType="tmRoot"/>
-      </p:par>
-    </p:tnLst>
-  </p:timing>
-</p:sld>
-</file>
-
-<file path=ppt/slides/slide2.xml><?xml version="1.0" encoding="utf-8"?>
-<p:sld xmlns:a="http://schemas.openxmlformats.org/drawingml/2006/main" xmlns:r="http://schemas.openxmlformats.org/officeDocument/2006/relationships" xmlns:p="http://schemas.openxmlformats.org/presentationml/2006/main">
-  <p:cSld>
-    <p:bg>
-      <p:bgPr>
-        <a:solidFill>
-          <a:srgbClr val="66CCFF"/>
-        </a:solidFill>
-        <a:effectLst/>
-      </p:bgPr>
-    </p:bg>
-    <p:spTree>
-      <p:nvGrpSpPr>
-        <p:cNvPr id="1" name=""/>
-        <p:cNvGrpSpPr/>
-        <p:nvPr/>
-      </p:nvGrpSpPr>
-      <p:grpSpPr>
-        <a:xfrm>
-          <a:off x="0" y="0"/>
-          <a:ext cx="0" cy="0"/>
-          <a:chOff x="0" y="0"/>
-          <a:chExt cx="0" cy="0"/>
-        </a:xfrm>
-      </p:grpSpPr>
-      <p:sp>
-        <p:nvSpPr>
-          <p:cNvPr id="2" name="Title 1"/>
-          <p:cNvSpPr>
-            <a:spLocks noGrp="1"/>
-          </p:cNvSpPr>
-          <p:nvPr>
-            <p:ph type="title"/>
-          </p:nvPr>
-        </p:nvSpPr>
-        <p:spPr/>
-        <p:txBody>
-          <a:bodyPr/>
-          <a:lstStyle/>
-          <a:p>
-            <a:r>
-              <a:rPr lang="en-GB" dirty="0" smtClean="0">
-                <a:latin typeface="Moire Light" panose="02000304030000020004" pitchFamily="2" charset="0"/>
-              </a:rPr>
-              <a:t>Presentation Overview</a:t>
-            </a:r>
-            <a:endParaRPr lang="en-GB" dirty="0">
-              <a:latin typeface="Moire Light" panose="02000304030000020004" pitchFamily="2" charset="0"/>
-            </a:endParaRPr>
-          </a:p>
-        </p:txBody>
-      </p:sp>
-      <p:sp>
-        <p:nvSpPr>
-          <p:cNvPr id="3" name="Content Placeholder 2"/>
-          <p:cNvSpPr>
-            <a:spLocks noGrp="1"/>
-          </p:cNvSpPr>
-          <p:nvPr>
-            <p:ph idx="1"/>
-          </p:nvPr>
-        </p:nvSpPr>
-        <p:spPr/>
-        <p:txBody>
-          <a:bodyPr>
-            <a:normAutofit/>
-          </a:bodyPr>
-          <a:lstStyle/>
-          <a:p>
-            <a:r>
-              <a:rPr lang="en-GB" dirty="0" smtClean="0">
-                <a:latin typeface="Moire Light" panose="02000304030000020004" pitchFamily="2" charset="0"/>
-              </a:rPr>
-              <a:t>What are Bartle’s gamer </a:t>
-            </a:r>
-            <a:r>
-              <a:rPr lang="en-GB" dirty="0">
-                <a:latin typeface="Moire Light" panose="02000304030000020004" pitchFamily="2" charset="0"/>
-              </a:rPr>
-              <a:t>t</a:t>
-            </a:r>
-            <a:r>
-              <a:rPr lang="en-GB" dirty="0" smtClean="0">
-                <a:latin typeface="Moire Light" panose="02000304030000020004" pitchFamily="2" charset="0"/>
-              </a:rPr>
-              <a:t>ypes?</a:t>
-            </a:r>
-          </a:p>
-          <a:p>
-            <a:r>
-              <a:rPr lang="en-GB" dirty="0">
-                <a:latin typeface="Moire Light" panose="02000304030000020004" pitchFamily="2" charset="0"/>
-              </a:rPr>
-              <a:t>What is gamification</a:t>
-            </a:r>
-            <a:r>
-              <a:rPr lang="en-GB" dirty="0" smtClean="0">
-                <a:latin typeface="Moire Light" panose="02000304030000020004" pitchFamily="2" charset="0"/>
-              </a:rPr>
-              <a:t>?</a:t>
-            </a:r>
-          </a:p>
-          <a:p>
-            <a:r>
-              <a:rPr lang="en-GB" dirty="0" smtClean="0">
-                <a:latin typeface="Moire Light" panose="02000304030000020004" pitchFamily="2" charset="0"/>
-              </a:rPr>
-              <a:t>What does gamified HE entail?</a:t>
-            </a:r>
-          </a:p>
-          <a:p>
-            <a:r>
-              <a:rPr lang="en-GB" dirty="0" smtClean="0">
-                <a:latin typeface="Moire Light" panose="02000304030000020004" pitchFamily="2" charset="0"/>
-              </a:rPr>
-              <a:t>What the report was investigating</a:t>
-            </a:r>
-          </a:p>
-          <a:p>
-            <a:r>
-              <a:rPr lang="en-GB" dirty="0" smtClean="0">
-                <a:latin typeface="Moire Light" panose="02000304030000020004" pitchFamily="2" charset="0"/>
-              </a:rPr>
-              <a:t>Results and conclusion</a:t>
-            </a:r>
-          </a:p>
-          <a:p>
-            <a:r>
-              <a:rPr lang="en-GB" dirty="0" smtClean="0">
-                <a:latin typeface="Moire Light" panose="02000304030000020004" pitchFamily="2" charset="0"/>
-              </a:rPr>
-              <a:t>Further work and Evaluation</a:t>
-            </a:r>
-          </a:p>
-          <a:p>
-            <a:r>
-              <a:rPr lang="en-GB" dirty="0" smtClean="0">
-                <a:latin typeface="Moire Light" panose="02000304030000020004" pitchFamily="2" charset="0"/>
-              </a:rPr>
-              <a:t>Questions</a:t>
-            </a:r>
-            <a:endParaRPr lang="en-GB" dirty="0">
-              <a:latin typeface="Moire Light" panose="02000304030000020004" pitchFamily="2" charset="0"/>
-            </a:endParaRPr>
-          </a:p>
-        </p:txBody>
-      </p:sp>
-    </p:spTree>
-    <p:extLst>
-      <p:ext uri="{BB962C8B-B14F-4D97-AF65-F5344CB8AC3E}">
-        <p14:creationId xmlns:p14="http://schemas.microsoft.com/office/powerpoint/2010/main" val="4142972177"/>
-      </p:ext>
-    </p:extLst>
-  </p:cSld>
-  <p:clrMapOvr>
-    <a:masterClrMapping/>
-  </p:clrMapOvr>
-  <p:timing>
-    <p:tnLst>
-      <p:par>
-        <p:cTn id="1" dur="indefinite" restart="never" nodeType="tmRoot"/>
-      </p:par>
-    </p:tnLst>
-  </p:timing>
-</p:sld>
-</file>
-
-<file path=ppt/slides/slide3.xml><?xml version="1.0" encoding="utf-8"?>
-<p:sld xmlns:a="http://schemas.openxmlformats.org/drawingml/2006/main" xmlns:r="http://schemas.openxmlformats.org/officeDocument/2006/relationships" xmlns:p="http://schemas.openxmlformats.org/presentationml/2006/main">
-  <p:cSld>
-    <p:bg>
-      <p:bgPr>
-        <a:solidFill>
-          <a:srgbClr val="66CCFF"/>
-        </a:solidFill>
-        <a:effectLst/>
-      </p:bgPr>
-    </p:bg>
-    <p:spTree>
-      <p:nvGrpSpPr>
-        <p:cNvPr id="1" name=""/>
-        <p:cNvGrpSpPr/>
-        <p:nvPr/>
-      </p:nvGrpSpPr>
-      <p:grpSpPr>
-        <a:xfrm>
-          <a:off x="0" y="0"/>
-          <a:ext cx="0" cy="0"/>
-          <a:chOff x="0" y="0"/>
-          <a:chExt cx="0" cy="0"/>
-        </a:xfrm>
-      </p:grpSpPr>
-      <p:sp>
-        <p:nvSpPr>
-          <p:cNvPr id="2" name="Title 1"/>
-          <p:cNvSpPr>
-            <a:spLocks noGrp="1"/>
-          </p:cNvSpPr>
-          <p:nvPr>
-            <p:ph type="title"/>
-          </p:nvPr>
-        </p:nvSpPr>
-        <p:spPr/>
-        <p:txBody>
-          <a:bodyPr/>
-          <a:lstStyle/>
-          <a:p>
-            <a:r>
-              <a:rPr lang="en-GB" dirty="0" smtClean="0">
-                <a:latin typeface="Moire Light" panose="02000304030000020004" pitchFamily="2" charset="0"/>
-              </a:rPr>
-              <a:t>Presentation Overview</a:t>
-            </a:r>
-            <a:endParaRPr lang="en-GB" dirty="0">
-              <a:latin typeface="Moire Light" panose="02000304030000020004" pitchFamily="2" charset="0"/>
-            </a:endParaRPr>
-          </a:p>
-        </p:txBody>
-      </p:sp>
-      <p:sp>
-        <p:nvSpPr>
-          <p:cNvPr id="3" name="Content Placeholder 2"/>
-          <p:cNvSpPr>
-            <a:spLocks noGrp="1"/>
-          </p:cNvSpPr>
-          <p:nvPr>
-            <p:ph idx="1"/>
-          </p:nvPr>
-        </p:nvSpPr>
-        <p:spPr/>
-        <p:txBody>
-          <a:bodyPr>
-            <a:normAutofit/>
-          </a:bodyPr>
-          <a:lstStyle/>
-          <a:p>
-            <a:r>
-              <a:rPr lang="en-GB" b="1" dirty="0" smtClean="0">
-                <a:solidFill>
-                  <a:srgbClr val="7030A0"/>
-                </a:solidFill>
-                <a:latin typeface="Moire Light" panose="02000304030000020004" pitchFamily="2" charset="0"/>
-              </a:rPr>
-              <a:t>What are Bartle’s gamer </a:t>
-            </a:r>
-            <a:r>
-              <a:rPr lang="en-GB" b="1" dirty="0">
-                <a:solidFill>
-                  <a:srgbClr val="7030A0"/>
-                </a:solidFill>
-                <a:latin typeface="Moire Light" panose="02000304030000020004" pitchFamily="2" charset="0"/>
-              </a:rPr>
-              <a:t>t</a:t>
-            </a:r>
-            <a:r>
-              <a:rPr lang="en-GB" b="1" dirty="0" smtClean="0">
-                <a:solidFill>
-                  <a:srgbClr val="7030A0"/>
-                </a:solidFill>
-                <a:latin typeface="Moire Light" panose="02000304030000020004" pitchFamily="2" charset="0"/>
-              </a:rPr>
-              <a:t>ypes?</a:t>
-            </a:r>
-          </a:p>
-          <a:p>
-            <a:r>
-              <a:rPr lang="en-GB" dirty="0">
-                <a:latin typeface="Moire Light" panose="02000304030000020004" pitchFamily="2" charset="0"/>
-              </a:rPr>
-              <a:t>What is gamification</a:t>
-            </a:r>
-            <a:r>
-              <a:rPr lang="en-GB" dirty="0" smtClean="0">
-                <a:latin typeface="Moire Light" panose="02000304030000020004" pitchFamily="2" charset="0"/>
-              </a:rPr>
-              <a:t>?</a:t>
-            </a:r>
-          </a:p>
-          <a:p>
-            <a:r>
-              <a:rPr lang="en-GB" dirty="0" smtClean="0">
-                <a:latin typeface="Moire Light" panose="02000304030000020004" pitchFamily="2" charset="0"/>
-              </a:rPr>
-              <a:t>What does </a:t>
-            </a:r>
-            <a:r>
-              <a:rPr lang="en-GB" dirty="0" err="1">
-                <a:latin typeface="Moire Light" panose="02000304030000020004" pitchFamily="2" charset="0"/>
-              </a:rPr>
-              <a:t>gamified</a:t>
-            </a:r>
-            <a:r>
-              <a:rPr lang="en-GB" dirty="0">
-                <a:latin typeface="Moire Light" panose="02000304030000020004" pitchFamily="2" charset="0"/>
-              </a:rPr>
-              <a:t> HE entail? </a:t>
-            </a:r>
-            <a:endParaRPr lang="en-GB" dirty="0" smtClean="0">
-              <a:latin typeface="Moire Light" panose="02000304030000020004" pitchFamily="2" charset="0"/>
-            </a:endParaRPr>
-          </a:p>
-          <a:p>
-            <a:r>
-              <a:rPr lang="en-GB" dirty="0" smtClean="0">
-                <a:latin typeface="Moire Light" panose="02000304030000020004" pitchFamily="2" charset="0"/>
-              </a:rPr>
-              <a:t>What </a:t>
-            </a:r>
-            <a:r>
-              <a:rPr lang="en-GB" dirty="0" smtClean="0">
-                <a:latin typeface="Moire Light" panose="02000304030000020004" pitchFamily="2" charset="0"/>
-              </a:rPr>
-              <a:t>the report was investigating</a:t>
-            </a:r>
-          </a:p>
-          <a:p>
-            <a:r>
-              <a:rPr lang="en-GB" dirty="0" smtClean="0">
-                <a:latin typeface="Moire Light" panose="02000304030000020004" pitchFamily="2" charset="0"/>
-              </a:rPr>
-              <a:t>Results and conclusion</a:t>
-            </a:r>
-          </a:p>
-          <a:p>
-            <a:r>
-              <a:rPr lang="en-GB" dirty="0" smtClean="0">
-                <a:latin typeface="Moire Light" panose="02000304030000020004" pitchFamily="2" charset="0"/>
-              </a:rPr>
-              <a:t>Further work and Evaluation</a:t>
-            </a:r>
-          </a:p>
-          <a:p>
-            <a:r>
-              <a:rPr lang="en-GB" dirty="0" smtClean="0">
-                <a:latin typeface="Moire Light" panose="02000304030000020004" pitchFamily="2" charset="0"/>
-              </a:rPr>
-              <a:t>Questions</a:t>
-            </a:r>
-            <a:endParaRPr lang="en-GB" dirty="0">
-              <a:latin typeface="Moire Light" panose="02000304030000020004" pitchFamily="2" charset="0"/>
-            </a:endParaRPr>
-          </a:p>
-        </p:txBody>
-      </p:sp>
-    </p:spTree>
-    <p:extLst>
-      <p:ext uri="{BB962C8B-B14F-4D97-AF65-F5344CB8AC3E}">
-        <p14:creationId xmlns:p14="http://schemas.microsoft.com/office/powerpoint/2010/main" val="2859549385"/>
-      </p:ext>
-    </p:extLst>
-  </p:cSld>
-  <p:clrMapOvr>
-    <a:masterClrMapping/>
-  </p:clrMapOvr>
-  <p:timing>
-    <p:tnLst>
-      <p:par>
-        <p:cTn id="1" dur="indefinite" restart="never" nodeType="tmRoot"/>
-      </p:par>
-    </p:tnLst>
-  </p:timing>
-</p:sld>
-</file>
-
-<file path=ppt/slides/slide4.xml><?xml version="1.0" encoding="utf-8"?>
-<p:sld xmlns:a="http://schemas.openxmlformats.org/drawingml/2006/main" xmlns:r="http://schemas.openxmlformats.org/officeDocument/2006/relationships" xmlns:p="http://schemas.openxmlformats.org/presentationml/2006/main">
-  <p:cSld>
-    <p:bg>
-      <p:bgPr>
-        <a:solidFill>
-          <a:srgbClr val="66CCFF"/>
-        </a:solidFill>
-        <a:effectLst/>
-      </p:bgPr>
-    </p:bg>
     <p:spTree>
       <p:nvGrpSpPr>
         <p:cNvPr id="1" name=""/>
@@ -14935,17 +11846,9 @@
 </p:sld>
 </file>
 
-<file path=ppt/slides/slide5.xml><?xml version="1.0" encoding="utf-8"?>
+<file path=ppt/slides/slide8.xml><?xml version="1.0" encoding="utf-8"?>
 <p:sld xmlns:a="http://schemas.openxmlformats.org/drawingml/2006/main" xmlns:r="http://schemas.openxmlformats.org/officeDocument/2006/relationships" xmlns:p="http://schemas.openxmlformats.org/presentationml/2006/main">
   <p:cSld>
-    <p:bg>
-      <p:bgPr>
-        <a:solidFill>
-          <a:srgbClr val="66CCFF"/>
-        </a:solidFill>
-        <a:effectLst/>
-      </p:bgPr>
-    </p:bg>
     <p:spTree>
       <p:nvGrpSpPr>
         <p:cNvPr id="1" name=""/>
@@ -15117,17 +12020,9 @@
 </p:sld>
 </file>
 
-<file path=ppt/slides/slide6.xml><?xml version="1.0" encoding="utf-8"?>
+<file path=ppt/slides/slide9.xml><?xml version="1.0" encoding="utf-8"?>
 <p:sld xmlns:a="http://schemas.openxmlformats.org/drawingml/2006/main" xmlns:r="http://schemas.openxmlformats.org/officeDocument/2006/relationships" xmlns:p="http://schemas.openxmlformats.org/presentationml/2006/main">
   <p:cSld>
-    <p:bg>
-      <p:bgPr>
-        <a:solidFill>
-          <a:srgbClr val="66CCFF"/>
-        </a:solidFill>
-        <a:effectLst/>
-      </p:bgPr>
-    </p:bg>
     <p:spTree>
       <p:nvGrpSpPr>
         <p:cNvPr id="1" name=""/>
@@ -15195,8 +12090,31 @@
               <a:rPr lang="en-GB" dirty="0" smtClean="0">
                 <a:latin typeface="Moire Light" panose="02000304030000020004" pitchFamily="2" charset="0"/>
               </a:rPr>
-              <a:t>A way to describe ecosystems of players in large online worlds</a:t>
-            </a:r>
+              <a:t>Describe </a:t>
+            </a:r>
+            <a:r>
+              <a:rPr lang="en-GB" dirty="0" smtClean="0">
+                <a:latin typeface="Moire Light" panose="02000304030000020004" pitchFamily="2" charset="0"/>
+              </a:rPr>
+              <a:t>ecosystems of </a:t>
+            </a:r>
+            <a:r>
+              <a:rPr lang="en-GB" dirty="0" smtClean="0">
+                <a:latin typeface="Moire Light" panose="02000304030000020004" pitchFamily="2" charset="0"/>
+              </a:rPr>
+              <a:t>players</a:t>
+            </a:r>
+          </a:p>
+          <a:p>
+            <a:r>
+              <a:rPr lang="en-GB" dirty="0" smtClean="0">
+                <a:latin typeface="Moire Light" panose="02000304030000020004" pitchFamily="2" charset="0"/>
+              </a:rPr>
+              <a:t>Widely used in gamification</a:t>
+            </a:r>
+            <a:endParaRPr lang="en-GB" dirty="0" smtClean="0">
+              <a:latin typeface="Moire Light" panose="02000304030000020004" pitchFamily="2" charset="0"/>
+            </a:endParaRPr>
           </a:p>
         </p:txBody>
       </p:sp>
@@ -15233,8 +12151,8 @@
         </p:blipFill>
         <p:spPr bwMode="auto">
           <a:xfrm>
-            <a:off x="2483768" y="2636912"/>
-            <a:ext cx="3778982" cy="3650070"/>
+            <a:off x="2699792" y="3123772"/>
+            <a:ext cx="3274926" cy="3163209"/>
           </a:xfrm>
           <a:prstGeom prst="rect">
             <a:avLst/>
@@ -15333,646 +12251,6 @@
     <p:extLst>
       <p:ext uri="{BB962C8B-B14F-4D97-AF65-F5344CB8AC3E}">
         <p14:creationId xmlns:p14="http://schemas.microsoft.com/office/powerpoint/2010/main" val="3409121352"/>
-      </p:ext>
-    </p:extLst>
-  </p:cSld>
-  <p:clrMapOvr>
-    <a:masterClrMapping/>
-  </p:clrMapOvr>
-  <p:timing>
-    <p:tnLst>
-      <p:par>
-        <p:cTn id="1" dur="indefinite" restart="never" nodeType="tmRoot"/>
-      </p:par>
-    </p:tnLst>
-  </p:timing>
-</p:sld>
-</file>
-
-<file path=ppt/slides/slide7.xml><?xml version="1.0" encoding="utf-8"?>
-<p:sld xmlns:a="http://schemas.openxmlformats.org/drawingml/2006/main" xmlns:r="http://schemas.openxmlformats.org/officeDocument/2006/relationships" xmlns:p="http://schemas.openxmlformats.org/presentationml/2006/main">
-  <p:cSld>
-    <p:bg>
-      <p:bgPr>
-        <a:solidFill>
-          <a:srgbClr val="66CCFF"/>
-        </a:solidFill>
-        <a:effectLst/>
-      </p:bgPr>
-    </p:bg>
-    <p:spTree>
-      <p:nvGrpSpPr>
-        <p:cNvPr id="1" name=""/>
-        <p:cNvGrpSpPr/>
-        <p:nvPr/>
-      </p:nvGrpSpPr>
-      <p:grpSpPr>
-        <a:xfrm>
-          <a:off x="0" y="0"/>
-          <a:ext cx="0" cy="0"/>
-          <a:chOff x="0" y="0"/>
-          <a:chExt cx="0" cy="0"/>
-        </a:xfrm>
-      </p:grpSpPr>
-      <p:sp>
-        <p:nvSpPr>
-          <p:cNvPr id="2" name="Title 1"/>
-          <p:cNvSpPr>
-            <a:spLocks noGrp="1"/>
-          </p:cNvSpPr>
-          <p:nvPr>
-            <p:ph type="title"/>
-          </p:nvPr>
-        </p:nvSpPr>
-        <p:spPr/>
-        <p:txBody>
-          <a:bodyPr/>
-          <a:lstStyle/>
-          <a:p>
-            <a:r>
-              <a:rPr lang="en-GB" dirty="0" smtClean="0">
-                <a:latin typeface="Moire Light" panose="02000304030000020004" pitchFamily="2" charset="0"/>
-              </a:rPr>
-              <a:t>Presentation Overview</a:t>
-            </a:r>
-            <a:endParaRPr lang="en-GB" dirty="0">
-              <a:latin typeface="Moire Light" panose="02000304030000020004" pitchFamily="2" charset="0"/>
-            </a:endParaRPr>
-          </a:p>
-        </p:txBody>
-      </p:sp>
-      <p:sp>
-        <p:nvSpPr>
-          <p:cNvPr id="3" name="Content Placeholder 2"/>
-          <p:cNvSpPr>
-            <a:spLocks noGrp="1"/>
-          </p:cNvSpPr>
-          <p:nvPr>
-            <p:ph idx="1"/>
-          </p:nvPr>
-        </p:nvSpPr>
-        <p:spPr/>
-        <p:txBody>
-          <a:bodyPr>
-            <a:normAutofit/>
-          </a:bodyPr>
-          <a:lstStyle/>
-          <a:p>
-            <a:r>
-              <a:rPr lang="en-GB" dirty="0" smtClean="0">
-                <a:latin typeface="Moire Light" panose="02000304030000020004" pitchFamily="2" charset="0"/>
-              </a:rPr>
-              <a:t>What are Bartle’s gamer </a:t>
-            </a:r>
-            <a:r>
-              <a:rPr lang="en-GB" dirty="0">
-                <a:latin typeface="Moire Light" panose="02000304030000020004" pitchFamily="2" charset="0"/>
-              </a:rPr>
-              <a:t>t</a:t>
-            </a:r>
-            <a:r>
-              <a:rPr lang="en-GB" dirty="0" smtClean="0">
-                <a:latin typeface="Moire Light" panose="02000304030000020004" pitchFamily="2" charset="0"/>
-              </a:rPr>
-              <a:t>ypes?</a:t>
-            </a:r>
-          </a:p>
-          <a:p>
-            <a:r>
-              <a:rPr lang="en-GB" b="1" dirty="0">
-                <a:solidFill>
-                  <a:srgbClr val="7030A0"/>
-                </a:solidFill>
-                <a:latin typeface="Moire Light" panose="02000304030000020004" pitchFamily="2" charset="0"/>
-              </a:rPr>
-              <a:t>What is gamification</a:t>
-            </a:r>
-            <a:r>
-              <a:rPr lang="en-GB" b="1" dirty="0" smtClean="0">
-                <a:solidFill>
-                  <a:srgbClr val="7030A0"/>
-                </a:solidFill>
-                <a:latin typeface="Moire Light" panose="02000304030000020004" pitchFamily="2" charset="0"/>
-              </a:rPr>
-              <a:t>?</a:t>
-            </a:r>
-            <a:endParaRPr lang="en-GB" dirty="0" smtClean="0">
-              <a:latin typeface="Moire Light" panose="02000304030000020004" pitchFamily="2" charset="0"/>
-            </a:endParaRPr>
-          </a:p>
-          <a:p>
-            <a:r>
-              <a:rPr lang="en-GB" dirty="0" smtClean="0">
-                <a:latin typeface="Moire Light" panose="02000304030000020004" pitchFamily="2" charset="0"/>
-              </a:rPr>
-              <a:t>What does </a:t>
-            </a:r>
-            <a:r>
-              <a:rPr lang="en-GB" dirty="0" err="1">
-                <a:latin typeface="Moire Light" panose="02000304030000020004" pitchFamily="2" charset="0"/>
-              </a:rPr>
-              <a:t>gamified</a:t>
-            </a:r>
-            <a:r>
-              <a:rPr lang="en-GB" dirty="0">
-                <a:latin typeface="Moire Light" panose="02000304030000020004" pitchFamily="2" charset="0"/>
-              </a:rPr>
-              <a:t> HE entail? </a:t>
-            </a:r>
-            <a:endParaRPr lang="en-GB" dirty="0" smtClean="0">
-              <a:latin typeface="Moire Light" panose="02000304030000020004" pitchFamily="2" charset="0"/>
-            </a:endParaRPr>
-          </a:p>
-          <a:p>
-            <a:r>
-              <a:rPr lang="en-GB" dirty="0" smtClean="0">
-                <a:latin typeface="Moire Light" panose="02000304030000020004" pitchFamily="2" charset="0"/>
-              </a:rPr>
-              <a:t>What </a:t>
-            </a:r>
-            <a:r>
-              <a:rPr lang="en-GB" dirty="0" smtClean="0">
-                <a:latin typeface="Moire Light" panose="02000304030000020004" pitchFamily="2" charset="0"/>
-              </a:rPr>
-              <a:t>the report was investigating</a:t>
-            </a:r>
-          </a:p>
-          <a:p>
-            <a:r>
-              <a:rPr lang="en-GB" dirty="0" smtClean="0">
-                <a:latin typeface="Moire Light" panose="02000304030000020004" pitchFamily="2" charset="0"/>
-              </a:rPr>
-              <a:t>Results and conclusion</a:t>
-            </a:r>
-          </a:p>
-          <a:p>
-            <a:r>
-              <a:rPr lang="en-GB" dirty="0" smtClean="0">
-                <a:latin typeface="Moire Light" panose="02000304030000020004" pitchFamily="2" charset="0"/>
-              </a:rPr>
-              <a:t>Further work and Evaluation</a:t>
-            </a:r>
-          </a:p>
-          <a:p>
-            <a:r>
-              <a:rPr lang="en-GB" dirty="0" smtClean="0">
-                <a:latin typeface="Moire Light" panose="02000304030000020004" pitchFamily="2" charset="0"/>
-              </a:rPr>
-              <a:t>Questions</a:t>
-            </a:r>
-            <a:endParaRPr lang="en-GB" dirty="0">
-              <a:latin typeface="Moire Light" panose="02000304030000020004" pitchFamily="2" charset="0"/>
-            </a:endParaRPr>
-          </a:p>
-        </p:txBody>
-      </p:sp>
-    </p:spTree>
-    <p:extLst>
-      <p:ext uri="{BB962C8B-B14F-4D97-AF65-F5344CB8AC3E}">
-        <p14:creationId xmlns:p14="http://schemas.microsoft.com/office/powerpoint/2010/main" val="3477072138"/>
-      </p:ext>
-    </p:extLst>
-  </p:cSld>
-  <p:clrMapOvr>
-    <a:masterClrMapping/>
-  </p:clrMapOvr>
-  <p:timing>
-    <p:tnLst>
-      <p:par>
-        <p:cTn id="1" dur="indefinite" restart="never" nodeType="tmRoot"/>
-      </p:par>
-    </p:tnLst>
-  </p:timing>
-</p:sld>
-</file>
-
-<file path=ppt/slides/slide8.xml><?xml version="1.0" encoding="utf-8"?>
-<p:sld xmlns:a="http://schemas.openxmlformats.org/drawingml/2006/main" xmlns:r="http://schemas.openxmlformats.org/officeDocument/2006/relationships" xmlns:p="http://schemas.openxmlformats.org/presentationml/2006/main">
-  <p:cSld>
-    <p:bg>
-      <p:bgPr>
-        <a:solidFill>
-          <a:srgbClr val="66CCFF"/>
-        </a:solidFill>
-        <a:effectLst/>
-      </p:bgPr>
-    </p:bg>
-    <p:spTree>
-      <p:nvGrpSpPr>
-        <p:cNvPr id="1" name=""/>
-        <p:cNvGrpSpPr/>
-        <p:nvPr/>
-      </p:nvGrpSpPr>
-      <p:grpSpPr>
-        <a:xfrm>
-          <a:off x="0" y="0"/>
-          <a:ext cx="0" cy="0"/>
-          <a:chOff x="0" y="0"/>
-          <a:chExt cx="0" cy="0"/>
-        </a:xfrm>
-      </p:grpSpPr>
-      <p:sp>
-        <p:nvSpPr>
-          <p:cNvPr id="2" name="Title 1"/>
-          <p:cNvSpPr>
-            <a:spLocks noGrp="1"/>
-          </p:cNvSpPr>
-          <p:nvPr>
-            <p:ph type="title"/>
-          </p:nvPr>
-        </p:nvSpPr>
-        <p:spPr/>
-        <p:txBody>
-          <a:bodyPr/>
-          <a:lstStyle/>
-          <a:p>
-            <a:r>
-              <a:rPr lang="en-GB" dirty="0" smtClean="0">
-                <a:latin typeface="Moire Light" panose="02000304030000020004" pitchFamily="2" charset="0"/>
-              </a:rPr>
-              <a:t>Gamification</a:t>
-            </a:r>
-            <a:endParaRPr lang="en-GB" dirty="0">
-              <a:latin typeface="Moire Light" panose="02000304030000020004" pitchFamily="2" charset="0"/>
-            </a:endParaRPr>
-          </a:p>
-        </p:txBody>
-      </p:sp>
-      <p:sp>
-        <p:nvSpPr>
-          <p:cNvPr id="3" name="Content Placeholder 2"/>
-          <p:cNvSpPr>
-            <a:spLocks noGrp="1"/>
-          </p:cNvSpPr>
-          <p:nvPr>
-            <p:ph idx="1"/>
-          </p:nvPr>
-        </p:nvSpPr>
-        <p:spPr/>
-        <p:txBody>
-          <a:bodyPr/>
-          <a:lstStyle/>
-          <a:p>
-            <a:pPr marL="0" indent="0" algn="ctr">
-              <a:buNone/>
-            </a:pPr>
-            <a:r>
-              <a:rPr lang="en-GB" dirty="0" smtClean="0">
-                <a:latin typeface="Moire Light" panose="02000304030000020004" pitchFamily="2" charset="0"/>
-              </a:rPr>
-              <a:t>“The </a:t>
-            </a:r>
-            <a:r>
-              <a:rPr lang="en-GB" dirty="0">
-                <a:latin typeface="Moire Light" panose="02000304030000020004" pitchFamily="2" charset="0"/>
-              </a:rPr>
-              <a:t>use of game </a:t>
-            </a:r>
-            <a:r>
-              <a:rPr lang="en-GB" dirty="0" smtClean="0">
-                <a:latin typeface="Moire Light" panose="02000304030000020004" pitchFamily="2" charset="0"/>
-              </a:rPr>
-              <a:t>design elements </a:t>
-            </a:r>
-          </a:p>
-          <a:p>
-            <a:pPr marL="0" indent="0" algn="ctr">
-              <a:buNone/>
-            </a:pPr>
-            <a:r>
-              <a:rPr lang="en-GB" dirty="0" smtClean="0">
-                <a:latin typeface="Moire Light" panose="02000304030000020004" pitchFamily="2" charset="0"/>
-              </a:rPr>
-              <a:t>in </a:t>
-            </a:r>
-            <a:r>
-              <a:rPr lang="en-GB" dirty="0">
-                <a:latin typeface="Moire Light" panose="02000304030000020004" pitchFamily="2" charset="0"/>
-              </a:rPr>
-              <a:t>non-game </a:t>
-            </a:r>
-            <a:r>
-              <a:rPr lang="en-GB" dirty="0" smtClean="0">
-                <a:latin typeface="Moire Light" panose="02000304030000020004" pitchFamily="2" charset="0"/>
-              </a:rPr>
-              <a:t>contexts”</a:t>
-            </a:r>
-          </a:p>
-          <a:p>
-            <a:endParaRPr lang="en-GB" dirty="0" smtClean="0">
-              <a:latin typeface="Moire Light" panose="02000304030000020004" pitchFamily="2" charset="0"/>
-            </a:endParaRPr>
-          </a:p>
-          <a:p>
-            <a:r>
-              <a:rPr lang="en-GB" dirty="0" smtClean="0">
-                <a:latin typeface="Moire Light" panose="02000304030000020004" pitchFamily="2" charset="0"/>
-              </a:rPr>
-              <a:t>Begin by isolating the elements that make games engaging</a:t>
-            </a:r>
-          </a:p>
-          <a:p>
-            <a:r>
-              <a:rPr lang="en-GB" dirty="0" smtClean="0">
-                <a:latin typeface="Moire Light" panose="02000304030000020004" pitchFamily="2" charset="0"/>
-              </a:rPr>
-              <a:t>Transplant those elements to other forms of media to ‘gamify’ them</a:t>
-            </a:r>
-          </a:p>
-          <a:p>
-            <a:r>
-              <a:rPr lang="en-GB" dirty="0" smtClean="0">
-                <a:latin typeface="Moire Light" panose="02000304030000020004" pitchFamily="2" charset="0"/>
-              </a:rPr>
-              <a:t>Aim to drive engagement</a:t>
-            </a:r>
-            <a:endParaRPr lang="en-GB" dirty="0">
-              <a:latin typeface="Moire Light" panose="02000304030000020004" pitchFamily="2" charset="0"/>
-            </a:endParaRPr>
-          </a:p>
-        </p:txBody>
-      </p:sp>
-      <p:sp>
-        <p:nvSpPr>
-          <p:cNvPr id="4" name="TextBox 3"/>
-          <p:cNvSpPr txBox="1"/>
-          <p:nvPr/>
-        </p:nvSpPr>
-        <p:spPr>
-          <a:xfrm>
-            <a:off x="0" y="6488668"/>
-            <a:ext cx="9144000" cy="353943"/>
-          </a:xfrm>
-          <a:prstGeom prst="rect">
-            <a:avLst/>
-          </a:prstGeom>
-          <a:noFill/>
-        </p:spPr>
-        <p:txBody>
-          <a:bodyPr wrap="square" rtlCol="0">
-            <a:spAutoFit/>
-          </a:bodyPr>
-          <a:lstStyle/>
-          <a:p>
-            <a:pPr algn="ctr"/>
-            <a:r>
-              <a:rPr lang="en-GB" sz="1700" dirty="0">
-                <a:latin typeface="Moire Light" panose="02000304030000020004" pitchFamily="2" charset="0"/>
-              </a:rPr>
-              <a:t>Definition from </a:t>
-            </a:r>
-            <a:r>
-              <a:rPr lang="en-GB" sz="1700" dirty="0" smtClean="0">
-                <a:latin typeface="Moire Light" panose="02000304030000020004" pitchFamily="2" charset="0"/>
-              </a:rPr>
-              <a:t>“From game design </a:t>
-            </a:r>
-            <a:r>
-              <a:rPr lang="en-GB" sz="1700" dirty="0">
-                <a:latin typeface="Moire Light" panose="02000304030000020004" pitchFamily="2" charset="0"/>
-              </a:rPr>
-              <a:t>elements to </a:t>
-            </a:r>
-            <a:r>
-              <a:rPr lang="en-GB" sz="1700" dirty="0" err="1" smtClean="0">
-                <a:latin typeface="Moire Light" panose="02000304030000020004" pitchFamily="2" charset="0"/>
-              </a:rPr>
-              <a:t>gamefulness</a:t>
-            </a:r>
-            <a:r>
-              <a:rPr lang="en-GB" sz="1700" dirty="0" smtClean="0">
-                <a:latin typeface="Moire Light" panose="02000304030000020004" pitchFamily="2" charset="0"/>
-              </a:rPr>
-              <a:t> by </a:t>
-            </a:r>
-            <a:r>
-              <a:rPr lang="en-GB" sz="1700" dirty="0" err="1" smtClean="0">
-                <a:latin typeface="Moire Light" panose="02000304030000020004" pitchFamily="2" charset="0"/>
-              </a:rPr>
-              <a:t>Detarding</a:t>
-            </a:r>
-            <a:r>
-              <a:rPr lang="en-GB" sz="1700" dirty="0" smtClean="0">
-                <a:latin typeface="Moire Light" panose="02000304030000020004" pitchFamily="2" charset="0"/>
-              </a:rPr>
-              <a:t> et al. (2011)</a:t>
-            </a:r>
-            <a:endParaRPr lang="en-GB" sz="1700" dirty="0">
-              <a:latin typeface="Moire Light" panose="02000304030000020004" pitchFamily="2" charset="0"/>
-            </a:endParaRPr>
-          </a:p>
-        </p:txBody>
-      </p:sp>
-    </p:spTree>
-    <p:extLst>
-      <p:ext uri="{BB962C8B-B14F-4D97-AF65-F5344CB8AC3E}">
-        <p14:creationId xmlns:p14="http://schemas.microsoft.com/office/powerpoint/2010/main" val="3477072138"/>
-      </p:ext>
-    </p:extLst>
-  </p:cSld>
-  <p:clrMapOvr>
-    <a:masterClrMapping/>
-  </p:clrMapOvr>
-  <p:timing>
-    <p:tnLst>
-      <p:par>
-        <p:cTn id="1" dur="indefinite" restart="never" nodeType="tmRoot"/>
-      </p:par>
-    </p:tnLst>
-  </p:timing>
-</p:sld>
-</file>
-
-<file path=ppt/slides/slide9.xml><?xml version="1.0" encoding="utf-8"?>
-<p:sld xmlns:a="http://schemas.openxmlformats.org/drawingml/2006/main" xmlns:r="http://schemas.openxmlformats.org/officeDocument/2006/relationships" xmlns:p="http://schemas.openxmlformats.org/presentationml/2006/main">
-  <p:cSld>
-    <p:bg>
-      <p:bgPr>
-        <a:solidFill>
-          <a:srgbClr val="66CCFF"/>
-        </a:solidFill>
-        <a:effectLst/>
-      </p:bgPr>
-    </p:bg>
-    <p:spTree>
-      <p:nvGrpSpPr>
-        <p:cNvPr id="1" name=""/>
-        <p:cNvGrpSpPr/>
-        <p:nvPr/>
-      </p:nvGrpSpPr>
-      <p:grpSpPr>
-        <a:xfrm>
-          <a:off x="0" y="0"/>
-          <a:ext cx="0" cy="0"/>
-          <a:chOff x="0" y="0"/>
-          <a:chExt cx="0" cy="0"/>
-        </a:xfrm>
-      </p:grpSpPr>
-      <p:sp>
-        <p:nvSpPr>
-          <p:cNvPr id="2" name="Title 1"/>
-          <p:cNvSpPr>
-            <a:spLocks noGrp="1"/>
-          </p:cNvSpPr>
-          <p:nvPr>
-            <p:ph type="title"/>
-          </p:nvPr>
-        </p:nvSpPr>
-        <p:spPr/>
-        <p:txBody>
-          <a:bodyPr/>
-          <a:lstStyle/>
-          <a:p>
-            <a:r>
-              <a:rPr lang="en-GB" dirty="0" smtClean="0">
-                <a:latin typeface="Moire Light" panose="02000304030000020004" pitchFamily="2" charset="0"/>
-              </a:rPr>
-              <a:t>Presentation Overview</a:t>
-            </a:r>
-            <a:endParaRPr lang="en-GB" dirty="0">
-              <a:latin typeface="Moire Light" panose="02000304030000020004" pitchFamily="2" charset="0"/>
-            </a:endParaRPr>
-          </a:p>
-        </p:txBody>
-      </p:sp>
-      <p:sp>
-        <p:nvSpPr>
-          <p:cNvPr id="3" name="Content Placeholder 2"/>
-          <p:cNvSpPr>
-            <a:spLocks noGrp="1"/>
-          </p:cNvSpPr>
-          <p:nvPr>
-            <p:ph idx="1"/>
-          </p:nvPr>
-        </p:nvSpPr>
-        <p:spPr/>
-        <p:txBody>
-          <a:bodyPr>
-            <a:normAutofit/>
-          </a:bodyPr>
-          <a:lstStyle/>
-          <a:p>
-            <a:r>
-              <a:rPr lang="en-GB" dirty="0" smtClean="0">
-                <a:latin typeface="Moire Light" panose="02000304030000020004" pitchFamily="2" charset="0"/>
-              </a:rPr>
-              <a:t>What are Bartle’s gamer </a:t>
-            </a:r>
-            <a:r>
-              <a:rPr lang="en-GB" dirty="0">
-                <a:latin typeface="Moire Light" panose="02000304030000020004" pitchFamily="2" charset="0"/>
-              </a:rPr>
-              <a:t>t</a:t>
-            </a:r>
-            <a:r>
-              <a:rPr lang="en-GB" dirty="0" smtClean="0">
-                <a:latin typeface="Moire Light" panose="02000304030000020004" pitchFamily="2" charset="0"/>
-              </a:rPr>
-              <a:t>ypes?</a:t>
-            </a:r>
-          </a:p>
-          <a:p>
-            <a:r>
-              <a:rPr lang="en-GB" dirty="0">
-                <a:latin typeface="Moire Light" panose="02000304030000020004" pitchFamily="2" charset="0"/>
-              </a:rPr>
-              <a:t>What is gamification</a:t>
-            </a:r>
-            <a:r>
-              <a:rPr lang="en-GB" dirty="0" smtClean="0">
-                <a:latin typeface="Moire Light" panose="02000304030000020004" pitchFamily="2" charset="0"/>
-              </a:rPr>
-              <a:t>?</a:t>
-            </a:r>
-            <a:endParaRPr lang="en-GB" b="1" dirty="0" smtClean="0">
-              <a:solidFill>
-                <a:srgbClr val="7030A0"/>
-              </a:solidFill>
-              <a:latin typeface="Moire Light" panose="02000304030000020004" pitchFamily="2" charset="0"/>
-            </a:endParaRPr>
-          </a:p>
-          <a:p>
-            <a:r>
-              <a:rPr lang="en-GB" b="1" dirty="0" smtClean="0">
-                <a:solidFill>
-                  <a:srgbClr val="7030A0"/>
-                </a:solidFill>
-                <a:latin typeface="Moire Light" panose="02000304030000020004" pitchFamily="2" charset="0"/>
-              </a:rPr>
-              <a:t>What does </a:t>
-            </a:r>
-            <a:r>
-              <a:rPr lang="en-GB" b="1" dirty="0" err="1">
-                <a:solidFill>
-                  <a:srgbClr val="7030A0"/>
-                </a:solidFill>
-                <a:latin typeface="Moire Light" panose="02000304030000020004" pitchFamily="2" charset="0"/>
-              </a:rPr>
-              <a:t>gamified</a:t>
-            </a:r>
-            <a:r>
-              <a:rPr lang="en-GB" b="1" dirty="0">
-                <a:solidFill>
-                  <a:srgbClr val="7030A0"/>
-                </a:solidFill>
-                <a:latin typeface="Moire Light" panose="02000304030000020004" pitchFamily="2" charset="0"/>
-              </a:rPr>
-              <a:t> HE entail? </a:t>
-            </a:r>
-            <a:endParaRPr lang="en-GB" b="1" dirty="0" smtClean="0">
-              <a:solidFill>
-                <a:srgbClr val="7030A0"/>
-              </a:solidFill>
-              <a:latin typeface="Moire Light" panose="02000304030000020004" pitchFamily="2" charset="0"/>
-            </a:endParaRPr>
-          </a:p>
-          <a:p>
-            <a:r>
-              <a:rPr lang="en-GB" dirty="0" smtClean="0">
-                <a:latin typeface="Moire Light" panose="02000304030000020004" pitchFamily="2" charset="0"/>
-              </a:rPr>
-              <a:t>What </a:t>
-            </a:r>
-            <a:r>
-              <a:rPr lang="en-GB" dirty="0" smtClean="0">
-                <a:latin typeface="Moire Light" panose="02000304030000020004" pitchFamily="2" charset="0"/>
-              </a:rPr>
-              <a:t>the report was investigating</a:t>
-            </a:r>
-          </a:p>
-          <a:p>
-            <a:r>
-              <a:rPr lang="en-GB" dirty="0" smtClean="0">
-                <a:latin typeface="Moire Light" panose="02000304030000020004" pitchFamily="2" charset="0"/>
-              </a:rPr>
-              <a:t>Results and conclusion</a:t>
-            </a:r>
-          </a:p>
-          <a:p>
-            <a:r>
-              <a:rPr lang="en-GB" dirty="0" smtClean="0">
-                <a:latin typeface="Moire Light" panose="02000304030000020004" pitchFamily="2" charset="0"/>
-              </a:rPr>
-              <a:t>Further work and Evaluation</a:t>
-            </a:r>
-          </a:p>
-          <a:p>
-            <a:r>
-              <a:rPr lang="en-GB" dirty="0" smtClean="0">
-                <a:latin typeface="Moire Light" panose="02000304030000020004" pitchFamily="2" charset="0"/>
-              </a:rPr>
-              <a:t>Questions</a:t>
-            </a:r>
-            <a:endParaRPr lang="en-GB" dirty="0">
-              <a:latin typeface="Moire Light" panose="02000304030000020004" pitchFamily="2" charset="0"/>
-            </a:endParaRPr>
-          </a:p>
-        </p:txBody>
-      </p:sp>
-    </p:spTree>
-    <p:extLst>
-      <p:ext uri="{BB962C8B-B14F-4D97-AF65-F5344CB8AC3E}">
-        <p14:creationId xmlns:p14="http://schemas.microsoft.com/office/powerpoint/2010/main" val="4092263085"/>
       </p:ext>
     </p:extLst>
   </p:cSld>
@@ -16275,7 +12553,7 @@
 </file>
 
 <file path=ppt/theme/theme2.xml><?xml version="1.0" encoding="utf-8"?>
-<a:theme xmlns:a="http://schemas.openxmlformats.org/drawingml/2006/main" name="1_Office Theme">
+<a:theme xmlns:a="http://schemas.openxmlformats.org/drawingml/2006/main" name="2_Office Theme">
   <a:themeElements>
     <a:clrScheme name="Office">
       <a:dk1>
@@ -16560,291 +12838,6 @@
 </file>
 
 <file path=ppt/theme/theme3.xml><?xml version="1.0" encoding="utf-8"?>
-<a:theme xmlns:a="http://schemas.openxmlformats.org/drawingml/2006/main" name="2_Office Theme">
-  <a:themeElements>
-    <a:clrScheme name="Office">
-      <a:dk1>
-        <a:sysClr val="windowText" lastClr="000000"/>
-      </a:dk1>
-      <a:lt1>
-        <a:sysClr val="window" lastClr="FFFFFF"/>
-      </a:lt1>
-      <a:dk2>
-        <a:srgbClr val="1F497D"/>
-      </a:dk2>
-      <a:lt2>
-        <a:srgbClr val="EEECE1"/>
-      </a:lt2>
-      <a:accent1>
-        <a:srgbClr val="4F81BD"/>
-      </a:accent1>
-      <a:accent2>
-        <a:srgbClr val="C0504D"/>
-      </a:accent2>
-      <a:accent3>
-        <a:srgbClr val="9BBB59"/>
-      </a:accent3>
-      <a:accent4>
-        <a:srgbClr val="8064A2"/>
-      </a:accent4>
-      <a:accent5>
-        <a:srgbClr val="4BACC6"/>
-      </a:accent5>
-      <a:accent6>
-        <a:srgbClr val="F79646"/>
-      </a:accent6>
-      <a:hlink>
-        <a:srgbClr val="0000FF"/>
-      </a:hlink>
-      <a:folHlink>
-        <a:srgbClr val="800080"/>
-      </a:folHlink>
-    </a:clrScheme>
-    <a:fontScheme name="Office">
-      <a:majorFont>
-        <a:latin typeface="Calibri"/>
-        <a:ea typeface=""/>
-        <a:cs typeface=""/>
-        <a:font script="Jpan" typeface="ＭＳ Ｐゴシック"/>
-        <a:font script="Hang" typeface="맑은 고딕"/>
-        <a:font script="Hans" typeface="宋体"/>
-        <a:font script="Hant" typeface="新細明體"/>
-        <a:font script="Arab" typeface="Times New Roman"/>
-        <a:font script="Hebr" typeface="Times New Roman"/>
-        <a:font script="Thai" typeface="Angsana New"/>
-        <a:font script="Ethi" typeface="Nyala"/>
-        <a:font script="Beng" typeface="Vrinda"/>
-        <a:font script="Gujr" typeface="Shruti"/>
-        <a:font script="Khmr" typeface="MoolBoran"/>
-        <a:font script="Knda" typeface="Tunga"/>
-        <a:font script="Guru" typeface="Raavi"/>
-        <a:font script="Cans" typeface="Euphemia"/>
-        <a:font script="Cher" typeface="Plantagenet Cherokee"/>
-        <a:font script="Yiii" typeface="Microsoft Yi Baiti"/>
-        <a:font script="Tibt" typeface="Microsoft Himalaya"/>
-        <a:font script="Thaa" typeface="MV Boli"/>
-        <a:font script="Deva" typeface="Mangal"/>
-        <a:font script="Telu" typeface="Gautami"/>
-        <a:font script="Taml" typeface="Latha"/>
-        <a:font script="Syrc" typeface="Estrangelo Edessa"/>
-        <a:font script="Orya" typeface="Kalinga"/>
-        <a:font script="Mlym" typeface="Kartika"/>
-        <a:font script="Laoo" typeface="DokChampa"/>
-        <a:font script="Sinh" typeface="Iskoola Pota"/>
-        <a:font script="Mong" typeface="Mongolian Baiti"/>
-        <a:font script="Viet" typeface="Times New Roman"/>
-        <a:font script="Uigh" typeface="Microsoft Uighur"/>
-        <a:font script="Geor" typeface="Sylfaen"/>
-      </a:majorFont>
-      <a:minorFont>
-        <a:latin typeface="Calibri"/>
-        <a:ea typeface=""/>
-        <a:cs typeface=""/>
-        <a:font script="Jpan" typeface="ＭＳ Ｐゴシック"/>
-        <a:font script="Hang" typeface="맑은 고딕"/>
-        <a:font script="Hans" typeface="宋体"/>
-        <a:font script="Hant" typeface="新細明體"/>
-        <a:font script="Arab" typeface="Arial"/>
-        <a:font script="Hebr" typeface="Arial"/>
-        <a:font script="Thai" typeface="Cordia New"/>
-        <a:font script="Ethi" typeface="Nyala"/>
-        <a:font script="Beng" typeface="Vrinda"/>
-        <a:font script="Gujr" typeface="Shruti"/>
-        <a:font script="Khmr" typeface="DaunPenh"/>
-        <a:font script="Knda" typeface="Tunga"/>
-        <a:font script="Guru" typeface="Raavi"/>
-        <a:font script="Cans" typeface="Euphemia"/>
-        <a:font script="Cher" typeface="Plantagenet Cherokee"/>
-        <a:font script="Yiii" typeface="Microsoft Yi Baiti"/>
-        <a:font script="Tibt" typeface="Microsoft Himalaya"/>
-        <a:font script="Thaa" typeface="MV Boli"/>
-        <a:font script="Deva" typeface="Mangal"/>
-        <a:font script="Telu" typeface="Gautami"/>
-        <a:font script="Taml" typeface="Latha"/>
-        <a:font script="Syrc" typeface="Estrangelo Edessa"/>
-        <a:font script="Orya" typeface="Kalinga"/>
-        <a:font script="Mlym" typeface="Kartika"/>
-        <a:font script="Laoo" typeface="DokChampa"/>
-        <a:font script="Sinh" typeface="Iskoola Pota"/>
-        <a:font script="Mong" typeface="Mongolian Baiti"/>
-        <a:font script="Viet" typeface="Arial"/>
-        <a:font script="Uigh" typeface="Microsoft Uighur"/>
-        <a:font script="Geor" typeface="Sylfaen"/>
-      </a:minorFont>
-    </a:fontScheme>
-    <a:fmtScheme name="Office">
-      <a:fillStyleLst>
-        <a:solidFill>
-          <a:schemeClr val="phClr"/>
-        </a:solidFill>
-        <a:gradFill rotWithShape="1">
-          <a:gsLst>
-            <a:gs pos="0">
-              <a:schemeClr val="phClr">
-                <a:tint val="50000"/>
-                <a:satMod val="300000"/>
-              </a:schemeClr>
-            </a:gs>
-            <a:gs pos="35000">
-              <a:schemeClr val="phClr">
-                <a:tint val="37000"/>
-                <a:satMod val="300000"/>
-              </a:schemeClr>
-            </a:gs>
-            <a:gs pos="100000">
-              <a:schemeClr val="phClr">
-                <a:tint val="15000"/>
-                <a:satMod val="350000"/>
-              </a:schemeClr>
-            </a:gs>
-          </a:gsLst>
-          <a:lin ang="16200000" scaled="1"/>
-        </a:gradFill>
-        <a:gradFill rotWithShape="1">
-          <a:gsLst>
-            <a:gs pos="0">
-              <a:schemeClr val="phClr">
-                <a:shade val="51000"/>
-                <a:satMod val="130000"/>
-              </a:schemeClr>
-            </a:gs>
-            <a:gs pos="80000">
-              <a:schemeClr val="phClr">
-                <a:shade val="93000"/>
-                <a:satMod val="130000"/>
-              </a:schemeClr>
-            </a:gs>
-            <a:gs pos="100000">
-              <a:schemeClr val="phClr">
-                <a:shade val="94000"/>
-                <a:satMod val="135000"/>
-              </a:schemeClr>
-            </a:gs>
-          </a:gsLst>
-          <a:lin ang="16200000" scaled="0"/>
-        </a:gradFill>
-      </a:fillStyleLst>
-      <a:lnStyleLst>
-        <a:ln w="9525" cap="flat" cmpd="sng" algn="ctr">
-          <a:solidFill>
-            <a:schemeClr val="phClr">
-              <a:shade val="95000"/>
-              <a:satMod val="105000"/>
-            </a:schemeClr>
-          </a:solidFill>
-          <a:prstDash val="solid"/>
-        </a:ln>
-        <a:ln w="25400" cap="flat" cmpd="sng" algn="ctr">
-          <a:solidFill>
-            <a:schemeClr val="phClr"/>
-          </a:solidFill>
-          <a:prstDash val="solid"/>
-        </a:ln>
-        <a:ln w="38100" cap="flat" cmpd="sng" algn="ctr">
-          <a:solidFill>
-            <a:schemeClr val="phClr"/>
-          </a:solidFill>
-          <a:prstDash val="solid"/>
-        </a:ln>
-      </a:lnStyleLst>
-      <a:effectStyleLst>
-        <a:effectStyle>
-          <a:effectLst>
-            <a:outerShdw blurRad="40000" dist="20000" dir="5400000" rotWithShape="0">
-              <a:srgbClr val="000000">
-                <a:alpha val="38000"/>
-              </a:srgbClr>
-            </a:outerShdw>
-          </a:effectLst>
-        </a:effectStyle>
-        <a:effectStyle>
-          <a:effectLst>
-            <a:outerShdw blurRad="40000" dist="23000" dir="5400000" rotWithShape="0">
-              <a:srgbClr val="000000">
-                <a:alpha val="35000"/>
-              </a:srgbClr>
-            </a:outerShdw>
-          </a:effectLst>
-        </a:effectStyle>
-        <a:effectStyle>
-          <a:effectLst>
-            <a:outerShdw blurRad="40000" dist="23000" dir="5400000" rotWithShape="0">
-              <a:srgbClr val="000000">
-                <a:alpha val="35000"/>
-              </a:srgbClr>
-            </a:outerShdw>
-          </a:effectLst>
-          <a:scene3d>
-            <a:camera prst="orthographicFront">
-              <a:rot lat="0" lon="0" rev="0"/>
-            </a:camera>
-            <a:lightRig rig="threePt" dir="t">
-              <a:rot lat="0" lon="0" rev="1200000"/>
-            </a:lightRig>
-          </a:scene3d>
-          <a:sp3d>
-            <a:bevelT w="63500" h="25400"/>
-          </a:sp3d>
-        </a:effectStyle>
-      </a:effectStyleLst>
-      <a:bgFillStyleLst>
-        <a:solidFill>
-          <a:schemeClr val="phClr"/>
-        </a:solidFill>
-        <a:gradFill rotWithShape="1">
-          <a:gsLst>
-            <a:gs pos="0">
-              <a:schemeClr val="phClr">
-                <a:tint val="40000"/>
-                <a:satMod val="350000"/>
-              </a:schemeClr>
-            </a:gs>
-            <a:gs pos="40000">
-              <a:schemeClr val="phClr">
-                <a:tint val="45000"/>
-                <a:shade val="99000"/>
-                <a:satMod val="350000"/>
-              </a:schemeClr>
-            </a:gs>
-            <a:gs pos="100000">
-              <a:schemeClr val="phClr">
-                <a:shade val="20000"/>
-                <a:satMod val="255000"/>
-              </a:schemeClr>
-            </a:gs>
-          </a:gsLst>
-          <a:path path="circle">
-            <a:fillToRect l="50000" t="-80000" r="50000" b="180000"/>
-          </a:path>
-        </a:gradFill>
-        <a:gradFill rotWithShape="1">
-          <a:gsLst>
-            <a:gs pos="0">
-              <a:schemeClr val="phClr">
-                <a:tint val="80000"/>
-                <a:satMod val="300000"/>
-              </a:schemeClr>
-            </a:gs>
-            <a:gs pos="100000">
-              <a:schemeClr val="phClr">
-                <a:shade val="30000"/>
-                <a:satMod val="200000"/>
-              </a:schemeClr>
-            </a:gs>
-          </a:gsLst>
-          <a:path path="circle">
-            <a:fillToRect l="50000" t="50000" r="50000" b="50000"/>
-          </a:path>
-        </a:gradFill>
-      </a:bgFillStyleLst>
-    </a:fmtScheme>
-  </a:themeElements>
-  <a:objectDefaults/>
-  <a:extraClrSchemeLst/>
-</a:theme>
-</file>
-
-<file path=ppt/theme/theme4.xml><?xml version="1.0" encoding="utf-8"?>
 <a:theme xmlns:a="http://schemas.openxmlformats.org/drawingml/2006/main" name="3_Office Theme">
   <a:themeElements>
     <a:clrScheme name="Office">
